--- a/Python/Projekt/projekt_python.pptx
+++ b/Python/Projekt/projekt_python.pptx
@@ -18,22 +18,26 @@
     <p:sldId id="265" r:id="rId12"/>
     <p:sldId id="282" r:id="rId13"/>
     <p:sldId id="266" r:id="rId14"/>
-    <p:sldId id="268" r:id="rId15"/>
-    <p:sldId id="267" r:id="rId16"/>
-    <p:sldId id="291" r:id="rId17"/>
-    <p:sldId id="292" r:id="rId18"/>
-    <p:sldId id="283" r:id="rId19"/>
-    <p:sldId id="284" r:id="rId20"/>
-    <p:sldId id="269" r:id="rId21"/>
-    <p:sldId id="270" r:id="rId22"/>
-    <p:sldId id="271" r:id="rId23"/>
-    <p:sldId id="286" r:id="rId24"/>
-    <p:sldId id="293" r:id="rId25"/>
-    <p:sldId id="288" r:id="rId26"/>
-    <p:sldId id="295" r:id="rId27"/>
-    <p:sldId id="296" r:id="rId28"/>
-    <p:sldId id="298" r:id="rId29"/>
-    <p:sldId id="299" r:id="rId30"/>
+    <p:sldId id="267" r:id="rId15"/>
+    <p:sldId id="291" r:id="rId16"/>
+    <p:sldId id="292" r:id="rId17"/>
+    <p:sldId id="300" r:id="rId18"/>
+    <p:sldId id="301" r:id="rId19"/>
+    <p:sldId id="302" r:id="rId20"/>
+    <p:sldId id="303" r:id="rId21"/>
+    <p:sldId id="304" r:id="rId22"/>
+    <p:sldId id="283" r:id="rId23"/>
+    <p:sldId id="284" r:id="rId24"/>
+    <p:sldId id="269" r:id="rId25"/>
+    <p:sldId id="270" r:id="rId26"/>
+    <p:sldId id="271" r:id="rId27"/>
+    <p:sldId id="286" r:id="rId28"/>
+    <p:sldId id="293" r:id="rId29"/>
+    <p:sldId id="288" r:id="rId30"/>
+    <p:sldId id="295" r:id="rId31"/>
+    <p:sldId id="296" r:id="rId32"/>
+    <p:sldId id="298" r:id="rId33"/>
+    <p:sldId id="299" r:id="rId34"/>
   </p:sldIdLst>
   <p:sldSz cx="12192000" cy="6858000"/>
   <p:notesSz cx="6858000" cy="9144000"/>
@@ -3269,6 +3273,788 @@
 </file>
 
 <file path=ppt/diagrams/colors5.xml><?xml version="1.0" encoding="utf-8"?>
+<dgm:colorsDef xmlns:dgm="http://schemas.openxmlformats.org/drawingml/2006/diagram" xmlns:a="http://schemas.openxmlformats.org/drawingml/2006/main" uniqueId="urn:microsoft.com/office/officeart/2005/8/colors/colorful2">
+  <dgm:title val=""/>
+  <dgm:desc val=""/>
+  <dgm:catLst>
+    <dgm:cat type="colorful" pri="10200"/>
+  </dgm:catLst>
+  <dgm:styleLbl name="node0">
+    <dgm:fillClrLst meth="repeat">
+      <a:schemeClr val="accent1"/>
+    </dgm:fillClrLst>
+    <dgm:linClrLst meth="repeat">
+      <a:schemeClr val="lt1"/>
+    </dgm:linClrLst>
+    <dgm:effectClrLst/>
+    <dgm:txLinClrLst/>
+    <dgm:txFillClrLst/>
+    <dgm:txEffectClrLst/>
+  </dgm:styleLbl>
+  <dgm:styleLbl name="node1">
+    <dgm:fillClrLst>
+      <a:schemeClr val="accent2"/>
+      <a:schemeClr val="accent3"/>
+    </dgm:fillClrLst>
+    <dgm:linClrLst meth="repeat">
+      <a:schemeClr val="lt1"/>
+    </dgm:linClrLst>
+    <dgm:effectClrLst/>
+    <dgm:txLinClrLst/>
+    <dgm:txFillClrLst/>
+    <dgm:txEffectClrLst/>
+  </dgm:styleLbl>
+  <dgm:styleLbl name="alignNode1">
+    <dgm:fillClrLst>
+      <a:schemeClr val="accent2"/>
+      <a:schemeClr val="accent3"/>
+    </dgm:fillClrLst>
+    <dgm:linClrLst>
+      <a:schemeClr val="accent2"/>
+      <a:schemeClr val="accent3"/>
+    </dgm:linClrLst>
+    <dgm:effectClrLst/>
+    <dgm:txLinClrLst/>
+    <dgm:txFillClrLst/>
+    <dgm:txEffectClrLst/>
+  </dgm:styleLbl>
+  <dgm:styleLbl name="lnNode1">
+    <dgm:fillClrLst>
+      <a:schemeClr val="accent2"/>
+      <a:schemeClr val="accent3"/>
+    </dgm:fillClrLst>
+    <dgm:linClrLst meth="repeat">
+      <a:schemeClr val="lt1"/>
+    </dgm:linClrLst>
+    <dgm:effectClrLst/>
+    <dgm:txLinClrLst/>
+    <dgm:txFillClrLst/>
+    <dgm:txEffectClrLst/>
+  </dgm:styleLbl>
+  <dgm:styleLbl name="vennNode1">
+    <dgm:fillClrLst>
+      <a:schemeClr val="accent2">
+        <a:alpha val="50000"/>
+      </a:schemeClr>
+      <a:schemeClr val="accent3">
+        <a:alpha val="50000"/>
+      </a:schemeClr>
+    </dgm:fillClrLst>
+    <dgm:linClrLst meth="repeat">
+      <a:schemeClr val="lt1"/>
+    </dgm:linClrLst>
+    <dgm:effectClrLst/>
+    <dgm:txLinClrLst/>
+    <dgm:txFillClrLst/>
+    <dgm:txEffectClrLst/>
+  </dgm:styleLbl>
+  <dgm:styleLbl name="node2">
+    <dgm:fillClrLst>
+      <a:schemeClr val="accent3"/>
+    </dgm:fillClrLst>
+    <dgm:linClrLst meth="repeat">
+      <a:schemeClr val="lt1"/>
+    </dgm:linClrLst>
+    <dgm:effectClrLst/>
+    <dgm:txLinClrLst/>
+    <dgm:txFillClrLst/>
+    <dgm:txEffectClrLst/>
+  </dgm:styleLbl>
+  <dgm:styleLbl name="node3">
+    <dgm:fillClrLst>
+      <a:schemeClr val="accent4"/>
+    </dgm:fillClrLst>
+    <dgm:linClrLst meth="repeat">
+      <a:schemeClr val="lt1"/>
+    </dgm:linClrLst>
+    <dgm:effectClrLst/>
+    <dgm:txLinClrLst/>
+    <dgm:txFillClrLst/>
+    <dgm:txEffectClrLst/>
+  </dgm:styleLbl>
+  <dgm:styleLbl name="node4">
+    <dgm:fillClrLst>
+      <a:schemeClr val="accent5"/>
+    </dgm:fillClrLst>
+    <dgm:linClrLst meth="repeat">
+      <a:schemeClr val="lt1"/>
+    </dgm:linClrLst>
+    <dgm:effectClrLst/>
+    <dgm:txLinClrLst/>
+    <dgm:txFillClrLst/>
+    <dgm:txEffectClrLst/>
+  </dgm:styleLbl>
+  <dgm:styleLbl name="fgImgPlace1">
+    <dgm:fillClrLst>
+      <a:schemeClr val="accent2">
+        <a:tint val="50000"/>
+      </a:schemeClr>
+      <a:schemeClr val="accent3">
+        <a:tint val="50000"/>
+      </a:schemeClr>
+    </dgm:fillClrLst>
+    <dgm:linClrLst meth="repeat">
+      <a:schemeClr val="lt1"/>
+    </dgm:linClrLst>
+    <dgm:effectClrLst/>
+    <dgm:txLinClrLst/>
+    <dgm:txFillClrLst meth="repeat">
+      <a:schemeClr val="lt1"/>
+    </dgm:txFillClrLst>
+    <dgm:txEffectClrLst/>
+  </dgm:styleLbl>
+  <dgm:styleLbl name="alignImgPlace1">
+    <dgm:fillClrLst>
+      <a:schemeClr val="accent2">
+        <a:tint val="50000"/>
+      </a:schemeClr>
+      <a:schemeClr val="accent3">
+        <a:tint val="20000"/>
+      </a:schemeClr>
+    </dgm:fillClrLst>
+    <dgm:linClrLst meth="repeat">
+      <a:schemeClr val="lt1"/>
+    </dgm:linClrLst>
+    <dgm:effectClrLst/>
+    <dgm:txLinClrLst/>
+    <dgm:txFillClrLst meth="repeat">
+      <a:schemeClr val="lt1"/>
+    </dgm:txFillClrLst>
+    <dgm:txEffectClrLst/>
+  </dgm:styleLbl>
+  <dgm:styleLbl name="bgImgPlace1">
+    <dgm:fillClrLst>
+      <a:schemeClr val="accent2">
+        <a:tint val="50000"/>
+      </a:schemeClr>
+      <a:schemeClr val="accent3">
+        <a:tint val="20000"/>
+      </a:schemeClr>
+    </dgm:fillClrLst>
+    <dgm:linClrLst meth="repeat">
+      <a:schemeClr val="lt1"/>
+    </dgm:linClrLst>
+    <dgm:effectClrLst/>
+    <dgm:txLinClrLst/>
+    <dgm:txFillClrLst meth="repeat">
+      <a:schemeClr val="lt1"/>
+    </dgm:txFillClrLst>
+    <dgm:txEffectClrLst/>
+  </dgm:styleLbl>
+  <dgm:styleLbl name="sibTrans2D1">
+    <dgm:fillClrLst>
+      <a:schemeClr val="accent2"/>
+      <a:schemeClr val="accent3"/>
+    </dgm:fillClrLst>
+    <dgm:linClrLst meth="repeat">
+      <a:schemeClr val="lt1"/>
+    </dgm:linClrLst>
+    <dgm:effectClrLst/>
+    <dgm:txLinClrLst/>
+    <dgm:txFillClrLst/>
+    <dgm:txEffectClrLst/>
+  </dgm:styleLbl>
+  <dgm:styleLbl name="fgSibTrans2D1">
+    <dgm:fillClrLst>
+      <a:schemeClr val="accent2"/>
+      <a:schemeClr val="accent3"/>
+    </dgm:fillClrLst>
+    <dgm:linClrLst meth="repeat">
+      <a:schemeClr val="lt1"/>
+    </dgm:linClrLst>
+    <dgm:effectClrLst/>
+    <dgm:txLinClrLst/>
+    <dgm:txFillClrLst meth="repeat">
+      <a:schemeClr val="lt1"/>
+    </dgm:txFillClrLst>
+    <dgm:txEffectClrLst/>
+  </dgm:styleLbl>
+  <dgm:styleLbl name="bgSibTrans2D1">
+    <dgm:fillClrLst>
+      <a:schemeClr val="accent2"/>
+      <a:schemeClr val="accent3"/>
+    </dgm:fillClrLst>
+    <dgm:linClrLst meth="repeat">
+      <a:schemeClr val="lt1"/>
+    </dgm:linClrLst>
+    <dgm:effectClrLst/>
+    <dgm:txLinClrLst/>
+    <dgm:txFillClrLst meth="repeat">
+      <a:schemeClr val="lt1"/>
+    </dgm:txFillClrLst>
+    <dgm:txEffectClrLst/>
+  </dgm:styleLbl>
+  <dgm:styleLbl name="sibTrans1D1">
+    <dgm:fillClrLst/>
+    <dgm:linClrLst>
+      <a:schemeClr val="accent2"/>
+      <a:schemeClr val="accent3"/>
+    </dgm:linClrLst>
+    <dgm:effectClrLst/>
+    <dgm:txLinClrLst/>
+    <dgm:txFillClrLst meth="repeat">
+      <a:schemeClr val="tx1"/>
+    </dgm:txFillClrLst>
+    <dgm:txEffectClrLst/>
+  </dgm:styleLbl>
+  <dgm:styleLbl name="callout">
+    <dgm:fillClrLst meth="repeat">
+      <a:schemeClr val="accent2"/>
+    </dgm:fillClrLst>
+    <dgm:linClrLst meth="repeat">
+      <a:schemeClr val="accent2">
+        <a:tint val="50000"/>
+      </a:schemeClr>
+    </dgm:linClrLst>
+    <dgm:effectClrLst/>
+    <dgm:txLinClrLst/>
+    <dgm:txFillClrLst meth="repeat">
+      <a:schemeClr val="tx1"/>
+    </dgm:txFillClrLst>
+    <dgm:txEffectClrLst/>
+  </dgm:styleLbl>
+  <dgm:styleLbl name="asst0">
+    <dgm:fillClrLst meth="repeat">
+      <a:schemeClr val="accent2"/>
+    </dgm:fillClrLst>
+    <dgm:linClrLst meth="repeat">
+      <a:schemeClr val="lt1">
+        <a:shade val="80000"/>
+      </a:schemeClr>
+    </dgm:linClrLst>
+    <dgm:effectClrLst/>
+    <dgm:txLinClrLst/>
+    <dgm:txFillClrLst/>
+    <dgm:txEffectClrLst/>
+  </dgm:styleLbl>
+  <dgm:styleLbl name="asst1">
+    <dgm:fillClrLst meth="repeat">
+      <a:schemeClr val="accent3"/>
+    </dgm:fillClrLst>
+    <dgm:linClrLst meth="repeat">
+      <a:schemeClr val="lt1">
+        <a:shade val="80000"/>
+      </a:schemeClr>
+    </dgm:linClrLst>
+    <dgm:effectClrLst/>
+    <dgm:txLinClrLst/>
+    <dgm:txFillClrLst/>
+    <dgm:txEffectClrLst/>
+  </dgm:styleLbl>
+  <dgm:styleLbl name="asst2">
+    <dgm:fillClrLst>
+      <a:schemeClr val="accent4"/>
+    </dgm:fillClrLst>
+    <dgm:linClrLst meth="repeat">
+      <a:schemeClr val="lt1"/>
+    </dgm:linClrLst>
+    <dgm:effectClrLst/>
+    <dgm:txLinClrLst/>
+    <dgm:txFillClrLst/>
+    <dgm:txEffectClrLst/>
+  </dgm:styleLbl>
+  <dgm:styleLbl name="asst3">
+    <dgm:fillClrLst>
+      <a:schemeClr val="accent5"/>
+    </dgm:fillClrLst>
+    <dgm:linClrLst meth="repeat">
+      <a:schemeClr val="lt1"/>
+    </dgm:linClrLst>
+    <dgm:effectClrLst/>
+    <dgm:txLinClrLst/>
+    <dgm:txFillClrLst/>
+    <dgm:txEffectClrLst/>
+  </dgm:styleLbl>
+  <dgm:styleLbl name="asst4">
+    <dgm:fillClrLst>
+      <a:schemeClr val="accent6"/>
+    </dgm:fillClrLst>
+    <dgm:linClrLst meth="repeat">
+      <a:schemeClr val="lt1"/>
+    </dgm:linClrLst>
+    <dgm:effectClrLst/>
+    <dgm:txLinClrLst/>
+    <dgm:txFillClrLst/>
+    <dgm:txEffectClrLst/>
+  </dgm:styleLbl>
+  <dgm:styleLbl name="parChTrans2D1">
+    <dgm:fillClrLst meth="repeat">
+      <a:schemeClr val="accent2"/>
+    </dgm:fillClrLst>
+    <dgm:linClrLst meth="repeat">
+      <a:schemeClr val="lt1"/>
+    </dgm:linClrLst>
+    <dgm:effectClrLst/>
+    <dgm:txLinClrLst/>
+    <dgm:txFillClrLst meth="repeat">
+      <a:schemeClr val="lt1"/>
+    </dgm:txFillClrLst>
+    <dgm:txEffectClrLst/>
+  </dgm:styleLbl>
+  <dgm:styleLbl name="parChTrans2D2">
+    <dgm:fillClrLst meth="repeat">
+      <a:schemeClr val="accent3"/>
+    </dgm:fillClrLst>
+    <dgm:linClrLst meth="repeat">
+      <a:schemeClr val="lt1"/>
+    </dgm:linClrLst>
+    <dgm:effectClrLst/>
+    <dgm:txLinClrLst/>
+    <dgm:txFillClrLst/>
+    <dgm:txEffectClrLst/>
+  </dgm:styleLbl>
+  <dgm:styleLbl name="parChTrans2D3">
+    <dgm:fillClrLst meth="repeat">
+      <a:schemeClr val="accent4"/>
+    </dgm:fillClrLst>
+    <dgm:linClrLst meth="repeat">
+      <a:schemeClr val="lt1"/>
+    </dgm:linClrLst>
+    <dgm:effectClrLst/>
+    <dgm:txLinClrLst/>
+    <dgm:txFillClrLst/>
+    <dgm:txEffectClrLst/>
+  </dgm:styleLbl>
+  <dgm:styleLbl name="parChTrans2D4">
+    <dgm:fillClrLst meth="repeat">
+      <a:schemeClr val="accent5"/>
+    </dgm:fillClrLst>
+    <dgm:linClrLst meth="repeat">
+      <a:schemeClr val="lt1"/>
+    </dgm:linClrLst>
+    <dgm:effectClrLst/>
+    <dgm:txLinClrLst/>
+    <dgm:txFillClrLst meth="repeat">
+      <a:schemeClr val="lt1"/>
+    </dgm:txFillClrLst>
+    <dgm:txEffectClrLst/>
+  </dgm:styleLbl>
+  <dgm:styleLbl name="parChTrans1D1">
+    <dgm:fillClrLst meth="repeat">
+      <a:schemeClr val="accent2"/>
+    </dgm:fillClrLst>
+    <dgm:linClrLst meth="repeat">
+      <a:schemeClr val="accent2"/>
+    </dgm:linClrLst>
+    <dgm:effectClrLst/>
+    <dgm:txLinClrLst/>
+    <dgm:txFillClrLst meth="repeat">
+      <a:schemeClr val="tx1"/>
+    </dgm:txFillClrLst>
+    <dgm:txEffectClrLst/>
+  </dgm:styleLbl>
+  <dgm:styleLbl name="parChTrans1D2">
+    <dgm:fillClrLst meth="repeat">
+      <a:schemeClr val="accent2">
+        <a:tint val="90000"/>
+      </a:schemeClr>
+    </dgm:fillClrLst>
+    <dgm:linClrLst meth="repeat">
+      <a:schemeClr val="accent3"/>
+    </dgm:linClrLst>
+    <dgm:effectClrLst/>
+    <dgm:txLinClrLst/>
+    <dgm:txFillClrLst meth="repeat">
+      <a:schemeClr val="tx1"/>
+    </dgm:txFillClrLst>
+    <dgm:txEffectClrLst/>
+  </dgm:styleLbl>
+  <dgm:styleLbl name="parChTrans1D3">
+    <dgm:fillClrLst meth="repeat">
+      <a:schemeClr val="accent2">
+        <a:tint val="70000"/>
+      </a:schemeClr>
+    </dgm:fillClrLst>
+    <dgm:linClrLst meth="repeat">
+      <a:schemeClr val="accent4"/>
+    </dgm:linClrLst>
+    <dgm:effectClrLst/>
+    <dgm:txLinClrLst/>
+    <dgm:txFillClrLst meth="repeat">
+      <a:schemeClr val="tx1"/>
+    </dgm:txFillClrLst>
+    <dgm:txEffectClrLst/>
+  </dgm:styleLbl>
+  <dgm:styleLbl name="parChTrans1D4">
+    <dgm:fillClrLst meth="repeat">
+      <a:schemeClr val="accent2">
+        <a:tint val="50000"/>
+      </a:schemeClr>
+    </dgm:fillClrLst>
+    <dgm:linClrLst meth="repeat">
+      <a:schemeClr val="accent5"/>
+    </dgm:linClrLst>
+    <dgm:effectClrLst/>
+    <dgm:txLinClrLst/>
+    <dgm:txFillClrLst meth="repeat">
+      <a:schemeClr val="tx1"/>
+    </dgm:txFillClrLst>
+    <dgm:txEffectClrLst/>
+  </dgm:styleLbl>
+  <dgm:styleLbl name="fgAcc1">
+    <dgm:fillClrLst meth="repeat">
+      <a:schemeClr val="lt1">
+        <a:alpha val="90000"/>
+      </a:schemeClr>
+    </dgm:fillClrLst>
+    <dgm:linClrLst>
+      <a:schemeClr val="accent2"/>
+      <a:schemeClr val="accent3"/>
+    </dgm:linClrLst>
+    <dgm:effectClrLst/>
+    <dgm:txLinClrLst/>
+    <dgm:txFillClrLst meth="repeat">
+      <a:schemeClr val="dk1"/>
+    </dgm:txFillClrLst>
+    <dgm:txEffectClrLst/>
+  </dgm:styleLbl>
+  <dgm:styleLbl name="conFgAcc1">
+    <dgm:fillClrLst meth="repeat">
+      <a:schemeClr val="lt1">
+        <a:alpha val="90000"/>
+      </a:schemeClr>
+    </dgm:fillClrLst>
+    <dgm:linClrLst>
+      <a:schemeClr val="accent2"/>
+      <a:schemeClr val="accent3"/>
+    </dgm:linClrLst>
+    <dgm:effectClrLst/>
+    <dgm:txLinClrLst/>
+    <dgm:txFillClrLst meth="repeat">
+      <a:schemeClr val="dk1"/>
+    </dgm:txFillClrLst>
+    <dgm:txEffectClrLst/>
+  </dgm:styleLbl>
+  <dgm:styleLbl name="alignAcc1">
+    <dgm:fillClrLst meth="repeat">
+      <a:schemeClr val="lt1">
+        <a:alpha val="90000"/>
+      </a:schemeClr>
+    </dgm:fillClrLst>
+    <dgm:linClrLst>
+      <a:schemeClr val="accent2"/>
+      <a:schemeClr val="accent3"/>
+    </dgm:linClrLst>
+    <dgm:effectClrLst/>
+    <dgm:txLinClrLst/>
+    <dgm:txFillClrLst meth="repeat">
+      <a:schemeClr val="dk1"/>
+    </dgm:txFillClrLst>
+    <dgm:txEffectClrLst/>
+  </dgm:styleLbl>
+  <dgm:styleLbl name="trAlignAcc1">
+    <dgm:fillClrLst meth="repeat">
+      <a:schemeClr val="lt1">
+        <a:alpha val="40000"/>
+      </a:schemeClr>
+    </dgm:fillClrLst>
+    <dgm:linClrLst meth="repeat">
+      <a:schemeClr val="accent2"/>
+    </dgm:linClrLst>
+    <dgm:effectClrLst/>
+    <dgm:txLinClrLst/>
+    <dgm:txFillClrLst meth="repeat">
+      <a:schemeClr val="dk1"/>
+    </dgm:txFillClrLst>
+    <dgm:txEffectClrLst/>
+  </dgm:styleLbl>
+  <dgm:styleLbl name="bgAcc1">
+    <dgm:fillClrLst meth="repeat">
+      <a:schemeClr val="lt1">
+        <a:alpha val="90000"/>
+      </a:schemeClr>
+    </dgm:fillClrLst>
+    <dgm:linClrLst>
+      <a:schemeClr val="accent2"/>
+      <a:schemeClr val="accent3"/>
+    </dgm:linClrLst>
+    <dgm:effectClrLst/>
+    <dgm:txLinClrLst/>
+    <dgm:txFillClrLst meth="repeat">
+      <a:schemeClr val="dk1"/>
+    </dgm:txFillClrLst>
+    <dgm:txEffectClrLst/>
+  </dgm:styleLbl>
+  <dgm:styleLbl name="solidFgAcc1">
+    <dgm:fillClrLst meth="repeat">
+      <a:schemeClr val="lt1"/>
+    </dgm:fillClrLst>
+    <dgm:linClrLst>
+      <a:schemeClr val="accent2"/>
+      <a:schemeClr val="accent3"/>
+    </dgm:linClrLst>
+    <dgm:effectClrLst/>
+    <dgm:txLinClrLst/>
+    <dgm:txFillClrLst meth="repeat">
+      <a:schemeClr val="dk1"/>
+    </dgm:txFillClrLst>
+    <dgm:txEffectClrLst/>
+  </dgm:styleLbl>
+  <dgm:styleLbl name="solidAlignAcc1">
+    <dgm:fillClrLst meth="repeat">
+      <a:schemeClr val="lt1"/>
+    </dgm:fillClrLst>
+    <dgm:linClrLst>
+      <a:schemeClr val="accent2"/>
+      <a:schemeClr val="accent3"/>
+    </dgm:linClrLst>
+    <dgm:effectClrLst/>
+    <dgm:txLinClrLst/>
+    <dgm:txFillClrLst meth="repeat">
+      <a:schemeClr val="dk1"/>
+    </dgm:txFillClrLst>
+    <dgm:txEffectClrLst/>
+  </dgm:styleLbl>
+  <dgm:styleLbl name="solidBgAcc1">
+    <dgm:fillClrLst meth="repeat">
+      <a:schemeClr val="lt1"/>
+    </dgm:fillClrLst>
+    <dgm:linClrLst>
+      <a:schemeClr val="accent2"/>
+      <a:schemeClr val="accent3"/>
+    </dgm:linClrLst>
+    <dgm:effectClrLst/>
+    <dgm:txLinClrLst/>
+    <dgm:txFillClrLst meth="repeat">
+      <a:schemeClr val="dk1"/>
+    </dgm:txFillClrLst>
+    <dgm:txEffectClrLst/>
+  </dgm:styleLbl>
+  <dgm:styleLbl name="fgAccFollowNode1">
+    <dgm:fillClrLst>
+      <a:schemeClr val="accent2">
+        <a:tint val="40000"/>
+        <a:alpha val="90000"/>
+      </a:schemeClr>
+      <a:schemeClr val="accent3">
+        <a:tint val="40000"/>
+        <a:alpha val="90000"/>
+      </a:schemeClr>
+    </dgm:fillClrLst>
+    <dgm:linClrLst>
+      <a:schemeClr val="accent2">
+        <a:tint val="40000"/>
+        <a:alpha val="90000"/>
+      </a:schemeClr>
+      <a:schemeClr val="accent3">
+        <a:tint val="40000"/>
+        <a:alpha val="90000"/>
+      </a:schemeClr>
+    </dgm:linClrLst>
+    <dgm:effectClrLst/>
+    <dgm:txLinClrLst/>
+    <dgm:txFillClrLst meth="repeat">
+      <a:schemeClr val="dk1"/>
+    </dgm:txFillClrLst>
+    <dgm:txEffectClrLst/>
+  </dgm:styleLbl>
+  <dgm:styleLbl name="alignAccFollowNode1">
+    <dgm:fillClrLst>
+      <a:schemeClr val="accent2">
+        <a:tint val="40000"/>
+        <a:alpha val="90000"/>
+      </a:schemeClr>
+      <a:schemeClr val="accent3">
+        <a:tint val="40000"/>
+        <a:alpha val="90000"/>
+      </a:schemeClr>
+    </dgm:fillClrLst>
+    <dgm:linClrLst>
+      <a:schemeClr val="accent2">
+        <a:tint val="40000"/>
+        <a:alpha val="90000"/>
+      </a:schemeClr>
+      <a:schemeClr val="accent3">
+        <a:tint val="40000"/>
+        <a:alpha val="90000"/>
+      </a:schemeClr>
+    </dgm:linClrLst>
+    <dgm:effectClrLst/>
+    <dgm:txLinClrLst/>
+    <dgm:txFillClrLst meth="repeat">
+      <a:schemeClr val="dk1"/>
+    </dgm:txFillClrLst>
+    <dgm:txEffectClrLst/>
+  </dgm:styleLbl>
+  <dgm:styleLbl name="bgAccFollowNode1">
+    <dgm:fillClrLst>
+      <a:schemeClr val="accent2">
+        <a:tint val="40000"/>
+        <a:alpha val="90000"/>
+      </a:schemeClr>
+      <a:schemeClr val="accent3">
+        <a:tint val="40000"/>
+        <a:alpha val="90000"/>
+      </a:schemeClr>
+    </dgm:fillClrLst>
+    <dgm:linClrLst>
+      <a:schemeClr val="accent2">
+        <a:tint val="40000"/>
+        <a:alpha val="90000"/>
+      </a:schemeClr>
+      <a:schemeClr val="accent3">
+        <a:tint val="40000"/>
+        <a:alpha val="90000"/>
+      </a:schemeClr>
+    </dgm:linClrLst>
+    <dgm:effectClrLst/>
+    <dgm:txLinClrLst/>
+    <dgm:txFillClrLst meth="repeat">
+      <a:schemeClr val="dk1"/>
+    </dgm:txFillClrLst>
+    <dgm:txEffectClrLst/>
+  </dgm:styleLbl>
+  <dgm:styleLbl name="fgAcc0">
+    <dgm:fillClrLst meth="repeat">
+      <a:schemeClr val="lt1">
+        <a:alpha val="90000"/>
+      </a:schemeClr>
+    </dgm:fillClrLst>
+    <dgm:linClrLst>
+      <a:schemeClr val="accent1"/>
+    </dgm:linClrLst>
+    <dgm:effectClrLst/>
+    <dgm:txLinClrLst/>
+    <dgm:txFillClrLst meth="repeat">
+      <a:schemeClr val="dk1"/>
+    </dgm:txFillClrLst>
+    <dgm:txEffectClrLst/>
+  </dgm:styleLbl>
+  <dgm:styleLbl name="fgAcc2">
+    <dgm:fillClrLst meth="repeat">
+      <a:schemeClr val="lt1">
+        <a:alpha val="90000"/>
+      </a:schemeClr>
+    </dgm:fillClrLst>
+    <dgm:linClrLst>
+      <a:schemeClr val="accent3"/>
+    </dgm:linClrLst>
+    <dgm:effectClrLst/>
+    <dgm:txLinClrLst/>
+    <dgm:txFillClrLst meth="repeat">
+      <a:schemeClr val="dk1"/>
+    </dgm:txFillClrLst>
+    <dgm:txEffectClrLst/>
+  </dgm:styleLbl>
+  <dgm:styleLbl name="fgAcc3">
+    <dgm:fillClrLst meth="repeat">
+      <a:schemeClr val="lt1">
+        <a:alpha val="90000"/>
+      </a:schemeClr>
+    </dgm:fillClrLst>
+    <dgm:linClrLst>
+      <a:schemeClr val="accent4"/>
+    </dgm:linClrLst>
+    <dgm:effectClrLst/>
+    <dgm:txLinClrLst/>
+    <dgm:txFillClrLst meth="repeat">
+      <a:schemeClr val="dk1"/>
+    </dgm:txFillClrLst>
+    <dgm:txEffectClrLst/>
+  </dgm:styleLbl>
+  <dgm:styleLbl name="fgAcc4">
+    <dgm:fillClrLst meth="repeat">
+      <a:schemeClr val="lt1">
+        <a:alpha val="90000"/>
+      </a:schemeClr>
+    </dgm:fillClrLst>
+    <dgm:linClrLst>
+      <a:schemeClr val="accent5"/>
+    </dgm:linClrLst>
+    <dgm:effectClrLst/>
+    <dgm:txLinClrLst/>
+    <dgm:txFillClrLst meth="repeat">
+      <a:schemeClr val="dk1"/>
+    </dgm:txFillClrLst>
+    <dgm:txEffectClrLst/>
+  </dgm:styleLbl>
+  <dgm:styleLbl name="bgShp">
+    <dgm:fillClrLst meth="repeat">
+      <a:schemeClr val="accent2">
+        <a:tint val="40000"/>
+      </a:schemeClr>
+    </dgm:fillClrLst>
+    <dgm:linClrLst meth="repeat">
+      <a:schemeClr val="dk1"/>
+    </dgm:linClrLst>
+    <dgm:effectClrLst/>
+    <dgm:txLinClrLst/>
+    <dgm:txFillClrLst meth="repeat">
+      <a:schemeClr val="dk1"/>
+    </dgm:txFillClrLst>
+    <dgm:txEffectClrLst/>
+  </dgm:styleLbl>
+  <dgm:styleLbl name="dkBgShp">
+    <dgm:fillClrLst meth="repeat">
+      <a:schemeClr val="accent2">
+        <a:shade val="90000"/>
+      </a:schemeClr>
+    </dgm:fillClrLst>
+    <dgm:linClrLst meth="repeat">
+      <a:schemeClr val="dk1"/>
+    </dgm:linClrLst>
+    <dgm:effectClrLst/>
+    <dgm:txLinClrLst/>
+    <dgm:txFillClrLst meth="repeat">
+      <a:schemeClr val="lt1"/>
+    </dgm:txFillClrLst>
+    <dgm:txEffectClrLst/>
+  </dgm:styleLbl>
+  <dgm:styleLbl name="trBgShp">
+    <dgm:fillClrLst meth="repeat">
+      <a:schemeClr val="accent2">
+        <a:tint val="50000"/>
+        <a:alpha val="40000"/>
+      </a:schemeClr>
+    </dgm:fillClrLst>
+    <dgm:linClrLst meth="repeat">
+      <a:schemeClr val="accent2"/>
+    </dgm:linClrLst>
+    <dgm:effectClrLst/>
+    <dgm:txLinClrLst/>
+    <dgm:txFillClrLst meth="repeat">
+      <a:schemeClr val="lt1"/>
+    </dgm:txFillClrLst>
+    <dgm:txEffectClrLst/>
+  </dgm:styleLbl>
+  <dgm:styleLbl name="fgShp">
+    <dgm:fillClrLst meth="repeat">
+      <a:schemeClr val="accent2">
+        <a:tint val="40000"/>
+      </a:schemeClr>
+    </dgm:fillClrLst>
+    <dgm:linClrLst meth="repeat">
+      <a:schemeClr val="lt1"/>
+    </dgm:linClrLst>
+    <dgm:effectClrLst/>
+    <dgm:txLinClrLst/>
+    <dgm:txFillClrLst meth="repeat">
+      <a:schemeClr val="dk1"/>
+    </dgm:txFillClrLst>
+    <dgm:txEffectClrLst/>
+  </dgm:styleLbl>
+  <dgm:styleLbl name="revTx">
+    <dgm:fillClrLst meth="repeat">
+      <a:schemeClr val="lt1">
+        <a:alpha val="0"/>
+      </a:schemeClr>
+    </dgm:fillClrLst>
+    <dgm:linClrLst meth="repeat">
+      <a:schemeClr val="dk1">
+        <a:alpha val="0"/>
+      </a:schemeClr>
+    </dgm:linClrLst>
+    <dgm:effectClrLst/>
+    <dgm:txLinClrLst/>
+    <dgm:txFillClrLst meth="repeat">
+      <a:schemeClr val="tx1"/>
+    </dgm:txFillClrLst>
+    <dgm:txEffectClrLst/>
+  </dgm:styleLbl>
+</dgm:colorsDef>
+</file>
+
+<file path=ppt/diagrams/colors6.xml><?xml version="1.0" encoding="utf-8"?>
 <dgm:colorsDef xmlns:dgm="http://schemas.openxmlformats.org/drawingml/2006/diagram" xmlns:a="http://schemas.openxmlformats.org/drawingml/2006/main" uniqueId="urn:microsoft.com/office/officeart/2005/8/colors/colorful1">
   <dgm:title val=""/>
   <dgm:desc val=""/>
@@ -6198,8 +6984,315 @@
 <file path=ppt/diagrams/data5.xml><?xml version="1.0" encoding="utf-8"?>
 <dgm:dataModel xmlns:dgm="http://schemas.openxmlformats.org/drawingml/2006/diagram" xmlns:a="http://schemas.openxmlformats.org/drawingml/2006/main">
   <dgm:ptLst>
+    <dgm:pt modelId="{50BB1633-162F-45E0-8319-11D2D09B2ED9}" type="doc">
+      <dgm:prSet loTypeId="urn:microsoft.com/office/officeart/2005/8/layout/vProcess5" loCatId="process" qsTypeId="urn:microsoft.com/office/officeart/2005/8/quickstyle/simple1" qsCatId="simple" csTypeId="urn:microsoft.com/office/officeart/2005/8/colors/colorful2" csCatId="colorful" phldr="1"/>
+      <dgm:spPr/>
+      <dgm:t>
+        <a:bodyPr/>
+        <a:lstStyle/>
+        <a:p>
+          <a:endParaRPr lang="en-US"/>
+        </a:p>
+      </dgm:t>
+    </dgm:pt>
+    <dgm:pt modelId="{326AAFCB-9CDE-4C0F-9952-B4E0556008F2}">
+      <dgm:prSet/>
+      <dgm:spPr/>
+      <dgm:t>
+        <a:bodyPr/>
+        <a:lstStyle/>
+        <a:p>
+          <a:r>
+            <a:rPr lang="pl-PL" b="0" i="0"/>
+            <a:t>Dopasowanie modeli regresji</a:t>
+          </a:r>
+          <a:endParaRPr lang="en-US"/>
+        </a:p>
+      </dgm:t>
+    </dgm:pt>
+    <dgm:pt modelId="{85BE76AF-8A41-411B-9087-06F51EC37AF7}" type="parTrans" cxnId="{D0807AC0-8ADC-4875-BC9E-AEFDDCBBAB84}">
+      <dgm:prSet/>
+      <dgm:spPr/>
+      <dgm:t>
+        <a:bodyPr/>
+        <a:lstStyle/>
+        <a:p>
+          <a:endParaRPr lang="en-US"/>
+        </a:p>
+      </dgm:t>
+    </dgm:pt>
+    <dgm:pt modelId="{C4D77727-5175-48D0-A2F5-40F53D8FB60E}" type="sibTrans" cxnId="{D0807AC0-8ADC-4875-BC9E-AEFDDCBBAB84}">
+      <dgm:prSet/>
+      <dgm:spPr/>
+      <dgm:t>
+        <a:bodyPr/>
+        <a:lstStyle/>
+        <a:p>
+          <a:endParaRPr lang="en-US"/>
+        </a:p>
+      </dgm:t>
+    </dgm:pt>
+    <dgm:pt modelId="{C2F6EC49-FA2D-4AC7-8A8E-4C103584C448}">
+      <dgm:prSet/>
+      <dgm:spPr/>
+      <dgm:t>
+        <a:bodyPr/>
+        <a:lstStyle/>
+        <a:p>
+          <a:r>
+            <a:rPr lang="pl-PL" b="0" i="0"/>
+            <a:t>Prognoza zmiennych niezależnych</a:t>
+          </a:r>
+          <a:endParaRPr lang="en-US"/>
+        </a:p>
+      </dgm:t>
+    </dgm:pt>
+    <dgm:pt modelId="{50B631C1-C0BA-42D9-8BBB-426B14C00CE6}" type="parTrans" cxnId="{62DF47A7-76E3-42F6-901B-533216D13A2E}">
+      <dgm:prSet/>
+      <dgm:spPr/>
+      <dgm:t>
+        <a:bodyPr/>
+        <a:lstStyle/>
+        <a:p>
+          <a:endParaRPr lang="en-US"/>
+        </a:p>
+      </dgm:t>
+    </dgm:pt>
+    <dgm:pt modelId="{A5AD1660-77E4-46CC-947B-0CED757C0037}" type="sibTrans" cxnId="{62DF47A7-76E3-42F6-901B-533216D13A2E}">
+      <dgm:prSet/>
+      <dgm:spPr/>
+      <dgm:t>
+        <a:bodyPr/>
+        <a:lstStyle/>
+        <a:p>
+          <a:endParaRPr lang="en-US"/>
+        </a:p>
+      </dgm:t>
+    </dgm:pt>
+    <dgm:pt modelId="{1BE47467-07E4-4370-849D-752BB8C8464C}">
+      <dgm:prSet/>
+      <dgm:spPr/>
+      <dgm:t>
+        <a:bodyPr/>
+        <a:lstStyle/>
+        <a:p>
+          <a:r>
+            <a:rPr lang="pl-PL" b="0" i="0"/>
+            <a:t>Wykonanie predykcji GST</a:t>
+          </a:r>
+          <a:endParaRPr lang="en-US"/>
+        </a:p>
+      </dgm:t>
+    </dgm:pt>
+    <dgm:pt modelId="{FA313007-D9D1-4AF3-880A-EDCB8AD940C2}" type="parTrans" cxnId="{8879F85D-59E8-4679-AF36-3648A8A622B9}">
+      <dgm:prSet/>
+      <dgm:spPr/>
+      <dgm:t>
+        <a:bodyPr/>
+        <a:lstStyle/>
+        <a:p>
+          <a:endParaRPr lang="en-US"/>
+        </a:p>
+      </dgm:t>
+    </dgm:pt>
+    <dgm:pt modelId="{59299DAC-6D44-4650-BDC3-1A6285B82B10}" type="sibTrans" cxnId="{8879F85D-59E8-4679-AF36-3648A8A622B9}">
+      <dgm:prSet/>
+      <dgm:spPr/>
+      <dgm:t>
+        <a:bodyPr/>
+        <a:lstStyle/>
+        <a:p>
+          <a:endParaRPr lang="en-US"/>
+        </a:p>
+      </dgm:t>
+    </dgm:pt>
+    <dgm:pt modelId="{27835255-A21E-4028-B520-F54FF3EA83B4}">
+      <dgm:prSet/>
+      <dgm:spPr/>
+      <dgm:t>
+        <a:bodyPr/>
+        <a:lstStyle/>
+        <a:p>
+          <a:r>
+            <a:rPr lang="pl-PL" b="0" i="0" dirty="0"/>
+            <a:t>Kiedy GST przekroczy 1,5°C?</a:t>
+          </a:r>
+          <a:endParaRPr lang="en-US" dirty="0"/>
+        </a:p>
+      </dgm:t>
+    </dgm:pt>
+    <dgm:pt modelId="{D3F6C6E9-BD3B-40DD-AC7E-4ED27CA34EA1}" type="parTrans" cxnId="{3AA86B6D-6673-480F-9FFD-56C07F481722}">
+      <dgm:prSet/>
+      <dgm:spPr/>
+      <dgm:t>
+        <a:bodyPr/>
+        <a:lstStyle/>
+        <a:p>
+          <a:endParaRPr lang="en-US"/>
+        </a:p>
+      </dgm:t>
+    </dgm:pt>
+    <dgm:pt modelId="{9FF99033-4A1E-41F6-BCD6-4BBCC6821662}" type="sibTrans" cxnId="{3AA86B6D-6673-480F-9FFD-56C07F481722}">
+      <dgm:prSet/>
+      <dgm:spPr/>
+      <dgm:t>
+        <a:bodyPr/>
+        <a:lstStyle/>
+        <a:p>
+          <a:endParaRPr lang="en-US"/>
+        </a:p>
+      </dgm:t>
+    </dgm:pt>
+    <dgm:pt modelId="{7352740B-5C2B-45F4-90E9-9B7DE31C7F2B}" type="pres">
+      <dgm:prSet presAssocID="{50BB1633-162F-45E0-8319-11D2D09B2ED9}" presName="outerComposite" presStyleCnt="0">
+        <dgm:presLayoutVars>
+          <dgm:chMax val="5"/>
+          <dgm:dir/>
+          <dgm:resizeHandles val="exact"/>
+        </dgm:presLayoutVars>
+      </dgm:prSet>
+      <dgm:spPr/>
+    </dgm:pt>
+    <dgm:pt modelId="{0D94DCE4-3852-4870-A28A-1654BE5F056D}" type="pres">
+      <dgm:prSet presAssocID="{50BB1633-162F-45E0-8319-11D2D09B2ED9}" presName="dummyMaxCanvas" presStyleCnt="0">
+        <dgm:presLayoutVars/>
+      </dgm:prSet>
+      <dgm:spPr/>
+    </dgm:pt>
+    <dgm:pt modelId="{3FF646E3-631E-4240-9AC1-C77B7C7C8A28}" type="pres">
+      <dgm:prSet presAssocID="{50BB1633-162F-45E0-8319-11D2D09B2ED9}" presName="FourNodes_1" presStyleLbl="node1" presStyleIdx="0" presStyleCnt="4">
+        <dgm:presLayoutVars>
+          <dgm:bulletEnabled val="1"/>
+        </dgm:presLayoutVars>
+      </dgm:prSet>
+      <dgm:spPr/>
+    </dgm:pt>
+    <dgm:pt modelId="{2896126E-B75C-48B1-8B59-3E8294DDF01F}" type="pres">
+      <dgm:prSet presAssocID="{50BB1633-162F-45E0-8319-11D2D09B2ED9}" presName="FourNodes_2" presStyleLbl="node1" presStyleIdx="1" presStyleCnt="4">
+        <dgm:presLayoutVars>
+          <dgm:bulletEnabled val="1"/>
+        </dgm:presLayoutVars>
+      </dgm:prSet>
+      <dgm:spPr/>
+    </dgm:pt>
+    <dgm:pt modelId="{2E82BFAB-0088-4754-B657-0AC91E2ACB59}" type="pres">
+      <dgm:prSet presAssocID="{50BB1633-162F-45E0-8319-11D2D09B2ED9}" presName="FourNodes_3" presStyleLbl="node1" presStyleIdx="2" presStyleCnt="4">
+        <dgm:presLayoutVars>
+          <dgm:bulletEnabled val="1"/>
+        </dgm:presLayoutVars>
+      </dgm:prSet>
+      <dgm:spPr/>
+    </dgm:pt>
+    <dgm:pt modelId="{FAF36E1B-D042-4763-94AB-B08871F23979}" type="pres">
+      <dgm:prSet presAssocID="{50BB1633-162F-45E0-8319-11D2D09B2ED9}" presName="FourNodes_4" presStyleLbl="node1" presStyleIdx="3" presStyleCnt="4">
+        <dgm:presLayoutVars>
+          <dgm:bulletEnabled val="1"/>
+        </dgm:presLayoutVars>
+      </dgm:prSet>
+      <dgm:spPr/>
+    </dgm:pt>
+    <dgm:pt modelId="{587FEFD8-C41C-4448-8E28-ECC1488597C8}" type="pres">
+      <dgm:prSet presAssocID="{50BB1633-162F-45E0-8319-11D2D09B2ED9}" presName="FourConn_1-2" presStyleLbl="fgAccFollowNode1" presStyleIdx="0" presStyleCnt="3">
+        <dgm:presLayoutVars>
+          <dgm:bulletEnabled val="1"/>
+        </dgm:presLayoutVars>
+      </dgm:prSet>
+      <dgm:spPr/>
+    </dgm:pt>
+    <dgm:pt modelId="{8FC1FBFE-C5AC-4972-A3C7-DA2F03763D28}" type="pres">
+      <dgm:prSet presAssocID="{50BB1633-162F-45E0-8319-11D2D09B2ED9}" presName="FourConn_2-3" presStyleLbl="fgAccFollowNode1" presStyleIdx="1" presStyleCnt="3">
+        <dgm:presLayoutVars>
+          <dgm:bulletEnabled val="1"/>
+        </dgm:presLayoutVars>
+      </dgm:prSet>
+      <dgm:spPr/>
+    </dgm:pt>
+    <dgm:pt modelId="{E02598DD-5F8B-47C8-8838-3F7CF25E72DC}" type="pres">
+      <dgm:prSet presAssocID="{50BB1633-162F-45E0-8319-11D2D09B2ED9}" presName="FourConn_3-4" presStyleLbl="fgAccFollowNode1" presStyleIdx="2" presStyleCnt="3">
+        <dgm:presLayoutVars>
+          <dgm:bulletEnabled val="1"/>
+        </dgm:presLayoutVars>
+      </dgm:prSet>
+      <dgm:spPr/>
+    </dgm:pt>
+    <dgm:pt modelId="{AE6F87B0-8C7B-4214-983F-E7EC28E836E0}" type="pres">
+      <dgm:prSet presAssocID="{50BB1633-162F-45E0-8319-11D2D09B2ED9}" presName="FourNodes_1_text" presStyleLbl="node1" presStyleIdx="3" presStyleCnt="4">
+        <dgm:presLayoutVars>
+          <dgm:bulletEnabled val="1"/>
+        </dgm:presLayoutVars>
+      </dgm:prSet>
+      <dgm:spPr/>
+    </dgm:pt>
+    <dgm:pt modelId="{3BE84088-D309-46F1-9F12-283FF515F5F7}" type="pres">
+      <dgm:prSet presAssocID="{50BB1633-162F-45E0-8319-11D2D09B2ED9}" presName="FourNodes_2_text" presStyleLbl="node1" presStyleIdx="3" presStyleCnt="4">
+        <dgm:presLayoutVars>
+          <dgm:bulletEnabled val="1"/>
+        </dgm:presLayoutVars>
+      </dgm:prSet>
+      <dgm:spPr/>
+    </dgm:pt>
+    <dgm:pt modelId="{C111F31B-78F1-4E49-85AB-B8277589C37A}" type="pres">
+      <dgm:prSet presAssocID="{50BB1633-162F-45E0-8319-11D2D09B2ED9}" presName="FourNodes_3_text" presStyleLbl="node1" presStyleIdx="3" presStyleCnt="4">
+        <dgm:presLayoutVars>
+          <dgm:bulletEnabled val="1"/>
+        </dgm:presLayoutVars>
+      </dgm:prSet>
+      <dgm:spPr/>
+    </dgm:pt>
+    <dgm:pt modelId="{033BE4EB-D852-4E90-AA2D-3A783035FC5E}" type="pres">
+      <dgm:prSet presAssocID="{50BB1633-162F-45E0-8319-11D2D09B2ED9}" presName="FourNodes_4_text" presStyleLbl="node1" presStyleIdx="3" presStyleCnt="4">
+        <dgm:presLayoutVars>
+          <dgm:bulletEnabled val="1"/>
+        </dgm:presLayoutVars>
+      </dgm:prSet>
+      <dgm:spPr/>
+    </dgm:pt>
+  </dgm:ptLst>
+  <dgm:cxnLst>
+    <dgm:cxn modelId="{BFA26E23-CF27-425C-AE31-4BFA9265F033}" type="presOf" srcId="{27835255-A21E-4028-B520-F54FF3EA83B4}" destId="{FAF36E1B-D042-4763-94AB-B08871F23979}" srcOrd="0" destOrd="0" presId="urn:microsoft.com/office/officeart/2005/8/layout/vProcess5"/>
+    <dgm:cxn modelId="{FCE65C3B-FF64-4F0A-A79A-C0EFBCBCAA1A}" type="presOf" srcId="{1BE47467-07E4-4370-849D-752BB8C8464C}" destId="{C111F31B-78F1-4E49-85AB-B8277589C37A}" srcOrd="1" destOrd="0" presId="urn:microsoft.com/office/officeart/2005/8/layout/vProcess5"/>
+    <dgm:cxn modelId="{8879F85D-59E8-4679-AF36-3648A8A622B9}" srcId="{50BB1633-162F-45E0-8319-11D2D09B2ED9}" destId="{1BE47467-07E4-4370-849D-752BB8C8464C}" srcOrd="2" destOrd="0" parTransId="{FA313007-D9D1-4AF3-880A-EDCB8AD940C2}" sibTransId="{59299DAC-6D44-4650-BDC3-1A6285B82B10}"/>
+    <dgm:cxn modelId="{E6994A43-0CAB-4536-99DF-104347EF3E9E}" type="presOf" srcId="{A5AD1660-77E4-46CC-947B-0CED757C0037}" destId="{8FC1FBFE-C5AC-4972-A3C7-DA2F03763D28}" srcOrd="0" destOrd="0" presId="urn:microsoft.com/office/officeart/2005/8/layout/vProcess5"/>
+    <dgm:cxn modelId="{3AA86B6D-6673-480F-9FFD-56C07F481722}" srcId="{50BB1633-162F-45E0-8319-11D2D09B2ED9}" destId="{27835255-A21E-4028-B520-F54FF3EA83B4}" srcOrd="3" destOrd="0" parTransId="{D3F6C6E9-BD3B-40DD-AC7E-4ED27CA34EA1}" sibTransId="{9FF99033-4A1E-41F6-BCD6-4BBCC6821662}"/>
+    <dgm:cxn modelId="{2D268678-78F9-4D26-9C22-4710464B84CA}" type="presOf" srcId="{326AAFCB-9CDE-4C0F-9952-B4E0556008F2}" destId="{AE6F87B0-8C7B-4214-983F-E7EC28E836E0}" srcOrd="1" destOrd="0" presId="urn:microsoft.com/office/officeart/2005/8/layout/vProcess5"/>
+    <dgm:cxn modelId="{602940A1-C398-40DF-8CC0-44F7AEABD6B6}" type="presOf" srcId="{C2F6EC49-FA2D-4AC7-8A8E-4C103584C448}" destId="{3BE84088-D309-46F1-9F12-283FF515F5F7}" srcOrd="1" destOrd="0" presId="urn:microsoft.com/office/officeart/2005/8/layout/vProcess5"/>
+    <dgm:cxn modelId="{62DF47A7-76E3-42F6-901B-533216D13A2E}" srcId="{50BB1633-162F-45E0-8319-11D2D09B2ED9}" destId="{C2F6EC49-FA2D-4AC7-8A8E-4C103584C448}" srcOrd="1" destOrd="0" parTransId="{50B631C1-C0BA-42D9-8BBB-426B14C00CE6}" sibTransId="{A5AD1660-77E4-46CC-947B-0CED757C0037}"/>
+    <dgm:cxn modelId="{6CB182B6-742F-43E6-A422-252BD316240F}" type="presOf" srcId="{C2F6EC49-FA2D-4AC7-8A8E-4C103584C448}" destId="{2896126E-B75C-48B1-8B59-3E8294DDF01F}" srcOrd="0" destOrd="0" presId="urn:microsoft.com/office/officeart/2005/8/layout/vProcess5"/>
+    <dgm:cxn modelId="{D0807AC0-8ADC-4875-BC9E-AEFDDCBBAB84}" srcId="{50BB1633-162F-45E0-8319-11D2D09B2ED9}" destId="{326AAFCB-9CDE-4C0F-9952-B4E0556008F2}" srcOrd="0" destOrd="0" parTransId="{85BE76AF-8A41-411B-9087-06F51EC37AF7}" sibTransId="{C4D77727-5175-48D0-A2F5-40F53D8FB60E}"/>
+    <dgm:cxn modelId="{9D7408C3-812F-42C2-9B12-F43F283E69FC}" type="presOf" srcId="{27835255-A21E-4028-B520-F54FF3EA83B4}" destId="{033BE4EB-D852-4E90-AA2D-3A783035FC5E}" srcOrd="1" destOrd="0" presId="urn:microsoft.com/office/officeart/2005/8/layout/vProcess5"/>
+    <dgm:cxn modelId="{3FFF51C8-7FB3-44EB-8D1C-5B4CCE276D5A}" type="presOf" srcId="{326AAFCB-9CDE-4C0F-9952-B4E0556008F2}" destId="{3FF646E3-631E-4240-9AC1-C77B7C7C8A28}" srcOrd="0" destOrd="0" presId="urn:microsoft.com/office/officeart/2005/8/layout/vProcess5"/>
+    <dgm:cxn modelId="{5FBBF0C8-6F66-467B-861B-77EB01424871}" type="presOf" srcId="{C4D77727-5175-48D0-A2F5-40F53D8FB60E}" destId="{587FEFD8-C41C-4448-8E28-ECC1488597C8}" srcOrd="0" destOrd="0" presId="urn:microsoft.com/office/officeart/2005/8/layout/vProcess5"/>
+    <dgm:cxn modelId="{92E530D5-4462-4215-98AC-84CA5747FD61}" type="presOf" srcId="{50BB1633-162F-45E0-8319-11D2D09B2ED9}" destId="{7352740B-5C2B-45F4-90E9-9B7DE31C7F2B}" srcOrd="0" destOrd="0" presId="urn:microsoft.com/office/officeart/2005/8/layout/vProcess5"/>
+    <dgm:cxn modelId="{0A35C7D6-D572-4C48-8AD1-E202DC258585}" type="presOf" srcId="{59299DAC-6D44-4650-BDC3-1A6285B82B10}" destId="{E02598DD-5F8B-47C8-8838-3F7CF25E72DC}" srcOrd="0" destOrd="0" presId="urn:microsoft.com/office/officeart/2005/8/layout/vProcess5"/>
+    <dgm:cxn modelId="{FB3F8DE1-B043-483D-B725-E8600E829905}" type="presOf" srcId="{1BE47467-07E4-4370-849D-752BB8C8464C}" destId="{2E82BFAB-0088-4754-B657-0AC91E2ACB59}" srcOrd="0" destOrd="0" presId="urn:microsoft.com/office/officeart/2005/8/layout/vProcess5"/>
+    <dgm:cxn modelId="{0D647499-25D4-413D-931E-F85D08A6B91D}" type="presParOf" srcId="{7352740B-5C2B-45F4-90E9-9B7DE31C7F2B}" destId="{0D94DCE4-3852-4870-A28A-1654BE5F056D}" srcOrd="0" destOrd="0" presId="urn:microsoft.com/office/officeart/2005/8/layout/vProcess5"/>
+    <dgm:cxn modelId="{BEB2EF71-69CE-4B67-A3C1-8B22A748D1E6}" type="presParOf" srcId="{7352740B-5C2B-45F4-90E9-9B7DE31C7F2B}" destId="{3FF646E3-631E-4240-9AC1-C77B7C7C8A28}" srcOrd="1" destOrd="0" presId="urn:microsoft.com/office/officeart/2005/8/layout/vProcess5"/>
+    <dgm:cxn modelId="{29B8A76A-1138-4D4C-B226-AB68BC87BF18}" type="presParOf" srcId="{7352740B-5C2B-45F4-90E9-9B7DE31C7F2B}" destId="{2896126E-B75C-48B1-8B59-3E8294DDF01F}" srcOrd="2" destOrd="0" presId="urn:microsoft.com/office/officeart/2005/8/layout/vProcess5"/>
+    <dgm:cxn modelId="{B75BB118-961E-4609-88B3-6A504711143A}" type="presParOf" srcId="{7352740B-5C2B-45F4-90E9-9B7DE31C7F2B}" destId="{2E82BFAB-0088-4754-B657-0AC91E2ACB59}" srcOrd="3" destOrd="0" presId="urn:microsoft.com/office/officeart/2005/8/layout/vProcess5"/>
+    <dgm:cxn modelId="{07F36D8A-989A-4DB8-9F71-3A4EB0E28DCD}" type="presParOf" srcId="{7352740B-5C2B-45F4-90E9-9B7DE31C7F2B}" destId="{FAF36E1B-D042-4763-94AB-B08871F23979}" srcOrd="4" destOrd="0" presId="urn:microsoft.com/office/officeart/2005/8/layout/vProcess5"/>
+    <dgm:cxn modelId="{FD331AD0-8065-4D6D-8C22-0FA0CAC2364C}" type="presParOf" srcId="{7352740B-5C2B-45F4-90E9-9B7DE31C7F2B}" destId="{587FEFD8-C41C-4448-8E28-ECC1488597C8}" srcOrd="5" destOrd="0" presId="urn:microsoft.com/office/officeart/2005/8/layout/vProcess5"/>
+    <dgm:cxn modelId="{BE7E85A7-A133-42E0-9E97-CAED3B56294E}" type="presParOf" srcId="{7352740B-5C2B-45F4-90E9-9B7DE31C7F2B}" destId="{8FC1FBFE-C5AC-4972-A3C7-DA2F03763D28}" srcOrd="6" destOrd="0" presId="urn:microsoft.com/office/officeart/2005/8/layout/vProcess5"/>
+    <dgm:cxn modelId="{90E0525B-3A43-48D7-AC06-17111C434524}" type="presParOf" srcId="{7352740B-5C2B-45F4-90E9-9B7DE31C7F2B}" destId="{E02598DD-5F8B-47C8-8838-3F7CF25E72DC}" srcOrd="7" destOrd="0" presId="urn:microsoft.com/office/officeart/2005/8/layout/vProcess5"/>
+    <dgm:cxn modelId="{63EC1A43-8084-40B7-9587-F74477525E74}" type="presParOf" srcId="{7352740B-5C2B-45F4-90E9-9B7DE31C7F2B}" destId="{AE6F87B0-8C7B-4214-983F-E7EC28E836E0}" srcOrd="8" destOrd="0" presId="urn:microsoft.com/office/officeart/2005/8/layout/vProcess5"/>
+    <dgm:cxn modelId="{87C0865E-4B40-411C-83B3-21318E0AB0B7}" type="presParOf" srcId="{7352740B-5C2B-45F4-90E9-9B7DE31C7F2B}" destId="{3BE84088-D309-46F1-9F12-283FF515F5F7}" srcOrd="9" destOrd="0" presId="urn:microsoft.com/office/officeart/2005/8/layout/vProcess5"/>
+    <dgm:cxn modelId="{338FA9E8-C36D-477A-A20E-D232B4D3E15A}" type="presParOf" srcId="{7352740B-5C2B-45F4-90E9-9B7DE31C7F2B}" destId="{C111F31B-78F1-4E49-85AB-B8277589C37A}" srcOrd="10" destOrd="0" presId="urn:microsoft.com/office/officeart/2005/8/layout/vProcess5"/>
+    <dgm:cxn modelId="{2E3B944B-3FB4-4FE2-82E1-DD247EF60B8F}" type="presParOf" srcId="{7352740B-5C2B-45F4-90E9-9B7DE31C7F2B}" destId="{033BE4EB-D852-4E90-AA2D-3A783035FC5E}" srcOrd="11" destOrd="0" presId="urn:microsoft.com/office/officeart/2005/8/layout/vProcess5"/>
+  </dgm:cxnLst>
+  <dgm:bg/>
+  <dgm:whole/>
+  <dgm:extLst>
+    <a:ext uri="http://schemas.microsoft.com/office/drawing/2008/diagram">
+      <dsp:dataModelExt xmlns:dsp="http://schemas.microsoft.com/office/drawing/2008/diagram" relId="rId6" minVer="http://schemas.openxmlformats.org/drawingml/2006/diagram"/>
+    </a:ext>
+  </dgm:extLst>
+</dgm:dataModel>
+</file>
+
+<file path=ppt/diagrams/data6.xml><?xml version="1.0" encoding="utf-8"?>
+<dgm:dataModel xmlns:dgm="http://schemas.openxmlformats.org/drawingml/2006/diagram" xmlns:a="http://schemas.openxmlformats.org/drawingml/2006/main">
+  <dgm:ptLst>
     <dgm:pt modelId="{292CD452-CECE-4036-AA2A-078BFAEBAF67}" type="doc">
-      <dgm:prSet loTypeId="urn:microsoft.com/office/officeart/2016/7/layout/LinearBlockProcessNumbered" loCatId="process" qsTypeId="urn:microsoft.com/office/officeart/2005/8/quickstyle/simple1" qsCatId="simple" csTypeId="urn:microsoft.com/office/officeart/2005/8/colors/colorful1" csCatId="colorful"/>
+      <dgm:prSet loTypeId="urn:microsoft.com/office/officeart/2016/7/layout/LinearBlockProcessNumbered" loCatId="process" qsTypeId="urn:microsoft.com/office/officeart/2005/8/quickstyle/simple1" qsCatId="simple" csTypeId="urn:microsoft.com/office/officeart/2005/8/colors/colorful1" csCatId="colorful" phldr="1"/>
       <dgm:spPr/>
       <dgm:t>
         <a:bodyPr/>
@@ -6217,10 +7310,10 @@
         <a:lstStyle/>
         <a:p>
           <a:r>
-            <a:rPr lang="pl-PL" b="0" i="0"/>
-            <a:t>Różnica w prognozie przekroczenia progu 1.5°C między modelami wynosi 5 lat (2043 vs 2048), co jest istotne w kontekście planowania polityki klimatycznej i strategii adaptacyjnych.</a:t>
+            <a:rPr lang="pl-PL" b="0" i="0" dirty="0"/>
+            <a:t>Różnica w prognozie przekroczenia progu 1.5°C między dwoma ostatnimi modelami wynosi 5 lat (2043 vs 2048), co jest istotne w kontekście planowania polityki klimatycznej i strategii adaptacyjnych.</a:t>
           </a:r>
-          <a:endParaRPr lang="en-US"/>
+          <a:endParaRPr lang="en-US" dirty="0"/>
         </a:p>
       </dgm:t>
     </dgm:pt>
@@ -6257,10 +7350,10 @@
         <a:lstStyle/>
         <a:p>
           <a:r>
-            <a:rPr lang="pl-PL" b="0" i="0"/>
-            <a:t>Model 1 oferuje bardziej konserwatywny (opóźniony) scenariusz, ale jego konstrukcja oparta jest na klasycznych zmiennych, które mogą nie oddawać pełnej złożoności systemu klimatycznego.</a:t>
+            <a:rPr lang="pl-PL" b="0" i="0" dirty="0"/>
+            <a:t>1 model oferuje bardziej konserwatywny (opóźniony) scenariusz, ale jego konstrukcja oparta jest na klasycznych zmiennych, które mogą nie oddawać pełnej złożoności systemu klimatycznego.</a:t>
           </a:r>
-          <a:endParaRPr lang="en-US"/>
+          <a:endParaRPr lang="en-US" dirty="0"/>
         </a:p>
       </dgm:t>
     </dgm:pt>
@@ -6297,10 +7390,10 @@
         <a:lstStyle/>
         <a:p>
           <a:r>
-            <a:rPr lang="pl-PL" b="0" i="0"/>
-            <a:t>Model 2, choć nieco słabszy pod względem dopasowania ogólnego, uwzględnia dynamiczne czynniki rolnicze i może odzwierciedlać alternatywną ścieżkę rozwoju temperatury, silniej zależną od sektora żywnościowego.</a:t>
+            <a:rPr lang="pl-PL" b="0" i="0" dirty="0"/>
+            <a:t>Ostatni model, choć nieco słabszy pod względem dopasowania ogólnego, uwzględnia dynamiczne czynniki rolnicze i może odzwierciedlać alternatywną ścieżkę rozwoju temperatury, silniej zależną od sektora żywnościowego.</a:t>
           </a:r>
-          <a:endParaRPr lang="en-US"/>
+          <a:endParaRPr lang="en-US" dirty="0"/>
         </a:p>
       </dgm:t>
     </dgm:pt>
@@ -6337,10 +7430,10 @@
         <a:lstStyle/>
         <a:p>
           <a:r>
-            <a:rPr lang="pl-PL" b="0" i="0"/>
-            <a:t>Użycie modelu 1 jako bazowego oraz modelu 2 jako wariantu alternatywnego pozwala uchwycić szersze spektrum możliwych trajektorii zmian klimatycznych, co jest zgodne z podejściem wielomodelowym zalecanym m.in. przez IPCC.</a:t>
+            <a:rPr lang="pl-PL" b="0" i="0" dirty="0"/>
+            <a:t>Użycie trzech modeli pozwala uchwycić szersze spektrum możliwych trajektorii zmian klimatycznych, co jest zgodne z podejściem wielomodelowym zalecanym m.in. przez IPCC.</a:t>
           </a:r>
-          <a:endParaRPr lang="en-US"/>
+          <a:endParaRPr lang="en-US" dirty="0"/>
         </a:p>
       </dgm:t>
     </dgm:pt>
@@ -9385,6 +10478,582 @@
       <dsp:cNvGrpSpPr/>
     </dsp:nvGrpSpPr>
     <dsp:grpSpPr/>
+    <dsp:sp modelId="{3FF646E3-631E-4240-9AC1-C77B7C7C8A28}">
+      <dsp:nvSpPr>
+        <dsp:cNvPr id="0" name=""/>
+        <dsp:cNvSpPr/>
+      </dsp:nvSpPr>
+      <dsp:spPr>
+        <a:xfrm>
+          <a:off x="0" y="0"/>
+          <a:ext cx="8712743" cy="822549"/>
+        </a:xfrm>
+        <a:prstGeom prst="roundRect">
+          <a:avLst>
+            <a:gd name="adj" fmla="val 10000"/>
+          </a:avLst>
+        </a:prstGeom>
+        <a:solidFill>
+          <a:schemeClr val="accent2">
+            <a:hueOff val="0"/>
+            <a:satOff val="0"/>
+            <a:lumOff val="0"/>
+            <a:alphaOff val="0"/>
+          </a:schemeClr>
+        </a:solidFill>
+        <a:ln w="12700" cap="flat" cmpd="sng" algn="ctr">
+          <a:solidFill>
+            <a:schemeClr val="lt1">
+              <a:hueOff val="0"/>
+              <a:satOff val="0"/>
+              <a:lumOff val="0"/>
+              <a:alphaOff val="0"/>
+            </a:schemeClr>
+          </a:solidFill>
+          <a:prstDash val="solid"/>
+          <a:miter lim="800000"/>
+        </a:ln>
+        <a:effectLst/>
+      </dsp:spPr>
+      <dsp:style>
+        <a:lnRef idx="2">
+          <a:scrgbClr r="0" g="0" b="0"/>
+        </a:lnRef>
+        <a:fillRef idx="1">
+          <a:scrgbClr r="0" g="0" b="0"/>
+        </a:fillRef>
+        <a:effectRef idx="0">
+          <a:scrgbClr r="0" g="0" b="0"/>
+        </a:effectRef>
+        <a:fontRef idx="minor">
+          <a:schemeClr val="lt1"/>
+        </a:fontRef>
+      </dsp:style>
+      <dsp:txBody>
+        <a:bodyPr spcFirstLastPara="0" vert="horz" wrap="square" lIns="137160" tIns="137160" rIns="137160" bIns="137160" numCol="1" spcCol="1270" anchor="ctr" anchorCtr="0">
+          <a:noAutofit/>
+        </a:bodyPr>
+        <a:lstStyle/>
+        <a:p>
+          <a:pPr marL="0" lvl="0" indent="0" algn="l" defTabSz="1600200">
+            <a:lnSpc>
+              <a:spcPct val="90000"/>
+            </a:lnSpc>
+            <a:spcBef>
+              <a:spcPct val="0"/>
+            </a:spcBef>
+            <a:spcAft>
+              <a:spcPct val="35000"/>
+            </a:spcAft>
+            <a:buNone/>
+          </a:pPr>
+          <a:r>
+            <a:rPr lang="pl-PL" sz="3600" b="0" i="0" kern="1200"/>
+            <a:t>Dopasowanie modeli regresji</a:t>
+          </a:r>
+          <a:endParaRPr lang="en-US" sz="3600" kern="1200"/>
+        </a:p>
+      </dsp:txBody>
+      <dsp:txXfrm>
+        <a:off x="24092" y="24092"/>
+        <a:ext cx="7755641" cy="774365"/>
+      </dsp:txXfrm>
+    </dsp:sp>
+    <dsp:sp modelId="{2896126E-B75C-48B1-8B59-3E8294DDF01F}">
+      <dsp:nvSpPr>
+        <dsp:cNvPr id="0" name=""/>
+        <dsp:cNvSpPr/>
+      </dsp:nvSpPr>
+      <dsp:spPr>
+        <a:xfrm>
+          <a:off x="729692" y="972104"/>
+          <a:ext cx="8712743" cy="822549"/>
+        </a:xfrm>
+        <a:prstGeom prst="roundRect">
+          <a:avLst>
+            <a:gd name="adj" fmla="val 10000"/>
+          </a:avLst>
+        </a:prstGeom>
+        <a:solidFill>
+          <a:schemeClr val="accent2">
+            <a:hueOff val="2357366"/>
+            <a:satOff val="-8879"/>
+            <a:lumOff val="7451"/>
+            <a:alphaOff val="0"/>
+          </a:schemeClr>
+        </a:solidFill>
+        <a:ln w="12700" cap="flat" cmpd="sng" algn="ctr">
+          <a:solidFill>
+            <a:schemeClr val="lt1">
+              <a:hueOff val="0"/>
+              <a:satOff val="0"/>
+              <a:lumOff val="0"/>
+              <a:alphaOff val="0"/>
+            </a:schemeClr>
+          </a:solidFill>
+          <a:prstDash val="solid"/>
+          <a:miter lim="800000"/>
+        </a:ln>
+        <a:effectLst/>
+      </dsp:spPr>
+      <dsp:style>
+        <a:lnRef idx="2">
+          <a:scrgbClr r="0" g="0" b="0"/>
+        </a:lnRef>
+        <a:fillRef idx="1">
+          <a:scrgbClr r="0" g="0" b="0"/>
+        </a:fillRef>
+        <a:effectRef idx="0">
+          <a:scrgbClr r="0" g="0" b="0"/>
+        </a:effectRef>
+        <a:fontRef idx="minor">
+          <a:schemeClr val="lt1"/>
+        </a:fontRef>
+      </dsp:style>
+      <dsp:txBody>
+        <a:bodyPr spcFirstLastPara="0" vert="horz" wrap="square" lIns="137160" tIns="137160" rIns="137160" bIns="137160" numCol="1" spcCol="1270" anchor="ctr" anchorCtr="0">
+          <a:noAutofit/>
+        </a:bodyPr>
+        <a:lstStyle/>
+        <a:p>
+          <a:pPr marL="0" lvl="0" indent="0" algn="l" defTabSz="1600200">
+            <a:lnSpc>
+              <a:spcPct val="90000"/>
+            </a:lnSpc>
+            <a:spcBef>
+              <a:spcPct val="0"/>
+            </a:spcBef>
+            <a:spcAft>
+              <a:spcPct val="35000"/>
+            </a:spcAft>
+            <a:buNone/>
+          </a:pPr>
+          <a:r>
+            <a:rPr lang="pl-PL" sz="3600" b="0" i="0" kern="1200"/>
+            <a:t>Prognoza zmiennych niezależnych</a:t>
+          </a:r>
+          <a:endParaRPr lang="en-US" sz="3600" kern="1200"/>
+        </a:p>
+      </dsp:txBody>
+      <dsp:txXfrm>
+        <a:off x="753784" y="996196"/>
+        <a:ext cx="7400209" cy="774365"/>
+      </dsp:txXfrm>
+    </dsp:sp>
+    <dsp:sp modelId="{2E82BFAB-0088-4754-B657-0AC91E2ACB59}">
+      <dsp:nvSpPr>
+        <dsp:cNvPr id="0" name=""/>
+        <dsp:cNvSpPr/>
+      </dsp:nvSpPr>
+      <dsp:spPr>
+        <a:xfrm>
+          <a:off x="1448493" y="1944208"/>
+          <a:ext cx="8712743" cy="822549"/>
+        </a:xfrm>
+        <a:prstGeom prst="roundRect">
+          <a:avLst>
+            <a:gd name="adj" fmla="val 10000"/>
+          </a:avLst>
+        </a:prstGeom>
+        <a:solidFill>
+          <a:schemeClr val="accent2">
+            <a:hueOff val="4714731"/>
+            <a:satOff val="-17759"/>
+            <a:lumOff val="14902"/>
+            <a:alphaOff val="0"/>
+          </a:schemeClr>
+        </a:solidFill>
+        <a:ln w="12700" cap="flat" cmpd="sng" algn="ctr">
+          <a:solidFill>
+            <a:schemeClr val="lt1">
+              <a:hueOff val="0"/>
+              <a:satOff val="0"/>
+              <a:lumOff val="0"/>
+              <a:alphaOff val="0"/>
+            </a:schemeClr>
+          </a:solidFill>
+          <a:prstDash val="solid"/>
+          <a:miter lim="800000"/>
+        </a:ln>
+        <a:effectLst/>
+      </dsp:spPr>
+      <dsp:style>
+        <a:lnRef idx="2">
+          <a:scrgbClr r="0" g="0" b="0"/>
+        </a:lnRef>
+        <a:fillRef idx="1">
+          <a:scrgbClr r="0" g="0" b="0"/>
+        </a:fillRef>
+        <a:effectRef idx="0">
+          <a:scrgbClr r="0" g="0" b="0"/>
+        </a:effectRef>
+        <a:fontRef idx="minor">
+          <a:schemeClr val="lt1"/>
+        </a:fontRef>
+      </dsp:style>
+      <dsp:txBody>
+        <a:bodyPr spcFirstLastPara="0" vert="horz" wrap="square" lIns="137160" tIns="137160" rIns="137160" bIns="137160" numCol="1" spcCol="1270" anchor="ctr" anchorCtr="0">
+          <a:noAutofit/>
+        </a:bodyPr>
+        <a:lstStyle/>
+        <a:p>
+          <a:pPr marL="0" lvl="0" indent="0" algn="l" defTabSz="1600200">
+            <a:lnSpc>
+              <a:spcPct val="90000"/>
+            </a:lnSpc>
+            <a:spcBef>
+              <a:spcPct val="0"/>
+            </a:spcBef>
+            <a:spcAft>
+              <a:spcPct val="35000"/>
+            </a:spcAft>
+            <a:buNone/>
+          </a:pPr>
+          <a:r>
+            <a:rPr lang="pl-PL" sz="3600" b="0" i="0" kern="1200"/>
+            <a:t>Wykonanie predykcji GST</a:t>
+          </a:r>
+          <a:endParaRPr lang="en-US" sz="3600" kern="1200"/>
+        </a:p>
+      </dsp:txBody>
+      <dsp:txXfrm>
+        <a:off x="1472585" y="1968300"/>
+        <a:ext cx="7411100" cy="774365"/>
+      </dsp:txXfrm>
+    </dsp:sp>
+    <dsp:sp modelId="{FAF36E1B-D042-4763-94AB-B08871F23979}">
+      <dsp:nvSpPr>
+        <dsp:cNvPr id="0" name=""/>
+        <dsp:cNvSpPr/>
+      </dsp:nvSpPr>
+      <dsp:spPr>
+        <a:xfrm>
+          <a:off x="2178185" y="2916313"/>
+          <a:ext cx="8712743" cy="822549"/>
+        </a:xfrm>
+        <a:prstGeom prst="roundRect">
+          <a:avLst>
+            <a:gd name="adj" fmla="val 10000"/>
+          </a:avLst>
+        </a:prstGeom>
+        <a:solidFill>
+          <a:schemeClr val="accent2">
+            <a:hueOff val="7072097"/>
+            <a:satOff val="-26638"/>
+            <a:lumOff val="22353"/>
+            <a:alphaOff val="0"/>
+          </a:schemeClr>
+        </a:solidFill>
+        <a:ln w="12700" cap="flat" cmpd="sng" algn="ctr">
+          <a:solidFill>
+            <a:schemeClr val="lt1">
+              <a:hueOff val="0"/>
+              <a:satOff val="0"/>
+              <a:lumOff val="0"/>
+              <a:alphaOff val="0"/>
+            </a:schemeClr>
+          </a:solidFill>
+          <a:prstDash val="solid"/>
+          <a:miter lim="800000"/>
+        </a:ln>
+        <a:effectLst/>
+      </dsp:spPr>
+      <dsp:style>
+        <a:lnRef idx="2">
+          <a:scrgbClr r="0" g="0" b="0"/>
+        </a:lnRef>
+        <a:fillRef idx="1">
+          <a:scrgbClr r="0" g="0" b="0"/>
+        </a:fillRef>
+        <a:effectRef idx="0">
+          <a:scrgbClr r="0" g="0" b="0"/>
+        </a:effectRef>
+        <a:fontRef idx="minor">
+          <a:schemeClr val="lt1"/>
+        </a:fontRef>
+      </dsp:style>
+      <dsp:txBody>
+        <a:bodyPr spcFirstLastPara="0" vert="horz" wrap="square" lIns="137160" tIns="137160" rIns="137160" bIns="137160" numCol="1" spcCol="1270" anchor="ctr" anchorCtr="0">
+          <a:noAutofit/>
+        </a:bodyPr>
+        <a:lstStyle/>
+        <a:p>
+          <a:pPr marL="0" lvl="0" indent="0" algn="l" defTabSz="1600200">
+            <a:lnSpc>
+              <a:spcPct val="90000"/>
+            </a:lnSpc>
+            <a:spcBef>
+              <a:spcPct val="0"/>
+            </a:spcBef>
+            <a:spcAft>
+              <a:spcPct val="35000"/>
+            </a:spcAft>
+            <a:buNone/>
+          </a:pPr>
+          <a:r>
+            <a:rPr lang="pl-PL" sz="3600" b="0" i="0" kern="1200" dirty="0"/>
+            <a:t>Kiedy GST przekroczy 1,5°C?</a:t>
+          </a:r>
+          <a:endParaRPr lang="en-US" sz="3600" kern="1200" dirty="0"/>
+        </a:p>
+      </dsp:txBody>
+      <dsp:txXfrm>
+        <a:off x="2202277" y="2940405"/>
+        <a:ext cx="7400209" cy="774365"/>
+      </dsp:txXfrm>
+    </dsp:sp>
+    <dsp:sp modelId="{587FEFD8-C41C-4448-8E28-ECC1488597C8}">
+      <dsp:nvSpPr>
+        <dsp:cNvPr id="0" name=""/>
+        <dsp:cNvSpPr/>
+      </dsp:nvSpPr>
+      <dsp:spPr>
+        <a:xfrm>
+          <a:off x="8178085" y="629998"/>
+          <a:ext cx="534657" cy="534657"/>
+        </a:xfrm>
+        <a:prstGeom prst="downArrow">
+          <a:avLst>
+            <a:gd name="adj1" fmla="val 55000"/>
+            <a:gd name="adj2" fmla="val 45000"/>
+          </a:avLst>
+        </a:prstGeom>
+        <a:solidFill>
+          <a:schemeClr val="accent2">
+            <a:tint val="40000"/>
+            <a:alpha val="90000"/>
+            <a:hueOff val="0"/>
+            <a:satOff val="0"/>
+            <a:lumOff val="0"/>
+            <a:alphaOff val="0"/>
+          </a:schemeClr>
+        </a:solidFill>
+        <a:ln w="12700" cap="flat" cmpd="sng" algn="ctr">
+          <a:solidFill>
+            <a:schemeClr val="accent2">
+              <a:tint val="40000"/>
+              <a:alpha val="90000"/>
+              <a:hueOff val="0"/>
+              <a:satOff val="0"/>
+              <a:lumOff val="0"/>
+              <a:alphaOff val="0"/>
+            </a:schemeClr>
+          </a:solidFill>
+          <a:prstDash val="solid"/>
+          <a:miter lim="800000"/>
+        </a:ln>
+        <a:effectLst/>
+      </dsp:spPr>
+      <dsp:style>
+        <a:lnRef idx="2">
+          <a:scrgbClr r="0" g="0" b="0"/>
+        </a:lnRef>
+        <a:fillRef idx="1">
+          <a:scrgbClr r="0" g="0" b="0"/>
+        </a:fillRef>
+        <a:effectRef idx="0">
+          <a:scrgbClr r="0" g="0" b="0"/>
+        </a:effectRef>
+        <a:fontRef idx="minor"/>
+      </dsp:style>
+      <dsp:txBody>
+        <a:bodyPr spcFirstLastPara="0" vert="horz" wrap="square" lIns="30480" tIns="30480" rIns="30480" bIns="30480" numCol="1" spcCol="1270" anchor="ctr" anchorCtr="0">
+          <a:noAutofit/>
+        </a:bodyPr>
+        <a:lstStyle/>
+        <a:p>
+          <a:pPr marL="0" lvl="0" indent="0" algn="ctr" defTabSz="1066800">
+            <a:lnSpc>
+              <a:spcPct val="90000"/>
+            </a:lnSpc>
+            <a:spcBef>
+              <a:spcPct val="0"/>
+            </a:spcBef>
+            <a:spcAft>
+              <a:spcPct val="35000"/>
+            </a:spcAft>
+            <a:buNone/>
+          </a:pPr>
+          <a:endParaRPr lang="en-US" sz="2400" kern="1200"/>
+        </a:p>
+      </dsp:txBody>
+      <dsp:txXfrm>
+        <a:off x="8298383" y="629998"/>
+        <a:ext cx="294061" cy="402329"/>
+      </dsp:txXfrm>
+    </dsp:sp>
+    <dsp:sp modelId="{8FC1FBFE-C5AC-4972-A3C7-DA2F03763D28}">
+      <dsp:nvSpPr>
+        <dsp:cNvPr id="0" name=""/>
+        <dsp:cNvSpPr/>
+      </dsp:nvSpPr>
+      <dsp:spPr>
+        <a:xfrm>
+          <a:off x="8907778" y="1602102"/>
+          <a:ext cx="534657" cy="534657"/>
+        </a:xfrm>
+        <a:prstGeom prst="downArrow">
+          <a:avLst>
+            <a:gd name="adj1" fmla="val 55000"/>
+            <a:gd name="adj2" fmla="val 45000"/>
+          </a:avLst>
+        </a:prstGeom>
+        <a:solidFill>
+          <a:schemeClr val="accent2">
+            <a:tint val="40000"/>
+            <a:alpha val="90000"/>
+            <a:hueOff val="3707439"/>
+            <a:satOff val="-3703"/>
+            <a:lumOff val="1707"/>
+            <a:alphaOff val="0"/>
+          </a:schemeClr>
+        </a:solidFill>
+        <a:ln w="12700" cap="flat" cmpd="sng" algn="ctr">
+          <a:solidFill>
+            <a:schemeClr val="accent2">
+              <a:tint val="40000"/>
+              <a:alpha val="90000"/>
+              <a:hueOff val="3707439"/>
+              <a:satOff val="-3703"/>
+              <a:lumOff val="1707"/>
+              <a:alphaOff val="0"/>
+            </a:schemeClr>
+          </a:solidFill>
+          <a:prstDash val="solid"/>
+          <a:miter lim="800000"/>
+        </a:ln>
+        <a:effectLst/>
+      </dsp:spPr>
+      <dsp:style>
+        <a:lnRef idx="2">
+          <a:scrgbClr r="0" g="0" b="0"/>
+        </a:lnRef>
+        <a:fillRef idx="1">
+          <a:scrgbClr r="0" g="0" b="0"/>
+        </a:fillRef>
+        <a:effectRef idx="0">
+          <a:scrgbClr r="0" g="0" b="0"/>
+        </a:effectRef>
+        <a:fontRef idx="minor"/>
+      </dsp:style>
+      <dsp:txBody>
+        <a:bodyPr spcFirstLastPara="0" vert="horz" wrap="square" lIns="30480" tIns="30480" rIns="30480" bIns="30480" numCol="1" spcCol="1270" anchor="ctr" anchorCtr="0">
+          <a:noAutofit/>
+        </a:bodyPr>
+        <a:lstStyle/>
+        <a:p>
+          <a:pPr marL="0" lvl="0" indent="0" algn="ctr" defTabSz="1066800">
+            <a:lnSpc>
+              <a:spcPct val="90000"/>
+            </a:lnSpc>
+            <a:spcBef>
+              <a:spcPct val="0"/>
+            </a:spcBef>
+            <a:spcAft>
+              <a:spcPct val="35000"/>
+            </a:spcAft>
+            <a:buNone/>
+          </a:pPr>
+          <a:endParaRPr lang="en-US" sz="2400" kern="1200"/>
+        </a:p>
+      </dsp:txBody>
+      <dsp:txXfrm>
+        <a:off x="9028076" y="1602102"/>
+        <a:ext cx="294061" cy="402329"/>
+      </dsp:txXfrm>
+    </dsp:sp>
+    <dsp:sp modelId="{E02598DD-5F8B-47C8-8838-3F7CF25E72DC}">
+      <dsp:nvSpPr>
+        <dsp:cNvPr id="0" name=""/>
+        <dsp:cNvSpPr/>
+      </dsp:nvSpPr>
+      <dsp:spPr>
+        <a:xfrm>
+          <a:off x="9626579" y="2574207"/>
+          <a:ext cx="534657" cy="534657"/>
+        </a:xfrm>
+        <a:prstGeom prst="downArrow">
+          <a:avLst>
+            <a:gd name="adj1" fmla="val 55000"/>
+            <a:gd name="adj2" fmla="val 45000"/>
+          </a:avLst>
+        </a:prstGeom>
+        <a:solidFill>
+          <a:schemeClr val="accent2">
+            <a:tint val="40000"/>
+            <a:alpha val="90000"/>
+            <a:hueOff val="7414877"/>
+            <a:satOff val="-7406"/>
+            <a:lumOff val="3414"/>
+            <a:alphaOff val="0"/>
+          </a:schemeClr>
+        </a:solidFill>
+        <a:ln w="12700" cap="flat" cmpd="sng" algn="ctr">
+          <a:solidFill>
+            <a:schemeClr val="accent2">
+              <a:tint val="40000"/>
+              <a:alpha val="90000"/>
+              <a:hueOff val="7414877"/>
+              <a:satOff val="-7406"/>
+              <a:lumOff val="3414"/>
+              <a:alphaOff val="0"/>
+            </a:schemeClr>
+          </a:solidFill>
+          <a:prstDash val="solid"/>
+          <a:miter lim="800000"/>
+        </a:ln>
+        <a:effectLst/>
+      </dsp:spPr>
+      <dsp:style>
+        <a:lnRef idx="2">
+          <a:scrgbClr r="0" g="0" b="0"/>
+        </a:lnRef>
+        <a:fillRef idx="1">
+          <a:scrgbClr r="0" g="0" b="0"/>
+        </a:fillRef>
+        <a:effectRef idx="0">
+          <a:scrgbClr r="0" g="0" b="0"/>
+        </a:effectRef>
+        <a:fontRef idx="minor"/>
+      </dsp:style>
+      <dsp:txBody>
+        <a:bodyPr spcFirstLastPara="0" vert="horz" wrap="square" lIns="30480" tIns="30480" rIns="30480" bIns="30480" numCol="1" spcCol="1270" anchor="ctr" anchorCtr="0">
+          <a:noAutofit/>
+        </a:bodyPr>
+        <a:lstStyle/>
+        <a:p>
+          <a:pPr marL="0" lvl="0" indent="0" algn="ctr" defTabSz="1066800">
+            <a:lnSpc>
+              <a:spcPct val="90000"/>
+            </a:lnSpc>
+            <a:spcBef>
+              <a:spcPct val="0"/>
+            </a:spcBef>
+            <a:spcAft>
+              <a:spcPct val="35000"/>
+            </a:spcAft>
+            <a:buNone/>
+          </a:pPr>
+          <a:endParaRPr lang="en-US" sz="2400" kern="1200"/>
+        </a:p>
+      </dsp:txBody>
+      <dsp:txXfrm>
+        <a:off x="9746877" y="2574207"/>
+        <a:ext cx="294061" cy="402329"/>
+      </dsp:txXfrm>
+    </dsp:sp>
+  </dsp:spTree>
+</dsp:drawing>
+</file>
+
+<file path=ppt/diagrams/drawing6.xml><?xml version="1.0" encoding="utf-8"?>
+<dsp:drawing xmlns:dgm="http://schemas.openxmlformats.org/drawingml/2006/diagram" xmlns:dsp="http://schemas.microsoft.com/office/drawing/2008/diagram" xmlns:a="http://schemas.openxmlformats.org/drawingml/2006/main">
+  <dsp:spTree>
+    <dsp:nvGrpSpPr>
+      <dsp:cNvPr id="0" name=""/>
+      <dsp:cNvGrpSpPr/>
+    </dsp:nvGrpSpPr>
+    <dsp:grpSpPr/>
     <dsp:sp modelId="{4A10AC09-674E-4AEC-8EF9-3545D04E274C}">
       <dsp:nvSpPr>
         <dsp:cNvPr id="0" name=""/>
@@ -9440,7 +11109,7 @@
         </a:bodyPr>
         <a:lstStyle/>
         <a:p>
-          <a:pPr marL="0" lvl="0" indent="0" algn="l" defTabSz="488950">
+          <a:pPr marL="0" lvl="0" indent="0" algn="l" defTabSz="533400">
             <a:lnSpc>
               <a:spcPct val="90000"/>
             </a:lnSpc>
@@ -9453,10 +11122,10 @@
             <a:buNone/>
           </a:pPr>
           <a:r>
-            <a:rPr lang="pl-PL" sz="1100" b="0" i="0" kern="1200"/>
-            <a:t>Różnica w prognozie przekroczenia progu 1.5°C między modelami wynosi 5 lat (2043 vs 2048), co jest istotne w kontekście planowania polityki klimatycznej i strategii adaptacyjnych.</a:t>
+            <a:rPr lang="pl-PL" sz="1200" b="0" i="0" kern="1200" dirty="0"/>
+            <a:t>Różnica w prognozie przekroczenia progu 1.5°C między dwoma ostatnimi modelami wynosi 5 lat (2043 vs 2048), co jest istotne w kontekście planowania polityki klimatycznej i strategii adaptacyjnych.</a:t>
           </a:r>
-          <a:endParaRPr lang="en-US" sz="1100" kern="1200"/>
+          <a:endParaRPr lang="en-US" sz="1200" kern="1200" dirty="0"/>
         </a:p>
       </dsp:txBody>
       <dsp:txXfrm>
@@ -9584,7 +11253,7 @@
         </a:bodyPr>
         <a:lstStyle/>
         <a:p>
-          <a:pPr marL="0" lvl="0" indent="0" algn="l" defTabSz="488950">
+          <a:pPr marL="0" lvl="0" indent="0" algn="l" defTabSz="533400">
             <a:lnSpc>
               <a:spcPct val="90000"/>
             </a:lnSpc>
@@ -9597,10 +11266,10 @@
             <a:buNone/>
           </a:pPr>
           <a:r>
-            <a:rPr lang="pl-PL" sz="1100" b="0" i="0" kern="1200"/>
-            <a:t>Model 1 oferuje bardziej konserwatywny (opóźniony) scenariusz, ale jego konstrukcja oparta jest na klasycznych zmiennych, które mogą nie oddawać pełnej złożoności systemu klimatycznego.</a:t>
+            <a:rPr lang="pl-PL" sz="1200" b="0" i="0" kern="1200" dirty="0"/>
+            <a:t>1 model oferuje bardziej konserwatywny (opóźniony) scenariusz, ale jego konstrukcja oparta jest na klasycznych zmiennych, które mogą nie oddawać pełnej złożoności systemu klimatycznego.</a:t>
           </a:r>
-          <a:endParaRPr lang="en-US" sz="1100" kern="1200"/>
+          <a:endParaRPr lang="en-US" sz="1200" kern="1200" dirty="0"/>
         </a:p>
       </dsp:txBody>
       <dsp:txXfrm>
@@ -9728,7 +11397,7 @@
         </a:bodyPr>
         <a:lstStyle/>
         <a:p>
-          <a:pPr marL="0" lvl="0" indent="0" algn="l" defTabSz="488950">
+          <a:pPr marL="0" lvl="0" indent="0" algn="l" defTabSz="533400">
             <a:lnSpc>
               <a:spcPct val="90000"/>
             </a:lnSpc>
@@ -9741,10 +11410,10 @@
             <a:buNone/>
           </a:pPr>
           <a:r>
-            <a:rPr lang="pl-PL" sz="1100" b="0" i="0" kern="1200"/>
-            <a:t>Model 2, choć nieco słabszy pod względem dopasowania ogólnego, uwzględnia dynamiczne czynniki rolnicze i może odzwierciedlać alternatywną ścieżkę rozwoju temperatury, silniej zależną od sektora żywnościowego.</a:t>
+            <a:rPr lang="pl-PL" sz="1200" b="0" i="0" kern="1200" dirty="0"/>
+            <a:t>Ostatni model, choć nieco słabszy pod względem dopasowania ogólnego, uwzględnia dynamiczne czynniki rolnicze i może odzwierciedlać alternatywną ścieżkę rozwoju temperatury, silniej zależną od sektora żywnościowego.</a:t>
           </a:r>
-          <a:endParaRPr lang="en-US" sz="1100" kern="1200"/>
+          <a:endParaRPr lang="en-US" sz="1200" kern="1200" dirty="0"/>
         </a:p>
       </dsp:txBody>
       <dsp:txXfrm>
@@ -9872,7 +11541,7 @@
         </a:bodyPr>
         <a:lstStyle/>
         <a:p>
-          <a:pPr marL="0" lvl="0" indent="0" algn="l" defTabSz="488950">
+          <a:pPr marL="0" lvl="0" indent="0" algn="l" defTabSz="533400">
             <a:lnSpc>
               <a:spcPct val="90000"/>
             </a:lnSpc>
@@ -9885,10 +11554,10 @@
             <a:buNone/>
           </a:pPr>
           <a:r>
-            <a:rPr lang="pl-PL" sz="1100" b="0" i="0" kern="1200"/>
-            <a:t>Użycie modelu 1 jako bazowego oraz modelu 2 jako wariantu alternatywnego pozwala uchwycić szersze spektrum możliwych trajektorii zmian klimatycznych, co jest zgodne z podejściem wielomodelowym zalecanym m.in. przez IPCC.</a:t>
+            <a:rPr lang="pl-PL" sz="1200" b="0" i="0" kern="1200" dirty="0"/>
+            <a:t>Użycie trzech modeli pozwala uchwycić szersze spektrum możliwych trajektorii zmian klimatycznych, co jest zgodne z podejściem wielomodelowym zalecanym m.in. przez IPCC.</a:t>
           </a:r>
-          <a:endParaRPr lang="en-US" sz="1100" kern="1200"/>
+          <a:endParaRPr lang="en-US" sz="1200" kern="1200" dirty="0"/>
         </a:p>
       </dsp:txBody>
       <dsp:txXfrm>
@@ -13206,6 +14875,1232 @@
 </file>
 
 <file path=ppt/diagrams/layout5.xml><?xml version="1.0" encoding="utf-8"?>
+<dgm:layoutDef xmlns:dgm="http://schemas.openxmlformats.org/drawingml/2006/diagram" xmlns:a="http://schemas.openxmlformats.org/drawingml/2006/main" uniqueId="urn:microsoft.com/office/officeart/2005/8/layout/vProcess5">
+  <dgm:title val=""/>
+  <dgm:desc val=""/>
+  <dgm:catLst>
+    <dgm:cat type="process" pri="14000"/>
+  </dgm:catLst>
+  <dgm:sampData>
+    <dgm:dataModel>
+      <dgm:ptLst>
+        <dgm:pt modelId="0" type="doc"/>
+        <dgm:pt modelId="1">
+          <dgm:prSet phldr="1"/>
+        </dgm:pt>
+        <dgm:pt modelId="2">
+          <dgm:prSet phldr="1"/>
+        </dgm:pt>
+        <dgm:pt modelId="3">
+          <dgm:prSet phldr="1"/>
+        </dgm:pt>
+      </dgm:ptLst>
+      <dgm:cxnLst>
+        <dgm:cxn modelId="5" srcId="0" destId="1" srcOrd="0" destOrd="0"/>
+        <dgm:cxn modelId="6" srcId="0" destId="2" srcOrd="1" destOrd="0"/>
+        <dgm:cxn modelId="7" srcId="0" destId="3" srcOrd="2" destOrd="0"/>
+      </dgm:cxnLst>
+      <dgm:bg/>
+      <dgm:whole/>
+    </dgm:dataModel>
+  </dgm:sampData>
+  <dgm:styleData>
+    <dgm:dataModel>
+      <dgm:ptLst>
+        <dgm:pt modelId="0" type="doc"/>
+        <dgm:pt modelId="1"/>
+        <dgm:pt modelId="2"/>
+      </dgm:ptLst>
+      <dgm:cxnLst>
+        <dgm:cxn modelId="3" srcId="0" destId="1" srcOrd="0" destOrd="0"/>
+        <dgm:cxn modelId="4" srcId="0" destId="2" srcOrd="1" destOrd="0"/>
+      </dgm:cxnLst>
+      <dgm:bg/>
+      <dgm:whole/>
+    </dgm:dataModel>
+  </dgm:styleData>
+  <dgm:clrData>
+    <dgm:dataModel>
+      <dgm:ptLst>
+        <dgm:pt modelId="0" type="doc"/>
+        <dgm:pt modelId="1"/>
+        <dgm:pt modelId="2"/>
+        <dgm:pt modelId="3"/>
+        <dgm:pt modelId="4"/>
+      </dgm:ptLst>
+      <dgm:cxnLst>
+        <dgm:cxn modelId="6" srcId="0" destId="1" srcOrd="0" destOrd="0"/>
+        <dgm:cxn modelId="7" srcId="0" destId="2" srcOrd="1" destOrd="0"/>
+        <dgm:cxn modelId="8" srcId="0" destId="3" srcOrd="2" destOrd="0"/>
+        <dgm:cxn modelId="9" srcId="0" destId="4" srcOrd="3" destOrd="0"/>
+      </dgm:cxnLst>
+      <dgm:bg/>
+      <dgm:whole/>
+    </dgm:dataModel>
+  </dgm:clrData>
+  <dgm:layoutNode name="outerComposite">
+    <dgm:varLst>
+      <dgm:chMax val="5"/>
+      <dgm:dir/>
+      <dgm:resizeHandles val="exact"/>
+    </dgm:varLst>
+    <dgm:alg type="composite"/>
+    <dgm:shape xmlns:r="http://schemas.openxmlformats.org/officeDocument/2006/relationships" r:blip="">
+      <dgm:adjLst/>
+    </dgm:shape>
+    <dgm:presOf/>
+    <dgm:choose name="Name0">
+      <dgm:if name="Name1" func="var" arg="dir" op="equ" val="norm">
+        <dgm:constrLst>
+          <dgm:constr type="primFontSz" for="ch" ptType="node" op="equ" val="65"/>
+          <dgm:constr type="w" for="ch" forName="dummyMaxCanvas" refType="w"/>
+          <dgm:constr type="h" for="ch" forName="dummyMaxCanvas" refType="h"/>
+          <dgm:constr type="w" for="ch" forName="OneNode_1" refType="w"/>
+          <dgm:constr type="h" for="ch" forName="OneNode_1" refType="h" fact="0.5"/>
+          <dgm:constr type="ctrY" for="ch" forName="OneNode_1" refType="h" fact="0.5"/>
+          <dgm:constr type="w" for="ch" forName="TwoNodes_1" refType="w" fact="0.85"/>
+          <dgm:constr type="h" for="ch" forName="TwoNodes_1" refType="h" fact="0.45"/>
+          <dgm:constr type="t" for="ch" forName="TwoNodes_1"/>
+          <dgm:constr type="l" for="ch" forName="TwoNodes_1"/>
+          <dgm:constr type="w" for="ch" forName="TwoNodes_2" refType="w" fact="0.85"/>
+          <dgm:constr type="h" for="ch" forName="TwoNodes_2" refType="h" fact="0.45"/>
+          <dgm:constr type="b" for="ch" forName="TwoNodes_2" refType="h"/>
+          <dgm:constr type="r" for="ch" forName="TwoNodes_2" refType="w"/>
+          <dgm:constr type="w" for="ch" forName="TwoConn_1-2" refType="h" refFor="ch" refForName="TwoNodes_1" fact="0.65"/>
+          <dgm:constr type="h" for="ch" forName="TwoConn_1-2" refType="h" refFor="ch" refForName="TwoNodes_1" fact="0.65"/>
+          <dgm:constr type="ctrY" for="ch" forName="TwoConn_1-2" refType="h" fact="0.5"/>
+          <dgm:constr type="r" for="ch" forName="TwoConn_1-2" refType="r" refFor="ch" refForName="TwoNodes_1"/>
+          <dgm:constr type="r" for="ch" forName="TwoNodes_1_text" refType="l" refFor="ch" refForName="TwoConn_1-2"/>
+          <dgm:constr type="rOff" for="ch" forName="TwoNodes_1_text" refType="w" refFor="ch" refForName="TwoConn_1-2" fact="-0.5"/>
+          <dgm:constr type="t" for="ch" forName="TwoNodes_1_text" refType="t" refFor="ch" refForName="TwoNodes_1"/>
+          <dgm:constr type="b" for="ch" forName="TwoNodes_1_text" refType="b" refFor="ch" refForName="TwoNodes_1"/>
+          <dgm:constr type="l" for="ch" forName="TwoNodes_1_text" refType="l" refFor="ch" refForName="TwoNodes_1"/>
+          <dgm:constr type="r" for="ch" forName="TwoNodes_2_text" refType="l" refFor="ch" refForName="TwoConn_1-2"/>
+          <dgm:constr type="t" for="ch" forName="TwoNodes_2_text" refType="t" refFor="ch" refForName="TwoNodes_2"/>
+          <dgm:constr type="b" for="ch" forName="TwoNodes_2_text" refType="b" refFor="ch" refForName="TwoNodes_2"/>
+          <dgm:constr type="l" for="ch" forName="TwoNodes_2_text" refType="l" refFor="ch" refForName="TwoNodes_2"/>
+          <dgm:constr type="w" for="ch" forName="ThreeNodes_1" refType="w" fact="0.85"/>
+          <dgm:constr type="h" for="ch" forName="ThreeNodes_1" refType="h" fact="0.3"/>
+          <dgm:constr type="t" for="ch" forName="ThreeNodes_1"/>
+          <dgm:constr type="l" for="ch" forName="ThreeNodes_1"/>
+          <dgm:constr type="w" for="ch" forName="ThreeNodes_2" refType="w" fact="0.85"/>
+          <dgm:constr type="h" for="ch" forName="ThreeNodes_2" refType="h" fact="0.3"/>
+          <dgm:constr type="ctrY" for="ch" forName="ThreeNodes_2" refType="h" fact="0.5"/>
+          <dgm:constr type="ctrX" for="ch" forName="ThreeNodes_2" refType="w" fact="0.5"/>
+          <dgm:constr type="w" for="ch" forName="ThreeNodes_3" refType="w" fact="0.85"/>
+          <dgm:constr type="h" for="ch" forName="ThreeNodes_3" refType="h" fact="0.3"/>
+          <dgm:constr type="b" for="ch" forName="ThreeNodes_3" refType="h"/>
+          <dgm:constr type="r" for="ch" forName="ThreeNodes_3" refType="w"/>
+          <dgm:constr type="w" for="ch" forName="ThreeConn_1-2" refType="h" refFor="ch" refForName="ThreeNodes_1" fact="0.65"/>
+          <dgm:constr type="h" for="ch" forName="ThreeConn_1-2" refType="h" refFor="ch" refForName="ThreeNodes_1" fact="0.65"/>
+          <dgm:constr type="ctrY" for="ch" forName="ThreeConn_1-2" refType="h" fact="0.325"/>
+          <dgm:constr type="r" for="ch" forName="ThreeConn_1-2" refType="r" refFor="ch" refForName="ThreeNodes_1"/>
+          <dgm:constr type="w" for="ch" forName="ThreeConn_2-3" refType="h" refFor="ch" refForName="ThreeNodes_2" fact="0.65"/>
+          <dgm:constr type="h" for="ch" forName="ThreeConn_2-3" refType="h" refFor="ch" refForName="ThreeNodes_2" fact="0.65"/>
+          <dgm:constr type="ctrY" for="ch" forName="ThreeConn_2-3" refType="h" fact="0.673"/>
+          <dgm:constr type="r" for="ch" forName="ThreeConn_2-3" refType="r" refFor="ch" refForName="ThreeNodes_2"/>
+          <dgm:constr type="r" for="ch" forName="ThreeNodes_1_text" refType="l" refFor="ch" refForName="ThreeConn_1-2"/>
+          <dgm:constr type="rOff" for="ch" forName="ThreeNodes_1_text" refType="w" refFor="ch" refForName="ThreeConn_1-2" fact="-0.57"/>
+          <dgm:constr type="t" for="ch" forName="ThreeNodes_1_text" refType="t" refFor="ch" refForName="ThreeNodes_1"/>
+          <dgm:constr type="b" for="ch" forName="ThreeNodes_1_text" refType="b" refFor="ch" refForName="ThreeNodes_1"/>
+          <dgm:constr type="l" for="ch" forName="ThreeNodes_1_text" refType="l" refFor="ch" refForName="ThreeNodes_1"/>
+          <dgm:constr type="r" for="ch" forName="ThreeNodes_2_text" refType="l" refFor="ch" refForName="ThreeConn_1-2"/>
+          <dgm:constr type="t" for="ch" forName="ThreeNodes_2_text" refType="t" refFor="ch" refForName="ThreeNodes_2"/>
+          <dgm:constr type="b" for="ch" forName="ThreeNodes_2_text" refType="b" refFor="ch" refForName="ThreeNodes_2"/>
+          <dgm:constr type="l" for="ch" forName="ThreeNodes_2_text" refType="l" refFor="ch" refForName="ThreeNodes_2"/>
+          <dgm:constr type="r" for="ch" forName="ThreeNodes_3_text" refType="l" refFor="ch" refForName="ThreeConn_2-3"/>
+          <dgm:constr type="t" for="ch" forName="ThreeNodes_3_text" refType="t" refFor="ch" refForName="ThreeNodes_3"/>
+          <dgm:constr type="b" for="ch" forName="ThreeNodes_3_text" refType="b" refFor="ch" refForName="ThreeNodes_3"/>
+          <dgm:constr type="l" for="ch" forName="ThreeNodes_3_text" refType="l" refFor="ch" refForName="ThreeNodes_3"/>
+          <dgm:constr type="w" for="ch" forName="FourNodes_1" refType="w" fact="0.8"/>
+          <dgm:constr type="h" for="ch" forName="FourNodes_1" refType="h" fact="0.22"/>
+          <dgm:constr type="t" for="ch" forName="FourNodes_1"/>
+          <dgm:constr type="l" for="ch" forName="FourNodes_1"/>
+          <dgm:constr type="w" for="ch" forName="FourNodes_2" refType="w" fact="0.8"/>
+          <dgm:constr type="h" for="ch" forName="FourNodes_2" refType="h" fact="0.22"/>
+          <dgm:constr type="ctrY" for="ch" forName="FourNodes_2" refType="h" fact="0.37"/>
+          <dgm:constr type="ctrX" for="ch" forName="FourNodes_2" refType="w" fact="0.467"/>
+          <dgm:constr type="w" for="ch" forName="FourNodes_3" refType="w" fact="0.8"/>
+          <dgm:constr type="h" for="ch" forName="FourNodes_3" refType="h" fact="0.22"/>
+          <dgm:constr type="ctrY" for="ch" forName="FourNodes_3" refType="h" fact="0.63"/>
+          <dgm:constr type="ctrX" for="ch" forName="FourNodes_3" refType="w" fact="0.533"/>
+          <dgm:constr type="w" for="ch" forName="FourNodes_4" refType="w" fact="0.8"/>
+          <dgm:constr type="h" for="ch" forName="FourNodes_4" refType="h" fact="0.22"/>
+          <dgm:constr type="b" for="ch" forName="FourNodes_4" refType="h"/>
+          <dgm:constr type="r" for="ch" forName="FourNodes_4" refType="w"/>
+          <dgm:constr type="w" for="ch" forName="FourConn_1-2" refType="h" refFor="ch" refForName="FourNodes_1" fact="0.65"/>
+          <dgm:constr type="h" for="ch" forName="FourConn_1-2" refType="h" refFor="ch" refForName="FourNodes_1" fact="0.65"/>
+          <dgm:constr type="ctrY" for="ch" forName="FourConn_1-2" refType="h" fact="0.24"/>
+          <dgm:constr type="r" for="ch" forName="FourConn_1-2" refType="r" refFor="ch" refForName="FourNodes_1"/>
+          <dgm:constr type="w" for="ch" forName="FourConn_2-3" refType="h" refFor="ch" refForName="FourNodes_2" fact="0.65"/>
+          <dgm:constr type="h" for="ch" forName="FourConn_2-3" refType="h" refFor="ch" refForName="FourNodes_2" fact="0.65"/>
+          <dgm:constr type="ctrY" for="ch" forName="FourConn_2-3" refType="h" fact="0.5"/>
+          <dgm:constr type="r" for="ch" forName="FourConn_2-3" refType="r" refFor="ch" refForName="FourNodes_2"/>
+          <dgm:constr type="w" for="ch" forName="FourConn_3-4" refType="h" refFor="ch" refForName="FourNodes_3" fact="0.65"/>
+          <dgm:constr type="h" for="ch" forName="FourConn_3-4" refType="h" refFor="ch" refForName="FourNodes_3" fact="0.65"/>
+          <dgm:constr type="ctrY" for="ch" forName="FourConn_3-4" refType="h" fact="0.76"/>
+          <dgm:constr type="r" for="ch" forName="FourConn_3-4" refType="r" refFor="ch" refForName="FourNodes_3"/>
+          <dgm:constr type="r" for="ch" forName="FourNodes_1_text" refType="l" refFor="ch" refForName="FourConn_1-2"/>
+          <dgm:constr type="rOff" for="ch" forName="FourNodes_1_text" refType="w" refFor="ch" refForName="FourConn_1-2" fact="-0.7"/>
+          <dgm:constr type="t" for="ch" forName="FourNodes_1_text" refType="t" refFor="ch" refForName="FourNodes_1"/>
+          <dgm:constr type="b" for="ch" forName="FourNodes_1_text" refType="b" refFor="ch" refForName="FourNodes_1"/>
+          <dgm:constr type="l" for="ch" forName="FourNodes_1_text" refType="l" refFor="ch" refForName="FourNodes_1"/>
+          <dgm:constr type="r" for="ch" forName="FourNodes_2_text" refType="l" refFor="ch" refForName="FourConn_1-2"/>
+          <dgm:constr type="t" for="ch" forName="FourNodes_2_text" refType="t" refFor="ch" refForName="FourNodes_2"/>
+          <dgm:constr type="b" for="ch" forName="FourNodes_2_text" refType="b" refFor="ch" refForName="FourNodes_2"/>
+          <dgm:constr type="l" for="ch" forName="FourNodes_2_text" refType="l" refFor="ch" refForName="FourNodes_2"/>
+          <dgm:constr type="r" for="ch" forName="FourNodes_3_text" refType="l" refFor="ch" refForName="FourConn_2-3"/>
+          <dgm:constr type="t" for="ch" forName="FourNodes_3_text" refType="t" refFor="ch" refForName="FourNodes_3"/>
+          <dgm:constr type="b" for="ch" forName="FourNodes_3_text" refType="b" refFor="ch" refForName="FourNodes_3"/>
+          <dgm:constr type="l" for="ch" forName="FourNodes_3_text" refType="l" refFor="ch" refForName="FourNodes_3"/>
+          <dgm:constr type="r" for="ch" forName="FourNodes_4_text" refType="l" refFor="ch" refForName="FourConn_3-4"/>
+          <dgm:constr type="t" for="ch" forName="FourNodes_4_text" refType="t" refFor="ch" refForName="FourNodes_4"/>
+          <dgm:constr type="b" for="ch" forName="FourNodes_4_text" refType="b" refFor="ch" refForName="FourNodes_4"/>
+          <dgm:constr type="l" for="ch" forName="FourNodes_4_text" refType="l" refFor="ch" refForName="FourNodes_4"/>
+          <dgm:constr type="w" for="ch" forName="FiveNodes_1" refType="w" fact="0.77"/>
+          <dgm:constr type="h" for="ch" forName="FiveNodes_1" refType="h" fact="0.18"/>
+          <dgm:constr type="t" for="ch" forName="FiveNodes_1"/>
+          <dgm:constr type="l" for="ch" forName="FiveNodes_1"/>
+          <dgm:constr type="w" for="ch" forName="FiveNodes_2" refType="w" fact="0.77"/>
+          <dgm:constr type="h" for="ch" forName="FiveNodes_2" refType="h" fact="0.18"/>
+          <dgm:constr type="ctrY" for="ch" forName="FiveNodes_2" refType="h" fact="0.295"/>
+          <dgm:constr type="ctrX" for="ch" forName="FiveNodes_2" refType="w" fact="0.4425"/>
+          <dgm:constr type="w" for="ch" forName="FiveNodes_3" refType="w" fact="0.77"/>
+          <dgm:constr type="h" for="ch" forName="FiveNodes_3" refType="h" fact="0.18"/>
+          <dgm:constr type="ctrY" for="ch" forName="FiveNodes_3" refType="h" fact="0.5"/>
+          <dgm:constr type="ctrX" for="ch" forName="FiveNodes_3" refType="w" fact="0.5"/>
+          <dgm:constr type="w" for="ch" forName="FiveNodes_4" refType="w" fact="0.77"/>
+          <dgm:constr type="h" for="ch" forName="FiveNodes_4" refType="h" fact="0.18"/>
+          <dgm:constr type="ctrY" for="ch" forName="FiveNodes_4" refType="h" fact="0.705"/>
+          <dgm:constr type="ctrX" for="ch" forName="FiveNodes_4" refType="w" fact="0.5575"/>
+          <dgm:constr type="w" for="ch" forName="FiveNodes_5" refType="w" fact="0.77"/>
+          <dgm:constr type="h" for="ch" forName="FiveNodes_5" refType="h" fact="0.18"/>
+          <dgm:constr type="b" for="ch" forName="FiveNodes_5" refType="h"/>
+          <dgm:constr type="r" for="ch" forName="FiveNodes_5" refType="w"/>
+          <dgm:constr type="w" for="ch" forName="FiveConn_1-2" refType="h" refFor="ch" refForName="FiveNodes_1" fact="0.65"/>
+          <dgm:constr type="h" for="ch" forName="FiveConn_1-2" refType="h" refFor="ch" refForName="FiveNodes_1" fact="0.65"/>
+          <dgm:constr type="ctrY" for="ch" forName="FiveConn_1-2" refType="h" fact="0.19"/>
+          <dgm:constr type="r" for="ch" forName="FiveConn_1-2" refType="r" refFor="ch" refForName="FiveNodes_1"/>
+          <dgm:constr type="w" for="ch" forName="FiveConn_2-3" refType="h" refFor="ch" refForName="FiveNodes_2" fact="0.65"/>
+          <dgm:constr type="h" for="ch" forName="FiveConn_2-3" refType="h" refFor="ch" refForName="FiveNodes_2" fact="0.65"/>
+          <dgm:constr type="ctrY" for="ch" forName="FiveConn_2-3" refType="h" fact="0.395"/>
+          <dgm:constr type="r" for="ch" forName="FiveConn_2-3" refType="r" refFor="ch" refForName="FiveNodes_2"/>
+          <dgm:constr type="w" for="ch" forName="FiveConn_3-4" refType="h" refFor="ch" refForName="FiveNodes_3" fact="0.65"/>
+          <dgm:constr type="h" for="ch" forName="FiveConn_3-4" refType="h" refFor="ch" refForName="FiveNodes_3" fact="0.65"/>
+          <dgm:constr type="ctrY" for="ch" forName="FiveConn_3-4" refType="h" fact="0.597"/>
+          <dgm:constr type="r" for="ch" forName="FiveConn_3-4" refType="r" refFor="ch" refForName="FiveNodes_3"/>
+          <dgm:constr type="w" for="ch" forName="FiveConn_4-5" refType="h" refFor="ch" refForName="FiveNodes_4" fact="0.65"/>
+          <dgm:constr type="h" for="ch" forName="FiveConn_4-5" refType="h" refFor="ch" refForName="FiveNodes_4" fact="0.65"/>
+          <dgm:constr type="ctrY" for="ch" forName="FiveConn_4-5" refType="h" fact="0.804"/>
+          <dgm:constr type="r" for="ch" forName="FiveConn_4-5" refType="r" refFor="ch" refForName="FiveNodes_4"/>
+          <dgm:constr type="r" for="ch" forName="FiveNodes_1_text" refType="l" refFor="ch" refForName="FiveConn_1-2"/>
+          <dgm:constr type="rOff" for="ch" forName="FiveNodes_1_text" refType="w" refFor="ch" refForName="FiveConn_1-2" fact="-0.75"/>
+          <dgm:constr type="t" for="ch" forName="FiveNodes_1_text" refType="t" refFor="ch" refForName="FiveNodes_1"/>
+          <dgm:constr type="b" for="ch" forName="FiveNodes_1_text" refType="b" refFor="ch" refForName="FiveNodes_1"/>
+          <dgm:constr type="l" for="ch" forName="FiveNodes_1_text" refType="l" refFor="ch" refForName="FiveNodes_1"/>
+          <dgm:constr type="r" for="ch" forName="FiveNodes_2_text" refType="l" refFor="ch" refForName="FiveConn_1-2"/>
+          <dgm:constr type="t" for="ch" forName="FiveNodes_2_text" refType="t" refFor="ch" refForName="FiveNodes_2"/>
+          <dgm:constr type="b" for="ch" forName="FiveNodes_2_text" refType="b" refFor="ch" refForName="FiveNodes_2"/>
+          <dgm:constr type="l" for="ch" forName="FiveNodes_2_text" refType="l" refFor="ch" refForName="FiveNodes_2"/>
+          <dgm:constr type="r" for="ch" forName="FiveNodes_3_text" refType="l" refFor="ch" refForName="FiveConn_2-3"/>
+          <dgm:constr type="t" for="ch" forName="FiveNodes_3_text" refType="t" refFor="ch" refForName="FiveNodes_3"/>
+          <dgm:constr type="b" for="ch" forName="FiveNodes_3_text" refType="b" refFor="ch" refForName="FiveNodes_3"/>
+          <dgm:constr type="l" for="ch" forName="FiveNodes_3_text" refType="l" refFor="ch" refForName="FiveNodes_3"/>
+          <dgm:constr type="r" for="ch" forName="FiveNodes_4_text" refType="l" refFor="ch" refForName="FiveConn_3-4"/>
+          <dgm:constr type="t" for="ch" forName="FiveNodes_4_text" refType="t" refFor="ch" refForName="FiveNodes_4"/>
+          <dgm:constr type="b" for="ch" forName="FiveNodes_4_text" refType="b" refFor="ch" refForName="FiveNodes_4"/>
+          <dgm:constr type="l" for="ch" forName="FiveNodes_4_text" refType="l" refFor="ch" refForName="FiveNodes_4"/>
+          <dgm:constr type="r" for="ch" forName="FiveNodes_5_text" refType="l" refFor="ch" refForName="FiveConn_4-5"/>
+          <dgm:constr type="t" for="ch" forName="FiveNodes_5_text" refType="t" refFor="ch" refForName="FiveNodes_5"/>
+          <dgm:constr type="b" for="ch" forName="FiveNodes_5_text" refType="b" refFor="ch" refForName="FiveNodes_5"/>
+          <dgm:constr type="l" for="ch" forName="FiveNodes_5_text" refType="l" refFor="ch" refForName="FiveNodes_5"/>
+        </dgm:constrLst>
+      </dgm:if>
+      <dgm:else name="Name2">
+        <dgm:constrLst>
+          <dgm:constr type="primFontSz" for="ch" ptType="node" op="equ" val="65"/>
+          <dgm:constr type="w" for="ch" forName="dummyMaxCanvas" refType="w"/>
+          <dgm:constr type="h" for="ch" forName="dummyMaxCanvas" refType="h"/>
+          <dgm:constr type="w" for="ch" forName="OneNode_1" refType="w"/>
+          <dgm:constr type="h" for="ch" forName="OneNode_1" refType="h" fact="0.5"/>
+          <dgm:constr type="ctrY" for="ch" forName="OneNode_1" refType="h" fact="0.5"/>
+          <dgm:constr type="w" for="ch" forName="TwoNodes_1" refType="w" fact="0.85"/>
+          <dgm:constr type="h" for="ch" forName="TwoNodes_1" refType="h" fact="0.45"/>
+          <dgm:constr type="t" for="ch" forName="TwoNodes_1"/>
+          <dgm:constr type="r" for="ch" forName="TwoNodes_1" refType="w"/>
+          <dgm:constr type="w" for="ch" forName="TwoNodes_2" refType="w" fact="0.85"/>
+          <dgm:constr type="h" for="ch" forName="TwoNodes_2" refType="h" fact="0.45"/>
+          <dgm:constr type="b" for="ch" forName="TwoNodes_2" refType="h"/>
+          <dgm:constr type="l" for="ch" forName="TwoNodes_2"/>
+          <dgm:constr type="w" for="ch" forName="TwoConn_1-2" refType="h" refFor="ch" refForName="TwoNodes_1" fact="0.65"/>
+          <dgm:constr type="h" for="ch" forName="TwoConn_1-2" refType="h" refFor="ch" refForName="TwoNodes_1" fact="0.65"/>
+          <dgm:constr type="ctrY" for="ch" forName="TwoConn_1-2" refType="h" fact="0.5"/>
+          <dgm:constr type="l" for="ch" forName="TwoConn_1-2" refType="l" refFor="ch" refForName="TwoNodes_1"/>
+          <dgm:constr type="l" for="ch" forName="TwoNodes_1_text" refType="r" refFor="ch" refForName="TwoConn_1-2"/>
+          <dgm:constr type="lOff" for="ch" forName="TwoNodes_1_text" refType="w" refFor="ch" refForName="TwoConn_1-2" fact="0.5"/>
+          <dgm:constr type="t" for="ch" forName="TwoNodes_1_text" refType="t" refFor="ch" refForName="TwoNodes_1"/>
+          <dgm:constr type="b" for="ch" forName="TwoNodes_1_text" refType="b" refFor="ch" refForName="TwoNodes_1"/>
+          <dgm:constr type="r" for="ch" forName="TwoNodes_1_text" refType="r" refFor="ch" refForName="TwoNodes_1"/>
+          <dgm:constr type="l" for="ch" forName="TwoNodes_2_text" refType="r" refFor="ch" refForName="TwoConn_1-2"/>
+          <dgm:constr type="t" for="ch" forName="TwoNodes_2_text" refType="t" refFor="ch" refForName="TwoNodes_2"/>
+          <dgm:constr type="b" for="ch" forName="TwoNodes_2_text" refType="b" refFor="ch" refForName="TwoNodes_2"/>
+          <dgm:constr type="r" for="ch" forName="TwoNodes_2_text" refType="r" refFor="ch" refForName="TwoNodes_2"/>
+          <dgm:constr type="w" for="ch" forName="ThreeNodes_1" refType="w" fact="0.85"/>
+          <dgm:constr type="h" for="ch" forName="ThreeNodes_1" refType="h" fact="0.3"/>
+          <dgm:constr type="t" for="ch" forName="ThreeNodes_1"/>
+          <dgm:constr type="r" for="ch" forName="ThreeNodes_1" refType="w"/>
+          <dgm:constr type="w" for="ch" forName="ThreeNodes_2" refType="w" fact="0.85"/>
+          <dgm:constr type="h" for="ch" forName="ThreeNodes_2" refType="h" fact="0.3"/>
+          <dgm:constr type="ctrY" for="ch" forName="ThreeNodes_2" refType="h" fact="0.5"/>
+          <dgm:constr type="ctrX" for="ch" forName="ThreeNodes_2" refType="w" fact="0.5"/>
+          <dgm:constr type="w" for="ch" forName="ThreeNodes_3" refType="w" fact="0.85"/>
+          <dgm:constr type="h" for="ch" forName="ThreeNodes_3" refType="h" fact="0.3"/>
+          <dgm:constr type="b" for="ch" forName="ThreeNodes_3" refType="h"/>
+          <dgm:constr type="l" for="ch" forName="ThreeNodes_3"/>
+          <dgm:constr type="w" for="ch" forName="ThreeConn_1-2" refType="h" refFor="ch" refForName="ThreeNodes_1" fact="0.65"/>
+          <dgm:constr type="h" for="ch" forName="ThreeConn_1-2" refType="h" refFor="ch" refForName="ThreeNodes_1" fact="0.65"/>
+          <dgm:constr type="ctrY" for="ch" forName="ThreeConn_1-2" refType="h" fact="0.325"/>
+          <dgm:constr type="l" for="ch" forName="ThreeConn_1-2" refType="l" refFor="ch" refForName="ThreeNodes_1"/>
+          <dgm:constr type="w" for="ch" forName="ThreeConn_2-3" refType="h" refFor="ch" refForName="ThreeNodes_2" fact="0.65"/>
+          <dgm:constr type="h" for="ch" forName="ThreeConn_2-3" refType="h" refFor="ch" refForName="ThreeNodes_2" fact="0.65"/>
+          <dgm:constr type="ctrY" for="ch" forName="ThreeConn_2-3" refType="h" fact="0.673"/>
+          <dgm:constr type="l" for="ch" forName="ThreeConn_2-3" refType="l" refFor="ch" refForName="ThreeNodes_2"/>
+          <dgm:constr type="l" for="ch" forName="ThreeNodes_1_text" refType="r" refFor="ch" refForName="ThreeConn_1-2"/>
+          <dgm:constr type="lOff" for="ch" forName="ThreeNodes_1_text" refType="w" refFor="ch" refForName="ThreeConn_1-2" fact="0.55"/>
+          <dgm:constr type="t" for="ch" forName="ThreeNodes_1_text" refType="t" refFor="ch" refForName="ThreeNodes_1"/>
+          <dgm:constr type="b" for="ch" forName="ThreeNodes_1_text" refType="b" refFor="ch" refForName="ThreeNodes_1"/>
+          <dgm:constr type="r" for="ch" forName="ThreeNodes_1_text" refType="r" refFor="ch" refForName="ThreeNodes_1"/>
+          <dgm:constr type="l" for="ch" forName="ThreeNodes_2_text" refType="r" refFor="ch" refForName="ThreeConn_1-2"/>
+          <dgm:constr type="t" for="ch" forName="ThreeNodes_2_text" refType="t" refFor="ch" refForName="ThreeNodes_2"/>
+          <dgm:constr type="b" for="ch" forName="ThreeNodes_2_text" refType="b" refFor="ch" refForName="ThreeNodes_2"/>
+          <dgm:constr type="r" for="ch" forName="ThreeNodes_2_text" refType="r" refFor="ch" refForName="ThreeNodes_2"/>
+          <dgm:constr type="l" for="ch" forName="ThreeNodes_3_text" refType="r" refFor="ch" refForName="ThreeConn_2-3"/>
+          <dgm:constr type="t" for="ch" forName="ThreeNodes_3_text" refType="t" refFor="ch" refForName="ThreeNodes_3"/>
+          <dgm:constr type="b" for="ch" forName="ThreeNodes_3_text" refType="b" refFor="ch" refForName="ThreeNodes_3"/>
+          <dgm:constr type="r" for="ch" forName="ThreeNodes_3_text" refType="r" refFor="ch" refForName="ThreeNodes_3"/>
+          <dgm:constr type="w" for="ch" forName="FourNodes_1" refType="w" fact="0.8"/>
+          <dgm:constr type="h" for="ch" forName="FourNodes_1" refType="h" fact="0.22"/>
+          <dgm:constr type="t" for="ch" forName="FourNodes_1"/>
+          <dgm:constr type="r" for="ch" forName="FourNodes_1" refType="w"/>
+          <dgm:constr type="w" for="ch" forName="FourNodes_2" refType="w" fact="0.8"/>
+          <dgm:constr type="h" for="ch" forName="FourNodes_2" refType="h" fact="0.22"/>
+          <dgm:constr type="ctrY" for="ch" forName="FourNodes_2" refType="h" fact="0.37"/>
+          <dgm:constr type="ctrX" for="ch" forName="FourNodes_2" refType="w" fact="0.533"/>
+          <dgm:constr type="w" for="ch" forName="FourNodes_3" refType="w" fact="0.8"/>
+          <dgm:constr type="h" for="ch" forName="FourNodes_3" refType="h" fact="0.22"/>
+          <dgm:constr type="ctrY" for="ch" forName="FourNodes_3" refType="h" fact="0.63"/>
+          <dgm:constr type="ctrX" for="ch" forName="FourNodes_3" refType="w" fact="0.467"/>
+          <dgm:constr type="w" for="ch" forName="FourNodes_4" refType="w" fact="0.8"/>
+          <dgm:constr type="h" for="ch" forName="FourNodes_4" refType="h" fact="0.22"/>
+          <dgm:constr type="b" for="ch" forName="FourNodes_4" refType="h"/>
+          <dgm:constr type="l" for="ch" forName="FourNodes_4"/>
+          <dgm:constr type="w" for="ch" forName="FourConn_1-2" refType="h" refFor="ch" refForName="FourNodes_1" fact="0.65"/>
+          <dgm:constr type="h" for="ch" forName="FourConn_1-2" refType="h" refFor="ch" refForName="FourNodes_1" fact="0.65"/>
+          <dgm:constr type="ctrY" for="ch" forName="FourConn_1-2" refType="h" fact="0.24"/>
+          <dgm:constr type="l" for="ch" forName="FourConn_1-2" refType="l" refFor="ch" refForName="FourNodes_1"/>
+          <dgm:constr type="w" for="ch" forName="FourConn_2-3" refType="h" refFor="ch" refForName="FourNodes_2" fact="0.65"/>
+          <dgm:constr type="h" for="ch" forName="FourConn_2-3" refType="h" refFor="ch" refForName="FourNodes_2" fact="0.65"/>
+          <dgm:constr type="ctrY" for="ch" forName="FourConn_2-3" refType="h" fact="0.5"/>
+          <dgm:constr type="l" for="ch" forName="FourConn_2-3" refType="l" refFor="ch" refForName="FourNodes_2"/>
+          <dgm:constr type="w" for="ch" forName="FourConn_3-4" refType="h" refFor="ch" refForName="FourNodes_3" fact="0.65"/>
+          <dgm:constr type="h" for="ch" forName="FourConn_3-4" refType="h" refFor="ch" refForName="FourNodes_3" fact="0.65"/>
+          <dgm:constr type="ctrY" for="ch" forName="FourConn_3-4" refType="h" fact="0.76"/>
+          <dgm:constr type="l" for="ch" forName="FourConn_3-4" refType="l" refFor="ch" refForName="FourNodes_3"/>
+          <dgm:constr type="l" for="ch" forName="FourNodes_1_text" refType="r" refFor="ch" refForName="FourConn_1-2"/>
+          <dgm:constr type="lOff" for="ch" forName="FourNodes_1_text" refType="w" refFor="ch" refForName="FourConn_1-2" fact="0.69"/>
+          <dgm:constr type="t" for="ch" forName="FourNodes_1_text" refType="t" refFor="ch" refForName="FourNodes_1"/>
+          <dgm:constr type="b" for="ch" forName="FourNodes_1_text" refType="b" refFor="ch" refForName="FourNodes_1"/>
+          <dgm:constr type="r" for="ch" forName="FourNodes_1_text" refType="r" refFor="ch" refForName="FourNodes_1"/>
+          <dgm:constr type="l" for="ch" forName="FourNodes_2_text" refType="r" refFor="ch" refForName="FourConn_1-2"/>
+          <dgm:constr type="t" for="ch" forName="FourNodes_2_text" refType="t" refFor="ch" refForName="FourNodes_2"/>
+          <dgm:constr type="b" for="ch" forName="FourNodes_2_text" refType="b" refFor="ch" refForName="FourNodes_2"/>
+          <dgm:constr type="r" for="ch" forName="FourNodes_2_text" refType="r" refFor="ch" refForName="FourNodes_2"/>
+          <dgm:constr type="l" for="ch" forName="FourNodes_3_text" refType="r" refFor="ch" refForName="FourConn_2-3"/>
+          <dgm:constr type="t" for="ch" forName="FourNodes_3_text" refType="t" refFor="ch" refForName="FourNodes_3"/>
+          <dgm:constr type="b" for="ch" forName="FourNodes_3_text" refType="b" refFor="ch" refForName="FourNodes_3"/>
+          <dgm:constr type="r" for="ch" forName="FourNodes_3_text" refType="r" refFor="ch" refForName="FourNodes_3"/>
+          <dgm:constr type="l" for="ch" forName="FourNodes_4_text" refType="r" refFor="ch" refForName="FourConn_3-4"/>
+          <dgm:constr type="t" for="ch" forName="FourNodes_4_text" refType="t" refFor="ch" refForName="FourNodes_4"/>
+          <dgm:constr type="b" for="ch" forName="FourNodes_4_text" refType="b" refFor="ch" refForName="FourNodes_4"/>
+          <dgm:constr type="r" for="ch" forName="FourNodes_4_text" refType="r" refFor="ch" refForName="FourNodes_4"/>
+          <dgm:constr type="w" for="ch" forName="FiveNodes_1" refType="w" fact="0.77"/>
+          <dgm:constr type="h" for="ch" forName="FiveNodes_1" refType="h" fact="0.18"/>
+          <dgm:constr type="t" for="ch" forName="FiveNodes_1"/>
+          <dgm:constr type="r" for="ch" forName="FiveNodes_1" refType="w"/>
+          <dgm:constr type="w" for="ch" forName="FiveNodes_2" refType="w" fact="0.77"/>
+          <dgm:constr type="h" for="ch" forName="FiveNodes_2" refType="h" fact="0.18"/>
+          <dgm:constr type="ctrY" for="ch" forName="FiveNodes_2" refType="h" fact="0.295"/>
+          <dgm:constr type="ctrX" for="ch" forName="FiveNodes_2" refType="w" fact="0.5575"/>
+          <dgm:constr type="w" for="ch" forName="FiveNodes_3" refType="w" fact="0.77"/>
+          <dgm:constr type="h" for="ch" forName="FiveNodes_3" refType="h" fact="0.18"/>
+          <dgm:constr type="ctrY" for="ch" forName="FiveNodes_3" refType="h" fact="0.5"/>
+          <dgm:constr type="ctrX" for="ch" forName="FiveNodes_3" refType="w" fact="0.5"/>
+          <dgm:constr type="w" for="ch" forName="FiveNodes_4" refType="w" fact="0.77"/>
+          <dgm:constr type="h" for="ch" forName="FiveNodes_4" refType="h" fact="0.18"/>
+          <dgm:constr type="ctrY" for="ch" forName="FiveNodes_4" refType="h" fact="0.705"/>
+          <dgm:constr type="ctrX" for="ch" forName="FiveNodes_4" refType="w" fact="0.4425"/>
+          <dgm:constr type="w" for="ch" forName="FiveNodes_5" refType="w" fact="0.77"/>
+          <dgm:constr type="h" for="ch" forName="FiveNodes_5" refType="h" fact="0.18"/>
+          <dgm:constr type="b" for="ch" forName="FiveNodes_5" refType="h"/>
+          <dgm:constr type="l" for="ch" forName="FiveNodes_5"/>
+          <dgm:constr type="w" for="ch" forName="FiveConn_1-2" refType="h" refFor="ch" refForName="FiveNodes_1" fact="0.65"/>
+          <dgm:constr type="h" for="ch" forName="FiveConn_1-2" refType="h" refFor="ch" refForName="FiveNodes_1" fact="0.65"/>
+          <dgm:constr type="ctrY" for="ch" forName="FiveConn_1-2" refType="h" fact="0.19"/>
+          <dgm:constr type="l" for="ch" forName="FiveConn_1-2" refType="l" refFor="ch" refForName="FiveNodes_1"/>
+          <dgm:constr type="w" for="ch" forName="FiveConn_2-3" refType="h" refFor="ch" refForName="FiveNodes_2" fact="0.65"/>
+          <dgm:constr type="h" for="ch" forName="FiveConn_2-3" refType="h" refFor="ch" refForName="FiveNodes_2" fact="0.65"/>
+          <dgm:constr type="ctrY" for="ch" forName="FiveConn_2-3" refType="h" fact="0.395"/>
+          <dgm:constr type="l" for="ch" forName="FiveConn_2-3" refType="l" refFor="ch" refForName="FiveNodes_2"/>
+          <dgm:constr type="w" for="ch" forName="FiveConn_3-4" refType="h" refFor="ch" refForName="FiveNodes_3" fact="0.65"/>
+          <dgm:constr type="h" for="ch" forName="FiveConn_3-4" refType="h" refFor="ch" refForName="FiveNodes_3" fact="0.65"/>
+          <dgm:constr type="ctrY" for="ch" forName="FiveConn_3-4" refType="h" fact="0.597"/>
+          <dgm:constr type="l" for="ch" forName="FiveConn_3-4" refType="l" refFor="ch" refForName="FiveNodes_3"/>
+          <dgm:constr type="w" for="ch" forName="FiveConn_4-5" refType="h" refFor="ch" refForName="FiveNodes_4" fact="0.65"/>
+          <dgm:constr type="h" for="ch" forName="FiveConn_4-5" refType="h" refFor="ch" refForName="FiveNodes_4" fact="0.65"/>
+          <dgm:constr type="ctrY" for="ch" forName="FiveConn_4-5" refType="h" fact="0.804"/>
+          <dgm:constr type="l" for="ch" forName="FiveConn_4-5" refType="l" refFor="ch" refForName="FiveNodes_4"/>
+          <dgm:constr type="l" for="ch" forName="FiveNodes_1_text" refType="r" refFor="ch" refForName="FiveConn_1-2"/>
+          <dgm:constr type="lOff" for="ch" forName="FiveNodes_1_text" refType="w" refFor="ch" refForName="FiveConn_1-2" fact="0.73"/>
+          <dgm:constr type="t" for="ch" forName="FiveNodes_1_text" refType="t" refFor="ch" refForName="FiveNodes_1"/>
+          <dgm:constr type="b" for="ch" forName="FiveNodes_1_text" refType="b" refFor="ch" refForName="FiveNodes_1"/>
+          <dgm:constr type="r" for="ch" forName="FiveNodes_1_text" refType="r" refFor="ch" refForName="FiveNodes_1"/>
+          <dgm:constr type="l" for="ch" forName="FiveNodes_2_text" refType="r" refFor="ch" refForName="FiveConn_1-2"/>
+          <dgm:constr type="t" for="ch" forName="FiveNodes_2_text" refType="t" refFor="ch" refForName="FiveNodes_2"/>
+          <dgm:constr type="b" for="ch" forName="FiveNodes_2_text" refType="b" refFor="ch" refForName="FiveNodes_2"/>
+          <dgm:constr type="r" for="ch" forName="FiveNodes_2_text" refType="r" refFor="ch" refForName="FiveNodes_2"/>
+          <dgm:constr type="l" for="ch" forName="FiveNodes_3_text" refType="r" refFor="ch" refForName="FiveConn_2-3"/>
+          <dgm:constr type="t" for="ch" forName="FiveNodes_3_text" refType="t" refFor="ch" refForName="FiveNodes_3"/>
+          <dgm:constr type="b" for="ch" forName="FiveNodes_3_text" refType="b" refFor="ch" refForName="FiveNodes_3"/>
+          <dgm:constr type="r" for="ch" forName="FiveNodes_3_text" refType="r" refFor="ch" refForName="FiveNodes_3"/>
+          <dgm:constr type="l" for="ch" forName="FiveNodes_4_text" refType="r" refFor="ch" refForName="FiveConn_3-4"/>
+          <dgm:constr type="t" for="ch" forName="FiveNodes_4_text" refType="t" refFor="ch" refForName="FiveNodes_4"/>
+          <dgm:constr type="b" for="ch" forName="FiveNodes_4_text" refType="b" refFor="ch" refForName="FiveNodes_4"/>
+          <dgm:constr type="r" for="ch" forName="FiveNodes_4_text" refType="r" refFor="ch" refForName="FiveNodes_4"/>
+          <dgm:constr type="l" for="ch" forName="FiveNodes_5_text" refType="r" refFor="ch" refForName="FiveConn_4-5"/>
+          <dgm:constr type="t" for="ch" forName="FiveNodes_5_text" refType="t" refFor="ch" refForName="FiveNodes_5"/>
+          <dgm:constr type="b" for="ch" forName="FiveNodes_5_text" refType="b" refFor="ch" refForName="FiveNodes_5"/>
+          <dgm:constr type="r" for="ch" forName="FiveNodes_5_text" refType="r" refFor="ch" refForName="FiveNodes_5"/>
+        </dgm:constrLst>
+      </dgm:else>
+    </dgm:choose>
+    <dgm:ruleLst/>
+    <dgm:layoutNode name="dummyMaxCanvas">
+      <dgm:varLst/>
+      <dgm:alg type="sp"/>
+      <dgm:shape xmlns:r="http://schemas.openxmlformats.org/officeDocument/2006/relationships" r:blip="">
+        <dgm:adjLst/>
+      </dgm:shape>
+      <dgm:presOf/>
+      <dgm:constrLst/>
+      <dgm:ruleLst/>
+    </dgm:layoutNode>
+    <dgm:choose name="Name3">
+      <dgm:if name="Name4" axis="ch" ptType="node" func="cnt" op="equ" val="1">
+        <dgm:layoutNode name="OneNode_1">
+          <dgm:varLst>
+            <dgm:bulletEnabled val="1"/>
+          </dgm:varLst>
+          <dgm:alg type="tx"/>
+          <dgm:shape xmlns:r="http://schemas.openxmlformats.org/officeDocument/2006/relationships" type="roundRect" r:blip="">
+            <dgm:adjLst>
+              <dgm:adj idx="1" val="0.1"/>
+            </dgm:adjLst>
+          </dgm:shape>
+          <dgm:presOf axis="ch desOrSelf" ptType="node node" st="1 1" cnt="1 0"/>
+          <dgm:constrLst>
+            <dgm:constr type="lMarg" refType="primFontSz" fact="0.3"/>
+            <dgm:constr type="rMarg" refType="primFontSz" fact="0.3"/>
+            <dgm:constr type="tMarg" refType="primFontSz" fact="0.3"/>
+            <dgm:constr type="bMarg" refType="primFontSz" fact="0.3"/>
+          </dgm:constrLst>
+          <dgm:ruleLst>
+            <dgm:rule type="primFontSz" val="5" fact="NaN" max="NaN"/>
+          </dgm:ruleLst>
+        </dgm:layoutNode>
+      </dgm:if>
+      <dgm:else name="Name5">
+        <dgm:choose name="Name6">
+          <dgm:if name="Name7" axis="ch" ptType="node" func="cnt" op="equ" val="2">
+            <dgm:layoutNode name="TwoNodes_1">
+              <dgm:varLst>
+                <dgm:bulletEnabled val="1"/>
+              </dgm:varLst>
+              <dgm:alg type="sp"/>
+              <dgm:shape xmlns:r="http://schemas.openxmlformats.org/officeDocument/2006/relationships" type="roundRect" r:blip="">
+                <dgm:adjLst>
+                  <dgm:adj idx="1" val="0.1"/>
+                </dgm:adjLst>
+              </dgm:shape>
+              <dgm:presOf axis="ch desOrSelf" ptType="node node" st="1 1" cnt="1 0"/>
+              <dgm:constrLst/>
+              <dgm:ruleLst/>
+            </dgm:layoutNode>
+            <dgm:layoutNode name="TwoNodes_2">
+              <dgm:varLst>
+                <dgm:bulletEnabled val="1"/>
+              </dgm:varLst>
+              <dgm:alg type="sp"/>
+              <dgm:shape xmlns:r="http://schemas.openxmlformats.org/officeDocument/2006/relationships" type="roundRect" r:blip="">
+                <dgm:adjLst>
+                  <dgm:adj idx="1" val="0.1"/>
+                </dgm:adjLst>
+              </dgm:shape>
+              <dgm:presOf axis="ch desOrSelf" ptType="node node" st="2 1" cnt="1 0"/>
+              <dgm:constrLst/>
+              <dgm:ruleLst/>
+            </dgm:layoutNode>
+            <dgm:layoutNode name="TwoConn_1-2" styleLbl="fgAccFollowNode1">
+              <dgm:varLst>
+                <dgm:bulletEnabled val="1"/>
+              </dgm:varLst>
+              <dgm:alg type="tx"/>
+              <dgm:shape xmlns:r="http://schemas.openxmlformats.org/officeDocument/2006/relationships" type="downArrow" r:blip="">
+                <dgm:adjLst>
+                  <dgm:adj idx="1" val="0.55"/>
+                  <dgm:adj idx="2" val="0.45"/>
+                </dgm:adjLst>
+              </dgm:shape>
+              <dgm:presOf axis="ch" ptType="sibTrans" cnt="1"/>
+              <dgm:constrLst>
+                <dgm:constr type="lMarg" refType="primFontSz" fact="0.1"/>
+                <dgm:constr type="rMarg" refType="primFontSz" fact="0.1"/>
+                <dgm:constr type="tMarg" refType="primFontSz" fact="0.1"/>
+                <dgm:constr type="bMarg" refType="primFontSz" fact="0.1"/>
+              </dgm:constrLst>
+              <dgm:ruleLst>
+                <dgm:rule type="primFontSz" val="5" fact="NaN" max="NaN"/>
+              </dgm:ruleLst>
+            </dgm:layoutNode>
+            <dgm:layoutNode name="TwoNodes_1_text">
+              <dgm:varLst>
+                <dgm:bulletEnabled val="1"/>
+              </dgm:varLst>
+              <dgm:alg type="tx">
+                <dgm:param type="parTxLTRAlign" val="l"/>
+                <dgm:param type="txAnchorVertCh" val="mid"/>
+              </dgm:alg>
+              <dgm:shape xmlns:r="http://schemas.openxmlformats.org/officeDocument/2006/relationships" type="roundRect" r:blip="" hideGeom="1">
+                <dgm:adjLst>
+                  <dgm:adj idx="1" val="0.1"/>
+                </dgm:adjLst>
+              </dgm:shape>
+              <dgm:presOf axis="ch desOrSelf" ptType="node node" st="1 1" cnt="1 0"/>
+              <dgm:constrLst>
+                <dgm:constr type="lMarg" refType="primFontSz" fact="0.3"/>
+                <dgm:constr type="rMarg" refType="primFontSz" fact="0.3"/>
+                <dgm:constr type="tMarg" refType="primFontSz" fact="0.3"/>
+                <dgm:constr type="bMarg" refType="primFontSz" fact="0.3"/>
+              </dgm:constrLst>
+              <dgm:ruleLst>
+                <dgm:rule type="primFontSz" val="5" fact="NaN" max="NaN"/>
+              </dgm:ruleLst>
+            </dgm:layoutNode>
+            <dgm:layoutNode name="TwoNodes_2_text">
+              <dgm:varLst>
+                <dgm:bulletEnabled val="1"/>
+              </dgm:varLst>
+              <dgm:alg type="tx">
+                <dgm:param type="parTxLTRAlign" val="l"/>
+                <dgm:param type="txAnchorVertCh" val="mid"/>
+              </dgm:alg>
+              <dgm:shape xmlns:r="http://schemas.openxmlformats.org/officeDocument/2006/relationships" type="roundRect" r:blip="" hideGeom="1">
+                <dgm:adjLst>
+                  <dgm:adj idx="1" val="0.1"/>
+                </dgm:adjLst>
+              </dgm:shape>
+              <dgm:presOf axis="ch desOrSelf" ptType="node node" st="2 1" cnt="1 0"/>
+              <dgm:constrLst>
+                <dgm:constr type="lMarg" refType="primFontSz" fact="0.3"/>
+                <dgm:constr type="rMarg" refType="primFontSz" fact="0.3"/>
+                <dgm:constr type="tMarg" refType="primFontSz" fact="0.3"/>
+                <dgm:constr type="bMarg" refType="primFontSz" fact="0.3"/>
+              </dgm:constrLst>
+              <dgm:ruleLst>
+                <dgm:rule type="primFontSz" val="5" fact="NaN" max="NaN"/>
+              </dgm:ruleLst>
+            </dgm:layoutNode>
+          </dgm:if>
+          <dgm:else name="Name8">
+            <dgm:choose name="Name9">
+              <dgm:if name="Name10" axis="ch" ptType="node" func="cnt" op="equ" val="3">
+                <dgm:layoutNode name="ThreeNodes_1">
+                  <dgm:varLst>
+                    <dgm:bulletEnabled val="1"/>
+                  </dgm:varLst>
+                  <dgm:alg type="sp"/>
+                  <dgm:shape xmlns:r="http://schemas.openxmlformats.org/officeDocument/2006/relationships" type="roundRect" r:blip="">
+                    <dgm:adjLst>
+                      <dgm:adj idx="1" val="0.1"/>
+                    </dgm:adjLst>
+                  </dgm:shape>
+                  <dgm:presOf axis="ch desOrSelf" ptType="node node" st="1 1" cnt="1 0"/>
+                  <dgm:constrLst/>
+                  <dgm:ruleLst/>
+                </dgm:layoutNode>
+                <dgm:layoutNode name="ThreeNodes_2">
+                  <dgm:varLst>
+                    <dgm:bulletEnabled val="1"/>
+                  </dgm:varLst>
+                  <dgm:alg type="sp"/>
+                  <dgm:shape xmlns:r="http://schemas.openxmlformats.org/officeDocument/2006/relationships" type="roundRect" r:blip="">
+                    <dgm:adjLst>
+                      <dgm:adj idx="1" val="0.1"/>
+                    </dgm:adjLst>
+                  </dgm:shape>
+                  <dgm:presOf axis="ch desOrSelf" ptType="node node" st="2 1" cnt="1 0"/>
+                  <dgm:constrLst/>
+                  <dgm:ruleLst/>
+                </dgm:layoutNode>
+                <dgm:layoutNode name="ThreeNodes_3">
+                  <dgm:varLst>
+                    <dgm:bulletEnabled val="1"/>
+                  </dgm:varLst>
+                  <dgm:alg type="sp"/>
+                  <dgm:shape xmlns:r="http://schemas.openxmlformats.org/officeDocument/2006/relationships" type="roundRect" r:blip="">
+                    <dgm:adjLst>
+                      <dgm:adj idx="1" val="0.1"/>
+                    </dgm:adjLst>
+                  </dgm:shape>
+                  <dgm:presOf axis="ch desOrSelf" ptType="node node" st="3 1" cnt="1 0"/>
+                  <dgm:constrLst/>
+                  <dgm:ruleLst/>
+                </dgm:layoutNode>
+                <dgm:layoutNode name="ThreeConn_1-2" styleLbl="fgAccFollowNode1">
+                  <dgm:varLst>
+                    <dgm:bulletEnabled val="1"/>
+                  </dgm:varLst>
+                  <dgm:alg type="tx"/>
+                  <dgm:shape xmlns:r="http://schemas.openxmlformats.org/officeDocument/2006/relationships" type="downArrow" r:blip="">
+                    <dgm:adjLst>
+                      <dgm:adj idx="1" val="0.55"/>
+                      <dgm:adj idx="2" val="0.45"/>
+                    </dgm:adjLst>
+                  </dgm:shape>
+                  <dgm:presOf axis="ch" ptType="sibTrans" cnt="1"/>
+                  <dgm:constrLst>
+                    <dgm:constr type="lMarg" refType="primFontSz" fact="0.1"/>
+                    <dgm:constr type="rMarg" refType="primFontSz" fact="0.1"/>
+                    <dgm:constr type="tMarg" refType="primFontSz" fact="0.1"/>
+                    <dgm:constr type="bMarg" refType="primFontSz" fact="0.1"/>
+                  </dgm:constrLst>
+                  <dgm:ruleLst>
+                    <dgm:rule type="primFontSz" val="5" fact="NaN" max="NaN"/>
+                  </dgm:ruleLst>
+                </dgm:layoutNode>
+                <dgm:layoutNode name="ThreeConn_2-3" styleLbl="fgAccFollowNode1">
+                  <dgm:varLst>
+                    <dgm:bulletEnabled val="1"/>
+                  </dgm:varLst>
+                  <dgm:alg type="tx"/>
+                  <dgm:shape xmlns:r="http://schemas.openxmlformats.org/officeDocument/2006/relationships" type="downArrow" r:blip="">
+                    <dgm:adjLst>
+                      <dgm:adj idx="1" val="0.55"/>
+                      <dgm:adj idx="2" val="0.45"/>
+                    </dgm:adjLst>
+                  </dgm:shape>
+                  <dgm:presOf axis="ch" ptType="sibTrans" st="2" cnt="1"/>
+                  <dgm:constrLst>
+                    <dgm:constr type="lMarg" refType="primFontSz" fact="0.1"/>
+                    <dgm:constr type="rMarg" refType="primFontSz" fact="0.1"/>
+                    <dgm:constr type="tMarg" refType="primFontSz" fact="0.1"/>
+                    <dgm:constr type="bMarg" refType="primFontSz" fact="0.1"/>
+                  </dgm:constrLst>
+                  <dgm:ruleLst>
+                    <dgm:rule type="primFontSz" val="5" fact="NaN" max="NaN"/>
+                  </dgm:ruleLst>
+                </dgm:layoutNode>
+                <dgm:layoutNode name="ThreeNodes_1_text">
+                  <dgm:varLst>
+                    <dgm:bulletEnabled val="1"/>
+                  </dgm:varLst>
+                  <dgm:alg type="tx">
+                    <dgm:param type="parTxLTRAlign" val="l"/>
+                    <dgm:param type="txAnchorVertCh" val="mid"/>
+                  </dgm:alg>
+                  <dgm:shape xmlns:r="http://schemas.openxmlformats.org/officeDocument/2006/relationships" type="roundRect" r:blip="" hideGeom="1">
+                    <dgm:adjLst>
+                      <dgm:adj idx="1" val="0.1"/>
+                    </dgm:adjLst>
+                  </dgm:shape>
+                  <dgm:presOf axis="ch desOrSelf" ptType="node node" st="1 1" cnt="1 0"/>
+                  <dgm:constrLst>
+                    <dgm:constr type="lMarg" refType="primFontSz" fact="0.3"/>
+                    <dgm:constr type="rMarg" refType="primFontSz" fact="0.3"/>
+                    <dgm:constr type="tMarg" refType="primFontSz" fact="0.3"/>
+                    <dgm:constr type="bMarg" refType="primFontSz" fact="0.3"/>
+                  </dgm:constrLst>
+                  <dgm:ruleLst>
+                    <dgm:rule type="primFontSz" val="5" fact="NaN" max="NaN"/>
+                  </dgm:ruleLst>
+                </dgm:layoutNode>
+                <dgm:layoutNode name="ThreeNodes_2_text">
+                  <dgm:varLst>
+                    <dgm:bulletEnabled val="1"/>
+                  </dgm:varLst>
+                  <dgm:alg type="tx">
+                    <dgm:param type="parTxLTRAlign" val="l"/>
+                    <dgm:param type="txAnchorVertCh" val="mid"/>
+                  </dgm:alg>
+                  <dgm:shape xmlns:r="http://schemas.openxmlformats.org/officeDocument/2006/relationships" type="roundRect" r:blip="" hideGeom="1">
+                    <dgm:adjLst>
+                      <dgm:adj idx="1" val="0.1"/>
+                    </dgm:adjLst>
+                  </dgm:shape>
+                  <dgm:presOf axis="ch desOrSelf" ptType="node node" st="2 1" cnt="1 0"/>
+                  <dgm:constrLst>
+                    <dgm:constr type="lMarg" refType="primFontSz" fact="0.3"/>
+                    <dgm:constr type="rMarg" refType="primFontSz" fact="0.3"/>
+                    <dgm:constr type="tMarg" refType="primFontSz" fact="0.3"/>
+                    <dgm:constr type="bMarg" refType="primFontSz" fact="0.3"/>
+                  </dgm:constrLst>
+                  <dgm:ruleLst>
+                    <dgm:rule type="primFontSz" val="5" fact="NaN" max="NaN"/>
+                  </dgm:ruleLst>
+                </dgm:layoutNode>
+                <dgm:layoutNode name="ThreeNodes_3_text">
+                  <dgm:varLst>
+                    <dgm:bulletEnabled val="1"/>
+                  </dgm:varLst>
+                  <dgm:alg type="tx">
+                    <dgm:param type="parTxLTRAlign" val="l"/>
+                    <dgm:param type="txAnchorVertCh" val="mid"/>
+                  </dgm:alg>
+                  <dgm:shape xmlns:r="http://schemas.openxmlformats.org/officeDocument/2006/relationships" type="roundRect" r:blip="" hideGeom="1">
+                    <dgm:adjLst>
+                      <dgm:adj idx="1" val="0.1"/>
+                    </dgm:adjLst>
+                  </dgm:shape>
+                  <dgm:presOf axis="ch desOrSelf" ptType="node node" st="3 1" cnt="1 0"/>
+                  <dgm:constrLst>
+                    <dgm:constr type="lMarg" refType="primFontSz" fact="0.3"/>
+                    <dgm:constr type="rMarg" refType="primFontSz" fact="0.3"/>
+                    <dgm:constr type="tMarg" refType="primFontSz" fact="0.3"/>
+                    <dgm:constr type="bMarg" refType="primFontSz" fact="0.3"/>
+                  </dgm:constrLst>
+                  <dgm:ruleLst>
+                    <dgm:rule type="primFontSz" val="5" fact="NaN" max="NaN"/>
+                  </dgm:ruleLst>
+                </dgm:layoutNode>
+              </dgm:if>
+              <dgm:else name="Name11">
+                <dgm:choose name="Name12">
+                  <dgm:if name="Name13" axis="ch" ptType="node" func="cnt" op="equ" val="4">
+                    <dgm:layoutNode name="FourNodes_1">
+                      <dgm:varLst>
+                        <dgm:bulletEnabled val="1"/>
+                      </dgm:varLst>
+                      <dgm:alg type="sp"/>
+                      <dgm:shape xmlns:r="http://schemas.openxmlformats.org/officeDocument/2006/relationships" type="roundRect" r:blip="">
+                        <dgm:adjLst>
+                          <dgm:adj idx="1" val="0.1"/>
+                        </dgm:adjLst>
+                      </dgm:shape>
+                      <dgm:presOf axis="ch desOrSelf" ptType="node node" st="1 1" cnt="1 0"/>
+                      <dgm:constrLst/>
+                      <dgm:ruleLst/>
+                    </dgm:layoutNode>
+                    <dgm:layoutNode name="FourNodes_2">
+                      <dgm:varLst>
+                        <dgm:bulletEnabled val="1"/>
+                      </dgm:varLst>
+                      <dgm:alg type="sp"/>
+                      <dgm:shape xmlns:r="http://schemas.openxmlformats.org/officeDocument/2006/relationships" type="roundRect" r:blip="">
+                        <dgm:adjLst>
+                          <dgm:adj idx="1" val="0.1"/>
+                        </dgm:adjLst>
+                      </dgm:shape>
+                      <dgm:presOf axis="ch desOrSelf" ptType="node node" st="2 1" cnt="1 0"/>
+                      <dgm:constrLst/>
+                      <dgm:ruleLst/>
+                    </dgm:layoutNode>
+                    <dgm:layoutNode name="FourNodes_3">
+                      <dgm:varLst>
+                        <dgm:bulletEnabled val="1"/>
+                      </dgm:varLst>
+                      <dgm:alg type="sp"/>
+                      <dgm:shape xmlns:r="http://schemas.openxmlformats.org/officeDocument/2006/relationships" type="roundRect" r:blip="">
+                        <dgm:adjLst>
+                          <dgm:adj idx="1" val="0.1"/>
+                        </dgm:adjLst>
+                      </dgm:shape>
+                      <dgm:presOf axis="ch desOrSelf" ptType="node node" st="3 1" cnt="1 0"/>
+                      <dgm:constrLst/>
+                      <dgm:ruleLst/>
+                    </dgm:layoutNode>
+                    <dgm:layoutNode name="FourNodes_4">
+                      <dgm:varLst>
+                        <dgm:bulletEnabled val="1"/>
+                      </dgm:varLst>
+                      <dgm:alg type="sp"/>
+                      <dgm:shape xmlns:r="http://schemas.openxmlformats.org/officeDocument/2006/relationships" type="roundRect" r:blip="">
+                        <dgm:adjLst>
+                          <dgm:adj idx="1" val="0.1"/>
+                        </dgm:adjLst>
+                      </dgm:shape>
+                      <dgm:presOf axis="ch desOrSelf" ptType="node node" st="4 1" cnt="1 0"/>
+                      <dgm:constrLst/>
+                      <dgm:ruleLst/>
+                    </dgm:layoutNode>
+                    <dgm:layoutNode name="FourConn_1-2" styleLbl="fgAccFollowNode1">
+                      <dgm:varLst>
+                        <dgm:bulletEnabled val="1"/>
+                      </dgm:varLst>
+                      <dgm:alg type="tx"/>
+                      <dgm:shape xmlns:r="http://schemas.openxmlformats.org/officeDocument/2006/relationships" type="downArrow" r:blip="">
+                        <dgm:adjLst>
+                          <dgm:adj idx="1" val="0.55"/>
+                          <dgm:adj idx="2" val="0.45"/>
+                        </dgm:adjLst>
+                      </dgm:shape>
+                      <dgm:presOf axis="ch" ptType="sibTrans" cnt="1"/>
+                      <dgm:constrLst>
+                        <dgm:constr type="lMarg" refType="primFontSz" fact="0.1"/>
+                        <dgm:constr type="rMarg" refType="primFontSz" fact="0.1"/>
+                        <dgm:constr type="tMarg" refType="primFontSz" fact="0.1"/>
+                        <dgm:constr type="bMarg" refType="primFontSz" fact="0.1"/>
+                      </dgm:constrLst>
+                      <dgm:ruleLst>
+                        <dgm:rule type="primFontSz" val="5" fact="NaN" max="NaN"/>
+                      </dgm:ruleLst>
+                    </dgm:layoutNode>
+                    <dgm:layoutNode name="FourConn_2-3" styleLbl="fgAccFollowNode1">
+                      <dgm:varLst>
+                        <dgm:bulletEnabled val="1"/>
+                      </dgm:varLst>
+                      <dgm:alg type="tx"/>
+                      <dgm:shape xmlns:r="http://schemas.openxmlformats.org/officeDocument/2006/relationships" type="downArrow" r:blip="">
+                        <dgm:adjLst>
+                          <dgm:adj idx="1" val="0.55"/>
+                          <dgm:adj idx="2" val="0.45"/>
+                        </dgm:adjLst>
+                      </dgm:shape>
+                      <dgm:presOf axis="ch" ptType="sibTrans" st="2" cnt="1"/>
+                      <dgm:constrLst>
+                        <dgm:constr type="lMarg" refType="primFontSz" fact="0.1"/>
+                        <dgm:constr type="rMarg" refType="primFontSz" fact="0.1"/>
+                        <dgm:constr type="tMarg" refType="primFontSz" fact="0.1"/>
+                        <dgm:constr type="bMarg" refType="primFontSz" fact="0.1"/>
+                      </dgm:constrLst>
+                      <dgm:ruleLst>
+                        <dgm:rule type="primFontSz" val="5" fact="NaN" max="NaN"/>
+                      </dgm:ruleLst>
+                    </dgm:layoutNode>
+                    <dgm:layoutNode name="FourConn_3-4" styleLbl="fgAccFollowNode1">
+                      <dgm:varLst>
+                        <dgm:bulletEnabled val="1"/>
+                      </dgm:varLst>
+                      <dgm:alg type="tx"/>
+                      <dgm:shape xmlns:r="http://schemas.openxmlformats.org/officeDocument/2006/relationships" type="downArrow" r:blip="">
+                        <dgm:adjLst>
+                          <dgm:adj idx="1" val="0.55"/>
+                          <dgm:adj idx="2" val="0.45"/>
+                        </dgm:adjLst>
+                      </dgm:shape>
+                      <dgm:presOf axis="ch" ptType="sibTrans" st="3" cnt="1"/>
+                      <dgm:constrLst>
+                        <dgm:constr type="lMarg" refType="primFontSz" fact="0.1"/>
+                        <dgm:constr type="rMarg" refType="primFontSz" fact="0.1"/>
+                        <dgm:constr type="tMarg" refType="primFontSz" fact="0.1"/>
+                        <dgm:constr type="bMarg" refType="primFontSz" fact="0.1"/>
+                      </dgm:constrLst>
+                      <dgm:ruleLst>
+                        <dgm:rule type="primFontSz" val="5" fact="NaN" max="NaN"/>
+                      </dgm:ruleLst>
+                    </dgm:layoutNode>
+                    <dgm:layoutNode name="FourNodes_1_text">
+                      <dgm:varLst>
+                        <dgm:bulletEnabled val="1"/>
+                      </dgm:varLst>
+                      <dgm:alg type="tx">
+                        <dgm:param type="parTxLTRAlign" val="l"/>
+                        <dgm:param type="txAnchorVertCh" val="mid"/>
+                      </dgm:alg>
+                      <dgm:shape xmlns:r="http://schemas.openxmlformats.org/officeDocument/2006/relationships" type="roundRect" r:blip="" hideGeom="1">
+                        <dgm:adjLst>
+                          <dgm:adj idx="1" val="0.1"/>
+                        </dgm:adjLst>
+                      </dgm:shape>
+                      <dgm:presOf axis="ch desOrSelf" ptType="node node" st="1 1" cnt="1 0"/>
+                      <dgm:constrLst>
+                        <dgm:constr type="lMarg" refType="primFontSz" fact="0.3"/>
+                        <dgm:constr type="rMarg" refType="primFontSz" fact="0.3"/>
+                        <dgm:constr type="tMarg" refType="primFontSz" fact="0.3"/>
+                        <dgm:constr type="bMarg" refType="primFontSz" fact="0.3"/>
+                      </dgm:constrLst>
+                      <dgm:ruleLst>
+                        <dgm:rule type="primFontSz" val="5" fact="NaN" max="NaN"/>
+                      </dgm:ruleLst>
+                    </dgm:layoutNode>
+                    <dgm:layoutNode name="FourNodes_2_text">
+                      <dgm:varLst>
+                        <dgm:bulletEnabled val="1"/>
+                      </dgm:varLst>
+                      <dgm:alg type="tx">
+                        <dgm:param type="parTxLTRAlign" val="l"/>
+                        <dgm:param type="txAnchorVertCh" val="mid"/>
+                      </dgm:alg>
+                      <dgm:shape xmlns:r="http://schemas.openxmlformats.org/officeDocument/2006/relationships" type="roundRect" r:blip="" hideGeom="1">
+                        <dgm:adjLst>
+                          <dgm:adj idx="1" val="0.1"/>
+                        </dgm:adjLst>
+                      </dgm:shape>
+                      <dgm:presOf axis="ch desOrSelf" ptType="node node" st="2 1" cnt="1 0"/>
+                      <dgm:constrLst>
+                        <dgm:constr type="lMarg" refType="primFontSz" fact="0.3"/>
+                        <dgm:constr type="rMarg" refType="primFontSz" fact="0.3"/>
+                        <dgm:constr type="tMarg" refType="primFontSz" fact="0.3"/>
+                        <dgm:constr type="bMarg" refType="primFontSz" fact="0.3"/>
+                      </dgm:constrLst>
+                      <dgm:ruleLst>
+                        <dgm:rule type="primFontSz" val="5" fact="NaN" max="NaN"/>
+                      </dgm:ruleLst>
+                    </dgm:layoutNode>
+                    <dgm:layoutNode name="FourNodes_3_text">
+                      <dgm:varLst>
+                        <dgm:bulletEnabled val="1"/>
+                      </dgm:varLst>
+                      <dgm:alg type="tx">
+                        <dgm:param type="parTxLTRAlign" val="l"/>
+                        <dgm:param type="txAnchorVertCh" val="mid"/>
+                      </dgm:alg>
+                      <dgm:shape xmlns:r="http://schemas.openxmlformats.org/officeDocument/2006/relationships" type="roundRect" r:blip="" hideGeom="1">
+                        <dgm:adjLst>
+                          <dgm:adj idx="1" val="0.1"/>
+                        </dgm:adjLst>
+                      </dgm:shape>
+                      <dgm:presOf axis="ch desOrSelf" ptType="node node" st="3 1" cnt="1 0"/>
+                      <dgm:constrLst>
+                        <dgm:constr type="lMarg" refType="primFontSz" fact="0.3"/>
+                        <dgm:constr type="rMarg" refType="primFontSz" fact="0.3"/>
+                        <dgm:constr type="tMarg" refType="primFontSz" fact="0.3"/>
+                        <dgm:constr type="bMarg" refType="primFontSz" fact="0.3"/>
+                      </dgm:constrLst>
+                      <dgm:ruleLst>
+                        <dgm:rule type="primFontSz" val="5" fact="NaN" max="NaN"/>
+                      </dgm:ruleLst>
+                    </dgm:layoutNode>
+                    <dgm:layoutNode name="FourNodes_4_text">
+                      <dgm:varLst>
+                        <dgm:bulletEnabled val="1"/>
+                      </dgm:varLst>
+                      <dgm:alg type="tx">
+                        <dgm:param type="parTxLTRAlign" val="l"/>
+                        <dgm:param type="txAnchorVertCh" val="mid"/>
+                      </dgm:alg>
+                      <dgm:shape xmlns:r="http://schemas.openxmlformats.org/officeDocument/2006/relationships" type="roundRect" r:blip="" hideGeom="1">
+                        <dgm:adjLst>
+                          <dgm:adj idx="1" val="0.1"/>
+                        </dgm:adjLst>
+                      </dgm:shape>
+                      <dgm:presOf axis="ch desOrSelf" ptType="node node" st="4 1" cnt="1 0"/>
+                      <dgm:constrLst>
+                        <dgm:constr type="lMarg" refType="primFontSz" fact="0.3"/>
+                        <dgm:constr type="rMarg" refType="primFontSz" fact="0.3"/>
+                        <dgm:constr type="tMarg" refType="primFontSz" fact="0.3"/>
+                        <dgm:constr type="bMarg" refType="primFontSz" fact="0.3"/>
+                      </dgm:constrLst>
+                      <dgm:ruleLst>
+                        <dgm:rule type="primFontSz" val="5" fact="NaN" max="NaN"/>
+                      </dgm:ruleLst>
+                    </dgm:layoutNode>
+                  </dgm:if>
+                  <dgm:else name="Name14">
+                    <dgm:choose name="Name15">
+                      <dgm:if name="Name16" axis="ch" ptType="node" func="cnt" op="gte" val="5">
+                        <dgm:layoutNode name="FiveNodes_1">
+                          <dgm:varLst>
+                            <dgm:bulletEnabled val="1"/>
+                          </dgm:varLst>
+                          <dgm:alg type="sp"/>
+                          <dgm:shape xmlns:r="http://schemas.openxmlformats.org/officeDocument/2006/relationships" type="roundRect" r:blip="">
+                            <dgm:adjLst>
+                              <dgm:adj idx="1" val="0.1"/>
+                            </dgm:adjLst>
+                          </dgm:shape>
+                          <dgm:presOf axis="ch desOrSelf" ptType="node node" st="1 1" cnt="1 0"/>
+                          <dgm:constrLst/>
+                          <dgm:ruleLst/>
+                        </dgm:layoutNode>
+                        <dgm:layoutNode name="FiveNodes_2">
+                          <dgm:varLst>
+                            <dgm:bulletEnabled val="1"/>
+                          </dgm:varLst>
+                          <dgm:alg type="sp"/>
+                          <dgm:shape xmlns:r="http://schemas.openxmlformats.org/officeDocument/2006/relationships" type="roundRect" r:blip="">
+                            <dgm:adjLst>
+                              <dgm:adj idx="1" val="0.1"/>
+                            </dgm:adjLst>
+                          </dgm:shape>
+                          <dgm:presOf axis="ch desOrSelf" ptType="node node" st="2 1" cnt="1 0"/>
+                          <dgm:constrLst/>
+                          <dgm:ruleLst/>
+                        </dgm:layoutNode>
+                        <dgm:layoutNode name="FiveNodes_3">
+                          <dgm:varLst>
+                            <dgm:bulletEnabled val="1"/>
+                          </dgm:varLst>
+                          <dgm:alg type="sp"/>
+                          <dgm:shape xmlns:r="http://schemas.openxmlformats.org/officeDocument/2006/relationships" type="roundRect" r:blip="">
+                            <dgm:adjLst>
+                              <dgm:adj idx="1" val="0.1"/>
+                            </dgm:adjLst>
+                          </dgm:shape>
+                          <dgm:presOf axis="ch desOrSelf" ptType="node node" st="3 1" cnt="1 0"/>
+                          <dgm:constrLst/>
+                          <dgm:ruleLst/>
+                        </dgm:layoutNode>
+                        <dgm:layoutNode name="FiveNodes_4">
+                          <dgm:varLst>
+                            <dgm:bulletEnabled val="1"/>
+                          </dgm:varLst>
+                          <dgm:alg type="sp"/>
+                          <dgm:shape xmlns:r="http://schemas.openxmlformats.org/officeDocument/2006/relationships" type="roundRect" r:blip="">
+                            <dgm:adjLst>
+                              <dgm:adj idx="1" val="0.1"/>
+                            </dgm:adjLst>
+                          </dgm:shape>
+                          <dgm:presOf axis="ch desOrSelf" ptType="node node" st="4 1" cnt="1 0"/>
+                          <dgm:constrLst/>
+                          <dgm:ruleLst/>
+                        </dgm:layoutNode>
+                        <dgm:layoutNode name="FiveNodes_5">
+                          <dgm:varLst>
+                            <dgm:bulletEnabled val="1"/>
+                          </dgm:varLst>
+                          <dgm:alg type="sp"/>
+                          <dgm:shape xmlns:r="http://schemas.openxmlformats.org/officeDocument/2006/relationships" type="roundRect" r:blip="">
+                            <dgm:adjLst>
+                              <dgm:adj idx="1" val="0.1"/>
+                            </dgm:adjLst>
+                          </dgm:shape>
+                          <dgm:presOf axis="ch desOrSelf" ptType="node node" st="5 1" cnt="1 0"/>
+                          <dgm:constrLst/>
+                          <dgm:ruleLst/>
+                        </dgm:layoutNode>
+                        <dgm:layoutNode name="FiveConn_1-2" styleLbl="fgAccFollowNode1">
+                          <dgm:varLst>
+                            <dgm:bulletEnabled val="1"/>
+                          </dgm:varLst>
+                          <dgm:alg type="tx"/>
+                          <dgm:shape xmlns:r="http://schemas.openxmlformats.org/officeDocument/2006/relationships" type="downArrow" r:blip="">
+                            <dgm:adjLst>
+                              <dgm:adj idx="1" val="0.55"/>
+                              <dgm:adj idx="2" val="0.45"/>
+                            </dgm:adjLst>
+                          </dgm:shape>
+                          <dgm:presOf axis="ch" ptType="sibTrans" cnt="1"/>
+                          <dgm:constrLst>
+                            <dgm:constr type="lMarg" refType="primFontSz" fact="0.1"/>
+                            <dgm:constr type="rMarg" refType="primFontSz" fact="0.1"/>
+                            <dgm:constr type="tMarg" refType="primFontSz" fact="0.1"/>
+                            <dgm:constr type="bMarg" refType="primFontSz" fact="0.1"/>
+                          </dgm:constrLst>
+                          <dgm:ruleLst>
+                            <dgm:rule type="primFontSz" val="5" fact="NaN" max="NaN"/>
+                          </dgm:ruleLst>
+                        </dgm:layoutNode>
+                        <dgm:layoutNode name="FiveConn_2-3" styleLbl="fgAccFollowNode1">
+                          <dgm:varLst>
+                            <dgm:bulletEnabled val="1"/>
+                          </dgm:varLst>
+                          <dgm:alg type="tx"/>
+                          <dgm:shape xmlns:r="http://schemas.openxmlformats.org/officeDocument/2006/relationships" type="downArrow" r:blip="">
+                            <dgm:adjLst>
+                              <dgm:adj idx="1" val="0.55"/>
+                              <dgm:adj idx="2" val="0.45"/>
+                            </dgm:adjLst>
+                          </dgm:shape>
+                          <dgm:presOf axis="ch" ptType="sibTrans" st="2" cnt="1"/>
+                          <dgm:constrLst>
+                            <dgm:constr type="lMarg" refType="primFontSz" fact="0.1"/>
+                            <dgm:constr type="rMarg" refType="primFontSz" fact="0.1"/>
+                            <dgm:constr type="tMarg" refType="primFontSz" fact="0.1"/>
+                            <dgm:constr type="bMarg" refType="primFontSz" fact="0.1"/>
+                          </dgm:constrLst>
+                          <dgm:ruleLst>
+                            <dgm:rule type="primFontSz" val="5" fact="NaN" max="NaN"/>
+                          </dgm:ruleLst>
+                        </dgm:layoutNode>
+                        <dgm:layoutNode name="FiveConn_3-4" styleLbl="fgAccFollowNode1">
+                          <dgm:varLst>
+                            <dgm:bulletEnabled val="1"/>
+                          </dgm:varLst>
+                          <dgm:alg type="tx"/>
+                          <dgm:shape xmlns:r="http://schemas.openxmlformats.org/officeDocument/2006/relationships" type="downArrow" r:blip="">
+                            <dgm:adjLst>
+                              <dgm:adj idx="1" val="0.55"/>
+                              <dgm:adj idx="2" val="0.45"/>
+                            </dgm:adjLst>
+                          </dgm:shape>
+                          <dgm:presOf axis="ch" ptType="sibTrans" st="3" cnt="1"/>
+                          <dgm:constrLst>
+                            <dgm:constr type="lMarg" refType="primFontSz" fact="0.1"/>
+                            <dgm:constr type="rMarg" refType="primFontSz" fact="0.1"/>
+                            <dgm:constr type="tMarg" refType="primFontSz" fact="0.1"/>
+                            <dgm:constr type="bMarg" refType="primFontSz" fact="0.1"/>
+                          </dgm:constrLst>
+                          <dgm:ruleLst>
+                            <dgm:rule type="primFontSz" val="5" fact="NaN" max="NaN"/>
+                          </dgm:ruleLst>
+                        </dgm:layoutNode>
+                        <dgm:layoutNode name="FiveConn_4-5" styleLbl="fgAccFollowNode1">
+                          <dgm:varLst>
+                            <dgm:bulletEnabled val="1"/>
+                          </dgm:varLst>
+                          <dgm:alg type="tx"/>
+                          <dgm:shape xmlns:r="http://schemas.openxmlformats.org/officeDocument/2006/relationships" type="downArrow" r:blip="">
+                            <dgm:adjLst>
+                              <dgm:adj idx="1" val="0.55"/>
+                              <dgm:adj idx="2" val="0.45"/>
+                            </dgm:adjLst>
+                          </dgm:shape>
+                          <dgm:presOf axis="ch" ptType="sibTrans" st="4" cnt="1"/>
+                          <dgm:constrLst>
+                            <dgm:constr type="lMarg" refType="primFontSz" fact="0.1"/>
+                            <dgm:constr type="rMarg" refType="primFontSz" fact="0.1"/>
+                            <dgm:constr type="tMarg" refType="primFontSz" fact="0.1"/>
+                            <dgm:constr type="bMarg" refType="primFontSz" fact="0.1"/>
+                          </dgm:constrLst>
+                          <dgm:ruleLst>
+                            <dgm:rule type="primFontSz" val="5" fact="NaN" max="NaN"/>
+                          </dgm:ruleLst>
+                        </dgm:layoutNode>
+                        <dgm:layoutNode name="FiveNodes_1_text">
+                          <dgm:varLst>
+                            <dgm:bulletEnabled val="1"/>
+                          </dgm:varLst>
+                          <dgm:alg type="tx">
+                            <dgm:param type="parTxLTRAlign" val="l"/>
+                            <dgm:param type="txAnchorVertCh" val="mid"/>
+                          </dgm:alg>
+                          <dgm:shape xmlns:r="http://schemas.openxmlformats.org/officeDocument/2006/relationships" type="roundRect" r:blip="" hideGeom="1">
+                            <dgm:adjLst>
+                              <dgm:adj idx="1" val="0.1"/>
+                            </dgm:adjLst>
+                          </dgm:shape>
+                          <dgm:presOf axis="ch desOrSelf" ptType="node node" st="1 1" cnt="1 0"/>
+                          <dgm:constrLst>
+                            <dgm:constr type="lMarg" refType="primFontSz" fact="0.3"/>
+                            <dgm:constr type="rMarg" refType="primFontSz" fact="0.3"/>
+                            <dgm:constr type="tMarg" refType="primFontSz" fact="0.3"/>
+                            <dgm:constr type="bMarg" refType="primFontSz" fact="0.3"/>
+                          </dgm:constrLst>
+                          <dgm:ruleLst>
+                            <dgm:rule type="primFontSz" val="5" fact="NaN" max="NaN"/>
+                          </dgm:ruleLst>
+                        </dgm:layoutNode>
+                        <dgm:layoutNode name="FiveNodes_2_text">
+                          <dgm:varLst>
+                            <dgm:bulletEnabled val="1"/>
+                          </dgm:varLst>
+                          <dgm:alg type="tx">
+                            <dgm:param type="parTxLTRAlign" val="l"/>
+                            <dgm:param type="txAnchorVertCh" val="mid"/>
+                          </dgm:alg>
+                          <dgm:shape xmlns:r="http://schemas.openxmlformats.org/officeDocument/2006/relationships" type="roundRect" r:blip="" hideGeom="1">
+                            <dgm:adjLst>
+                              <dgm:adj idx="1" val="0.1"/>
+                            </dgm:adjLst>
+                          </dgm:shape>
+                          <dgm:presOf axis="ch desOrSelf" ptType="node node" st="2 1" cnt="1 0"/>
+                          <dgm:constrLst>
+                            <dgm:constr type="lMarg" refType="primFontSz" fact="0.3"/>
+                            <dgm:constr type="rMarg" refType="primFontSz" fact="0.3"/>
+                            <dgm:constr type="tMarg" refType="primFontSz" fact="0.3"/>
+                            <dgm:constr type="bMarg" refType="primFontSz" fact="0.3"/>
+                          </dgm:constrLst>
+                          <dgm:ruleLst>
+                            <dgm:rule type="primFontSz" val="5" fact="NaN" max="NaN"/>
+                          </dgm:ruleLst>
+                        </dgm:layoutNode>
+                        <dgm:layoutNode name="FiveNodes_3_text">
+                          <dgm:varLst>
+                            <dgm:bulletEnabled val="1"/>
+                          </dgm:varLst>
+                          <dgm:alg type="tx">
+                            <dgm:param type="parTxLTRAlign" val="l"/>
+                            <dgm:param type="txAnchorVertCh" val="mid"/>
+                          </dgm:alg>
+                          <dgm:shape xmlns:r="http://schemas.openxmlformats.org/officeDocument/2006/relationships" type="roundRect" r:blip="" hideGeom="1">
+                            <dgm:adjLst>
+                              <dgm:adj idx="1" val="0.1"/>
+                            </dgm:adjLst>
+                          </dgm:shape>
+                          <dgm:presOf axis="ch desOrSelf" ptType="node node" st="3 1" cnt="1 0"/>
+                          <dgm:constrLst>
+                            <dgm:constr type="lMarg" refType="primFontSz" fact="0.3"/>
+                            <dgm:constr type="rMarg" refType="primFontSz" fact="0.3"/>
+                            <dgm:constr type="tMarg" refType="primFontSz" fact="0.3"/>
+                            <dgm:constr type="bMarg" refType="primFontSz" fact="0.3"/>
+                          </dgm:constrLst>
+                          <dgm:ruleLst>
+                            <dgm:rule type="primFontSz" val="5" fact="NaN" max="NaN"/>
+                          </dgm:ruleLst>
+                        </dgm:layoutNode>
+                        <dgm:layoutNode name="FiveNodes_4_text">
+                          <dgm:varLst>
+                            <dgm:bulletEnabled val="1"/>
+                          </dgm:varLst>
+                          <dgm:alg type="tx">
+                            <dgm:param type="parTxLTRAlign" val="l"/>
+                            <dgm:param type="txAnchorVertCh" val="mid"/>
+                          </dgm:alg>
+                          <dgm:shape xmlns:r="http://schemas.openxmlformats.org/officeDocument/2006/relationships" type="roundRect" r:blip="" hideGeom="1">
+                            <dgm:adjLst>
+                              <dgm:adj idx="1" val="0.1"/>
+                            </dgm:adjLst>
+                          </dgm:shape>
+                          <dgm:presOf axis="ch desOrSelf" ptType="node node" st="4 1" cnt="1 0"/>
+                          <dgm:constrLst>
+                            <dgm:constr type="lMarg" refType="primFontSz" fact="0.3"/>
+                            <dgm:constr type="rMarg" refType="primFontSz" fact="0.3"/>
+                            <dgm:constr type="tMarg" refType="primFontSz" fact="0.3"/>
+                            <dgm:constr type="bMarg" refType="primFontSz" fact="0.3"/>
+                          </dgm:constrLst>
+                          <dgm:ruleLst>
+                            <dgm:rule type="primFontSz" val="5" fact="NaN" max="NaN"/>
+                          </dgm:ruleLst>
+                        </dgm:layoutNode>
+                        <dgm:layoutNode name="FiveNodes_5_text">
+                          <dgm:varLst>
+                            <dgm:bulletEnabled val="1"/>
+                          </dgm:varLst>
+                          <dgm:alg type="tx">
+                            <dgm:param type="parTxLTRAlign" val="l"/>
+                            <dgm:param type="txAnchorVertCh" val="mid"/>
+                          </dgm:alg>
+                          <dgm:shape xmlns:r="http://schemas.openxmlformats.org/officeDocument/2006/relationships" type="roundRect" r:blip="" hideGeom="1">
+                            <dgm:adjLst>
+                              <dgm:adj idx="1" val="0.1"/>
+                            </dgm:adjLst>
+                          </dgm:shape>
+                          <dgm:presOf axis="ch desOrSelf" ptType="node node" st="5 1" cnt="1 0"/>
+                          <dgm:constrLst>
+                            <dgm:constr type="lMarg" refType="primFontSz" fact="0.3"/>
+                            <dgm:constr type="rMarg" refType="primFontSz" fact="0.3"/>
+                            <dgm:constr type="tMarg" refType="primFontSz" fact="0.3"/>
+                            <dgm:constr type="bMarg" refType="primFontSz" fact="0.3"/>
+                          </dgm:constrLst>
+                          <dgm:ruleLst>
+                            <dgm:rule type="primFontSz" val="5" fact="NaN" max="NaN"/>
+                          </dgm:ruleLst>
+                        </dgm:layoutNode>
+                      </dgm:if>
+                      <dgm:else name="Name17"/>
+                    </dgm:choose>
+                  </dgm:else>
+                </dgm:choose>
+              </dgm:else>
+            </dgm:choose>
+          </dgm:else>
+        </dgm:choose>
+      </dgm:else>
+    </dgm:choose>
+  </dgm:layoutNode>
+</dgm:layoutDef>
+</file>
+
+<file path=ppt/diagrams/layout6.xml><?xml version="1.0" encoding="utf-8"?>
 <dgm:layoutDef xmlns:dgm="http://schemas.openxmlformats.org/drawingml/2006/diagram" xmlns:a="http://schemas.openxmlformats.org/drawingml/2006/main" uniqueId="urn:microsoft.com/office/officeart/2016/7/layout/LinearBlockProcessNumbered">
   <dgm:title val="Linear Block Process Numbered"/>
   <dgm:desc val="Used to show a progression; a timeline; sequential steps in a task, process, or workflow; or to emphasize movement or direction. Automatic numbers have been introduced to show the steps of the process. Level 1 text and Level 2 text both appears in a rectangle."/>
@@ -17608,6 +20503,1040 @@
 </file>
 
 <file path=ppt/diagrams/quickStyle5.xml><?xml version="1.0" encoding="utf-8"?>
+<dgm:styleDef xmlns:dgm="http://schemas.openxmlformats.org/drawingml/2006/diagram" xmlns:a="http://schemas.openxmlformats.org/drawingml/2006/main" uniqueId="urn:microsoft.com/office/officeart/2005/8/quickstyle/simple1">
+  <dgm:title val=""/>
+  <dgm:desc val=""/>
+  <dgm:catLst>
+    <dgm:cat type="simple" pri="10100"/>
+  </dgm:catLst>
+  <dgm:scene3d>
+    <a:camera prst="orthographicFront"/>
+    <a:lightRig rig="threePt" dir="t"/>
+  </dgm:scene3d>
+  <dgm:styleLbl name="node0">
+    <dgm:scene3d>
+      <a:camera prst="orthographicFront"/>
+      <a:lightRig rig="threePt" dir="t"/>
+    </dgm:scene3d>
+    <dgm:sp3d/>
+    <dgm:txPr/>
+    <dgm:style>
+      <a:lnRef idx="2">
+        <a:scrgbClr r="0" g="0" b="0"/>
+      </a:lnRef>
+      <a:fillRef idx="1">
+        <a:scrgbClr r="0" g="0" b="0"/>
+      </a:fillRef>
+      <a:effectRef idx="0">
+        <a:scrgbClr r="0" g="0" b="0"/>
+      </a:effectRef>
+      <a:fontRef idx="minor">
+        <a:schemeClr val="lt1"/>
+      </a:fontRef>
+    </dgm:style>
+  </dgm:styleLbl>
+  <dgm:styleLbl name="lnNode1">
+    <dgm:scene3d>
+      <a:camera prst="orthographicFront"/>
+      <a:lightRig rig="threePt" dir="t"/>
+    </dgm:scene3d>
+    <dgm:sp3d/>
+    <dgm:txPr/>
+    <dgm:style>
+      <a:lnRef idx="2">
+        <a:scrgbClr r="0" g="0" b="0"/>
+      </a:lnRef>
+      <a:fillRef idx="1">
+        <a:scrgbClr r="0" g="0" b="0"/>
+      </a:fillRef>
+      <a:effectRef idx="0">
+        <a:scrgbClr r="0" g="0" b="0"/>
+      </a:effectRef>
+      <a:fontRef idx="minor">
+        <a:schemeClr val="lt1"/>
+      </a:fontRef>
+    </dgm:style>
+  </dgm:styleLbl>
+  <dgm:styleLbl name="vennNode1">
+    <dgm:scene3d>
+      <a:camera prst="orthographicFront"/>
+      <a:lightRig rig="threePt" dir="t"/>
+    </dgm:scene3d>
+    <dgm:sp3d/>
+    <dgm:txPr/>
+    <dgm:style>
+      <a:lnRef idx="2">
+        <a:scrgbClr r="0" g="0" b="0"/>
+      </a:lnRef>
+      <a:fillRef idx="1">
+        <a:scrgbClr r="0" g="0" b="0"/>
+      </a:fillRef>
+      <a:effectRef idx="0">
+        <a:scrgbClr r="0" g="0" b="0"/>
+      </a:effectRef>
+      <a:fontRef idx="minor">
+        <a:schemeClr val="tx1"/>
+      </a:fontRef>
+    </dgm:style>
+  </dgm:styleLbl>
+  <dgm:styleLbl name="alignNode1">
+    <dgm:scene3d>
+      <a:camera prst="orthographicFront"/>
+      <a:lightRig rig="threePt" dir="t"/>
+    </dgm:scene3d>
+    <dgm:sp3d/>
+    <dgm:txPr/>
+    <dgm:style>
+      <a:lnRef idx="2">
+        <a:scrgbClr r="0" g="0" b="0"/>
+      </a:lnRef>
+      <a:fillRef idx="1">
+        <a:scrgbClr r="0" g="0" b="0"/>
+      </a:fillRef>
+      <a:effectRef idx="0">
+        <a:scrgbClr r="0" g="0" b="0"/>
+      </a:effectRef>
+      <a:fontRef idx="minor">
+        <a:schemeClr val="lt1"/>
+      </a:fontRef>
+    </dgm:style>
+  </dgm:styleLbl>
+  <dgm:styleLbl name="node1">
+    <dgm:scene3d>
+      <a:camera prst="orthographicFront"/>
+      <a:lightRig rig="threePt" dir="t"/>
+    </dgm:scene3d>
+    <dgm:sp3d/>
+    <dgm:txPr/>
+    <dgm:style>
+      <a:lnRef idx="2">
+        <a:scrgbClr r="0" g="0" b="0"/>
+      </a:lnRef>
+      <a:fillRef idx="1">
+        <a:scrgbClr r="0" g="0" b="0"/>
+      </a:fillRef>
+      <a:effectRef idx="0">
+        <a:scrgbClr r="0" g="0" b="0"/>
+      </a:effectRef>
+      <a:fontRef idx="minor">
+        <a:schemeClr val="lt1"/>
+      </a:fontRef>
+    </dgm:style>
+  </dgm:styleLbl>
+  <dgm:styleLbl name="node2">
+    <dgm:scene3d>
+      <a:camera prst="orthographicFront"/>
+      <a:lightRig rig="threePt" dir="t"/>
+    </dgm:scene3d>
+    <dgm:sp3d/>
+    <dgm:txPr/>
+    <dgm:style>
+      <a:lnRef idx="2">
+        <a:scrgbClr r="0" g="0" b="0"/>
+      </a:lnRef>
+      <a:fillRef idx="1">
+        <a:scrgbClr r="0" g="0" b="0"/>
+      </a:fillRef>
+      <a:effectRef idx="0">
+        <a:scrgbClr r="0" g="0" b="0"/>
+      </a:effectRef>
+      <a:fontRef idx="minor">
+        <a:schemeClr val="lt1"/>
+      </a:fontRef>
+    </dgm:style>
+  </dgm:styleLbl>
+  <dgm:styleLbl name="node3">
+    <dgm:scene3d>
+      <a:camera prst="orthographicFront"/>
+      <a:lightRig rig="threePt" dir="t"/>
+    </dgm:scene3d>
+    <dgm:sp3d/>
+    <dgm:txPr/>
+    <dgm:style>
+      <a:lnRef idx="2">
+        <a:scrgbClr r="0" g="0" b="0"/>
+      </a:lnRef>
+      <a:fillRef idx="1">
+        <a:scrgbClr r="0" g="0" b="0"/>
+      </a:fillRef>
+      <a:effectRef idx="0">
+        <a:scrgbClr r="0" g="0" b="0"/>
+      </a:effectRef>
+      <a:fontRef idx="minor">
+        <a:schemeClr val="lt1"/>
+      </a:fontRef>
+    </dgm:style>
+  </dgm:styleLbl>
+  <dgm:styleLbl name="node4">
+    <dgm:scene3d>
+      <a:camera prst="orthographicFront"/>
+      <a:lightRig rig="threePt" dir="t"/>
+    </dgm:scene3d>
+    <dgm:sp3d/>
+    <dgm:txPr/>
+    <dgm:style>
+      <a:lnRef idx="2">
+        <a:scrgbClr r="0" g="0" b="0"/>
+      </a:lnRef>
+      <a:fillRef idx="1">
+        <a:scrgbClr r="0" g="0" b="0"/>
+      </a:fillRef>
+      <a:effectRef idx="0">
+        <a:scrgbClr r="0" g="0" b="0"/>
+      </a:effectRef>
+      <a:fontRef idx="minor">
+        <a:schemeClr val="lt1"/>
+      </a:fontRef>
+    </dgm:style>
+  </dgm:styleLbl>
+  <dgm:styleLbl name="fgImgPlace1">
+    <dgm:scene3d>
+      <a:camera prst="orthographicFront"/>
+      <a:lightRig rig="threePt" dir="t"/>
+    </dgm:scene3d>
+    <dgm:sp3d/>
+    <dgm:txPr/>
+    <dgm:style>
+      <a:lnRef idx="2">
+        <a:scrgbClr r="0" g="0" b="0"/>
+      </a:lnRef>
+      <a:fillRef idx="1">
+        <a:scrgbClr r="0" g="0" b="0"/>
+      </a:fillRef>
+      <a:effectRef idx="0">
+        <a:scrgbClr r="0" g="0" b="0"/>
+      </a:effectRef>
+      <a:fontRef idx="minor"/>
+    </dgm:style>
+  </dgm:styleLbl>
+  <dgm:styleLbl name="alignImgPlace1">
+    <dgm:scene3d>
+      <a:camera prst="orthographicFront"/>
+      <a:lightRig rig="threePt" dir="t"/>
+    </dgm:scene3d>
+    <dgm:sp3d/>
+    <dgm:txPr/>
+    <dgm:style>
+      <a:lnRef idx="2">
+        <a:scrgbClr r="0" g="0" b="0"/>
+      </a:lnRef>
+      <a:fillRef idx="1">
+        <a:scrgbClr r="0" g="0" b="0"/>
+      </a:fillRef>
+      <a:effectRef idx="0">
+        <a:scrgbClr r="0" g="0" b="0"/>
+      </a:effectRef>
+      <a:fontRef idx="minor"/>
+    </dgm:style>
+  </dgm:styleLbl>
+  <dgm:styleLbl name="bgImgPlace1">
+    <dgm:scene3d>
+      <a:camera prst="orthographicFront"/>
+      <a:lightRig rig="threePt" dir="t"/>
+    </dgm:scene3d>
+    <dgm:sp3d/>
+    <dgm:txPr/>
+    <dgm:style>
+      <a:lnRef idx="2">
+        <a:scrgbClr r="0" g="0" b="0"/>
+      </a:lnRef>
+      <a:fillRef idx="1">
+        <a:scrgbClr r="0" g="0" b="0"/>
+      </a:fillRef>
+      <a:effectRef idx="0">
+        <a:scrgbClr r="0" g="0" b="0"/>
+      </a:effectRef>
+      <a:fontRef idx="minor"/>
+    </dgm:style>
+  </dgm:styleLbl>
+  <dgm:styleLbl name="sibTrans2D1">
+    <dgm:scene3d>
+      <a:camera prst="orthographicFront"/>
+      <a:lightRig rig="threePt" dir="t"/>
+    </dgm:scene3d>
+    <dgm:sp3d/>
+    <dgm:txPr/>
+    <dgm:style>
+      <a:lnRef idx="0">
+        <a:scrgbClr r="0" g="0" b="0"/>
+      </a:lnRef>
+      <a:fillRef idx="1">
+        <a:scrgbClr r="0" g="0" b="0"/>
+      </a:fillRef>
+      <a:effectRef idx="0">
+        <a:scrgbClr r="0" g="0" b="0"/>
+      </a:effectRef>
+      <a:fontRef idx="minor">
+        <a:schemeClr val="lt1"/>
+      </a:fontRef>
+    </dgm:style>
+  </dgm:styleLbl>
+  <dgm:styleLbl name="fgSibTrans2D1">
+    <dgm:scene3d>
+      <a:camera prst="orthographicFront"/>
+      <a:lightRig rig="threePt" dir="t"/>
+    </dgm:scene3d>
+    <dgm:sp3d/>
+    <dgm:txPr/>
+    <dgm:style>
+      <a:lnRef idx="0">
+        <a:scrgbClr r="0" g="0" b="0"/>
+      </a:lnRef>
+      <a:fillRef idx="1">
+        <a:scrgbClr r="0" g="0" b="0"/>
+      </a:fillRef>
+      <a:effectRef idx="0">
+        <a:scrgbClr r="0" g="0" b="0"/>
+      </a:effectRef>
+      <a:fontRef idx="minor">
+        <a:schemeClr val="lt1"/>
+      </a:fontRef>
+    </dgm:style>
+  </dgm:styleLbl>
+  <dgm:styleLbl name="bgSibTrans2D1">
+    <dgm:scene3d>
+      <a:camera prst="orthographicFront"/>
+      <a:lightRig rig="threePt" dir="t"/>
+    </dgm:scene3d>
+    <dgm:sp3d/>
+    <dgm:txPr/>
+    <dgm:style>
+      <a:lnRef idx="0">
+        <a:scrgbClr r="0" g="0" b="0"/>
+      </a:lnRef>
+      <a:fillRef idx="1">
+        <a:scrgbClr r="0" g="0" b="0"/>
+      </a:fillRef>
+      <a:effectRef idx="0">
+        <a:scrgbClr r="0" g="0" b="0"/>
+      </a:effectRef>
+      <a:fontRef idx="minor">
+        <a:schemeClr val="lt1"/>
+      </a:fontRef>
+    </dgm:style>
+  </dgm:styleLbl>
+  <dgm:styleLbl name="sibTrans1D1">
+    <dgm:scene3d>
+      <a:camera prst="orthographicFront"/>
+      <a:lightRig rig="threePt" dir="t"/>
+    </dgm:scene3d>
+    <dgm:sp3d/>
+    <dgm:txPr/>
+    <dgm:style>
+      <a:lnRef idx="1">
+        <a:scrgbClr r="0" g="0" b="0"/>
+      </a:lnRef>
+      <a:fillRef idx="0">
+        <a:scrgbClr r="0" g="0" b="0"/>
+      </a:fillRef>
+      <a:effectRef idx="0">
+        <a:scrgbClr r="0" g="0" b="0"/>
+      </a:effectRef>
+      <a:fontRef idx="minor"/>
+    </dgm:style>
+  </dgm:styleLbl>
+  <dgm:styleLbl name="callout">
+    <dgm:scene3d>
+      <a:camera prst="orthographicFront"/>
+      <a:lightRig rig="threePt" dir="t"/>
+    </dgm:scene3d>
+    <dgm:sp3d/>
+    <dgm:txPr/>
+    <dgm:style>
+      <a:lnRef idx="2">
+        <a:scrgbClr r="0" g="0" b="0"/>
+      </a:lnRef>
+      <a:fillRef idx="1">
+        <a:scrgbClr r="0" g="0" b="0"/>
+      </a:fillRef>
+      <a:effectRef idx="0">
+        <a:scrgbClr r="0" g="0" b="0"/>
+      </a:effectRef>
+      <a:fontRef idx="minor"/>
+    </dgm:style>
+  </dgm:styleLbl>
+  <dgm:styleLbl name="asst0">
+    <dgm:scene3d>
+      <a:camera prst="orthographicFront"/>
+      <a:lightRig rig="threePt" dir="t"/>
+    </dgm:scene3d>
+    <dgm:sp3d/>
+    <dgm:txPr/>
+    <dgm:style>
+      <a:lnRef idx="2">
+        <a:scrgbClr r="0" g="0" b="0"/>
+      </a:lnRef>
+      <a:fillRef idx="1">
+        <a:scrgbClr r="0" g="0" b="0"/>
+      </a:fillRef>
+      <a:effectRef idx="0">
+        <a:scrgbClr r="0" g="0" b="0"/>
+      </a:effectRef>
+      <a:fontRef idx="minor">
+        <a:schemeClr val="lt1"/>
+      </a:fontRef>
+    </dgm:style>
+  </dgm:styleLbl>
+  <dgm:styleLbl name="asst1">
+    <dgm:scene3d>
+      <a:camera prst="orthographicFront"/>
+      <a:lightRig rig="threePt" dir="t"/>
+    </dgm:scene3d>
+    <dgm:sp3d/>
+    <dgm:txPr/>
+    <dgm:style>
+      <a:lnRef idx="2">
+        <a:scrgbClr r="0" g="0" b="0"/>
+      </a:lnRef>
+      <a:fillRef idx="1">
+        <a:scrgbClr r="0" g="0" b="0"/>
+      </a:fillRef>
+      <a:effectRef idx="0">
+        <a:scrgbClr r="0" g="0" b="0"/>
+      </a:effectRef>
+      <a:fontRef idx="minor">
+        <a:schemeClr val="lt1"/>
+      </a:fontRef>
+    </dgm:style>
+  </dgm:styleLbl>
+  <dgm:styleLbl name="asst2">
+    <dgm:scene3d>
+      <a:camera prst="orthographicFront"/>
+      <a:lightRig rig="threePt" dir="t"/>
+    </dgm:scene3d>
+    <dgm:sp3d/>
+    <dgm:txPr/>
+    <dgm:style>
+      <a:lnRef idx="2">
+        <a:scrgbClr r="0" g="0" b="0"/>
+      </a:lnRef>
+      <a:fillRef idx="1">
+        <a:scrgbClr r="0" g="0" b="0"/>
+      </a:fillRef>
+      <a:effectRef idx="0">
+        <a:scrgbClr r="0" g="0" b="0"/>
+      </a:effectRef>
+      <a:fontRef idx="minor">
+        <a:schemeClr val="lt1"/>
+      </a:fontRef>
+    </dgm:style>
+  </dgm:styleLbl>
+  <dgm:styleLbl name="asst3">
+    <dgm:scene3d>
+      <a:camera prst="orthographicFront"/>
+      <a:lightRig rig="threePt" dir="t"/>
+    </dgm:scene3d>
+    <dgm:sp3d/>
+    <dgm:txPr/>
+    <dgm:style>
+      <a:lnRef idx="2">
+        <a:scrgbClr r="0" g="0" b="0"/>
+      </a:lnRef>
+      <a:fillRef idx="1">
+        <a:scrgbClr r="0" g="0" b="0"/>
+      </a:fillRef>
+      <a:effectRef idx="0">
+        <a:scrgbClr r="0" g="0" b="0"/>
+      </a:effectRef>
+      <a:fontRef idx="minor">
+        <a:schemeClr val="lt1"/>
+      </a:fontRef>
+    </dgm:style>
+  </dgm:styleLbl>
+  <dgm:styleLbl name="asst4">
+    <dgm:scene3d>
+      <a:camera prst="orthographicFront"/>
+      <a:lightRig rig="threePt" dir="t"/>
+    </dgm:scene3d>
+    <dgm:sp3d/>
+    <dgm:txPr/>
+    <dgm:style>
+      <a:lnRef idx="2">
+        <a:scrgbClr r="0" g="0" b="0"/>
+      </a:lnRef>
+      <a:fillRef idx="1">
+        <a:scrgbClr r="0" g="0" b="0"/>
+      </a:fillRef>
+      <a:effectRef idx="0">
+        <a:scrgbClr r="0" g="0" b="0"/>
+      </a:effectRef>
+      <a:fontRef idx="minor">
+        <a:schemeClr val="lt1"/>
+      </a:fontRef>
+    </dgm:style>
+  </dgm:styleLbl>
+  <dgm:styleLbl name="parChTrans2D1">
+    <dgm:scene3d>
+      <a:camera prst="orthographicFront"/>
+      <a:lightRig rig="threePt" dir="t"/>
+    </dgm:scene3d>
+    <dgm:sp3d/>
+    <dgm:txPr/>
+    <dgm:style>
+      <a:lnRef idx="2">
+        <a:scrgbClr r="0" g="0" b="0"/>
+      </a:lnRef>
+      <a:fillRef idx="1">
+        <a:scrgbClr r="0" g="0" b="0"/>
+      </a:fillRef>
+      <a:effectRef idx="0">
+        <a:scrgbClr r="0" g="0" b="0"/>
+      </a:effectRef>
+      <a:fontRef idx="minor">
+        <a:schemeClr val="lt1"/>
+      </a:fontRef>
+    </dgm:style>
+  </dgm:styleLbl>
+  <dgm:styleLbl name="parChTrans2D2">
+    <dgm:scene3d>
+      <a:camera prst="orthographicFront"/>
+      <a:lightRig rig="threePt" dir="t"/>
+    </dgm:scene3d>
+    <dgm:sp3d/>
+    <dgm:txPr/>
+    <dgm:style>
+      <a:lnRef idx="2">
+        <a:scrgbClr r="0" g="0" b="0"/>
+      </a:lnRef>
+      <a:fillRef idx="1">
+        <a:scrgbClr r="0" g="0" b="0"/>
+      </a:fillRef>
+      <a:effectRef idx="0">
+        <a:scrgbClr r="0" g="0" b="0"/>
+      </a:effectRef>
+      <a:fontRef idx="minor">
+        <a:schemeClr val="lt1"/>
+      </a:fontRef>
+    </dgm:style>
+  </dgm:styleLbl>
+  <dgm:styleLbl name="parChTrans2D3">
+    <dgm:scene3d>
+      <a:camera prst="orthographicFront"/>
+      <a:lightRig rig="threePt" dir="t"/>
+    </dgm:scene3d>
+    <dgm:sp3d/>
+    <dgm:txPr/>
+    <dgm:style>
+      <a:lnRef idx="2">
+        <a:scrgbClr r="0" g="0" b="0"/>
+      </a:lnRef>
+      <a:fillRef idx="1">
+        <a:scrgbClr r="0" g="0" b="0"/>
+      </a:fillRef>
+      <a:effectRef idx="0">
+        <a:scrgbClr r="0" g="0" b="0"/>
+      </a:effectRef>
+      <a:fontRef idx="minor">
+        <a:schemeClr val="lt1"/>
+      </a:fontRef>
+    </dgm:style>
+  </dgm:styleLbl>
+  <dgm:styleLbl name="parChTrans2D4">
+    <dgm:scene3d>
+      <a:camera prst="orthographicFront"/>
+      <a:lightRig rig="threePt" dir="t"/>
+    </dgm:scene3d>
+    <dgm:sp3d/>
+    <dgm:txPr/>
+    <dgm:style>
+      <a:lnRef idx="2">
+        <a:scrgbClr r="0" g="0" b="0"/>
+      </a:lnRef>
+      <a:fillRef idx="1">
+        <a:scrgbClr r="0" g="0" b="0"/>
+      </a:fillRef>
+      <a:effectRef idx="0">
+        <a:scrgbClr r="0" g="0" b="0"/>
+      </a:effectRef>
+      <a:fontRef idx="minor">
+        <a:schemeClr val="lt1"/>
+      </a:fontRef>
+    </dgm:style>
+  </dgm:styleLbl>
+  <dgm:styleLbl name="parChTrans1D1">
+    <dgm:scene3d>
+      <a:camera prst="orthographicFront"/>
+      <a:lightRig rig="threePt" dir="t"/>
+    </dgm:scene3d>
+    <dgm:sp3d/>
+    <dgm:txPr/>
+    <dgm:style>
+      <a:lnRef idx="2">
+        <a:scrgbClr r="0" g="0" b="0"/>
+      </a:lnRef>
+      <a:fillRef idx="0">
+        <a:scrgbClr r="0" g="0" b="0"/>
+      </a:fillRef>
+      <a:effectRef idx="0">
+        <a:scrgbClr r="0" g="0" b="0"/>
+      </a:effectRef>
+      <a:fontRef idx="minor"/>
+    </dgm:style>
+  </dgm:styleLbl>
+  <dgm:styleLbl name="parChTrans1D2">
+    <dgm:scene3d>
+      <a:camera prst="orthographicFront"/>
+      <a:lightRig rig="threePt" dir="t"/>
+    </dgm:scene3d>
+    <dgm:sp3d/>
+    <dgm:txPr/>
+    <dgm:style>
+      <a:lnRef idx="2">
+        <a:scrgbClr r="0" g="0" b="0"/>
+      </a:lnRef>
+      <a:fillRef idx="0">
+        <a:scrgbClr r="0" g="0" b="0"/>
+      </a:fillRef>
+      <a:effectRef idx="0">
+        <a:scrgbClr r="0" g="0" b="0"/>
+      </a:effectRef>
+      <a:fontRef idx="minor"/>
+    </dgm:style>
+  </dgm:styleLbl>
+  <dgm:styleLbl name="parChTrans1D3">
+    <dgm:scene3d>
+      <a:camera prst="orthographicFront"/>
+      <a:lightRig rig="threePt" dir="t"/>
+    </dgm:scene3d>
+    <dgm:sp3d/>
+    <dgm:txPr/>
+    <dgm:style>
+      <a:lnRef idx="2">
+        <a:scrgbClr r="0" g="0" b="0"/>
+      </a:lnRef>
+      <a:fillRef idx="0">
+        <a:scrgbClr r="0" g="0" b="0"/>
+      </a:fillRef>
+      <a:effectRef idx="0">
+        <a:scrgbClr r="0" g="0" b="0"/>
+      </a:effectRef>
+      <a:fontRef idx="minor"/>
+    </dgm:style>
+  </dgm:styleLbl>
+  <dgm:styleLbl name="parChTrans1D4">
+    <dgm:scene3d>
+      <a:camera prst="orthographicFront"/>
+      <a:lightRig rig="threePt" dir="t"/>
+    </dgm:scene3d>
+    <dgm:sp3d/>
+    <dgm:txPr/>
+    <dgm:style>
+      <a:lnRef idx="2">
+        <a:scrgbClr r="0" g="0" b="0"/>
+      </a:lnRef>
+      <a:fillRef idx="0">
+        <a:scrgbClr r="0" g="0" b="0"/>
+      </a:fillRef>
+      <a:effectRef idx="0">
+        <a:scrgbClr r="0" g="0" b="0"/>
+      </a:effectRef>
+      <a:fontRef idx="minor"/>
+    </dgm:style>
+  </dgm:styleLbl>
+  <dgm:styleLbl name="fgAcc1">
+    <dgm:scene3d>
+      <a:camera prst="orthographicFront"/>
+      <a:lightRig rig="threePt" dir="t"/>
+    </dgm:scene3d>
+    <dgm:sp3d/>
+    <dgm:txPr/>
+    <dgm:style>
+      <a:lnRef idx="2">
+        <a:scrgbClr r="0" g="0" b="0"/>
+      </a:lnRef>
+      <a:fillRef idx="1">
+        <a:scrgbClr r="0" g="0" b="0"/>
+      </a:fillRef>
+      <a:effectRef idx="0">
+        <a:scrgbClr r="0" g="0" b="0"/>
+      </a:effectRef>
+      <a:fontRef idx="minor"/>
+    </dgm:style>
+  </dgm:styleLbl>
+  <dgm:styleLbl name="conFgAcc1">
+    <dgm:scene3d>
+      <a:camera prst="orthographicFront"/>
+      <a:lightRig rig="threePt" dir="t"/>
+    </dgm:scene3d>
+    <dgm:sp3d/>
+    <dgm:txPr/>
+    <dgm:style>
+      <a:lnRef idx="2">
+        <a:scrgbClr r="0" g="0" b="0"/>
+      </a:lnRef>
+      <a:fillRef idx="1">
+        <a:scrgbClr r="0" g="0" b="0"/>
+      </a:fillRef>
+      <a:effectRef idx="0">
+        <a:scrgbClr r="0" g="0" b="0"/>
+      </a:effectRef>
+      <a:fontRef idx="minor"/>
+    </dgm:style>
+  </dgm:styleLbl>
+  <dgm:styleLbl name="alignAcc1">
+    <dgm:scene3d>
+      <a:camera prst="orthographicFront"/>
+      <a:lightRig rig="threePt" dir="t"/>
+    </dgm:scene3d>
+    <dgm:sp3d/>
+    <dgm:txPr/>
+    <dgm:style>
+      <a:lnRef idx="2">
+        <a:scrgbClr r="0" g="0" b="0"/>
+      </a:lnRef>
+      <a:fillRef idx="1">
+        <a:scrgbClr r="0" g="0" b="0"/>
+      </a:fillRef>
+      <a:effectRef idx="0">
+        <a:scrgbClr r="0" g="0" b="0"/>
+      </a:effectRef>
+      <a:fontRef idx="minor"/>
+    </dgm:style>
+  </dgm:styleLbl>
+  <dgm:styleLbl name="trAlignAcc1">
+    <dgm:scene3d>
+      <a:camera prst="orthographicFront"/>
+      <a:lightRig rig="threePt" dir="t"/>
+    </dgm:scene3d>
+    <dgm:sp3d/>
+    <dgm:txPr/>
+    <dgm:style>
+      <a:lnRef idx="1">
+        <a:scrgbClr r="0" g="0" b="0"/>
+      </a:lnRef>
+      <a:fillRef idx="1">
+        <a:scrgbClr r="0" g="0" b="0"/>
+      </a:fillRef>
+      <a:effectRef idx="0">
+        <a:scrgbClr r="0" g="0" b="0"/>
+      </a:effectRef>
+      <a:fontRef idx="minor"/>
+    </dgm:style>
+  </dgm:styleLbl>
+  <dgm:styleLbl name="bgAcc1">
+    <dgm:scene3d>
+      <a:camera prst="orthographicFront"/>
+      <a:lightRig rig="threePt" dir="t"/>
+    </dgm:scene3d>
+    <dgm:sp3d/>
+    <dgm:txPr/>
+    <dgm:style>
+      <a:lnRef idx="2">
+        <a:scrgbClr r="0" g="0" b="0"/>
+      </a:lnRef>
+      <a:fillRef idx="1">
+        <a:scrgbClr r="0" g="0" b="0"/>
+      </a:fillRef>
+      <a:effectRef idx="0">
+        <a:scrgbClr r="0" g="0" b="0"/>
+      </a:effectRef>
+      <a:fontRef idx="minor"/>
+    </dgm:style>
+  </dgm:styleLbl>
+  <dgm:styleLbl name="solidFgAcc1">
+    <dgm:scene3d>
+      <a:camera prst="orthographicFront"/>
+      <a:lightRig rig="threePt" dir="t"/>
+    </dgm:scene3d>
+    <dgm:sp3d/>
+    <dgm:txPr/>
+    <dgm:style>
+      <a:lnRef idx="2">
+        <a:scrgbClr r="0" g="0" b="0"/>
+      </a:lnRef>
+      <a:fillRef idx="1">
+        <a:scrgbClr r="0" g="0" b="0"/>
+      </a:fillRef>
+      <a:effectRef idx="0">
+        <a:scrgbClr r="0" g="0" b="0"/>
+      </a:effectRef>
+      <a:fontRef idx="minor"/>
+    </dgm:style>
+  </dgm:styleLbl>
+  <dgm:styleLbl name="solidAlignAcc1">
+    <dgm:scene3d>
+      <a:camera prst="orthographicFront"/>
+      <a:lightRig rig="threePt" dir="t"/>
+    </dgm:scene3d>
+    <dgm:sp3d/>
+    <dgm:txPr/>
+    <dgm:style>
+      <a:lnRef idx="2">
+        <a:scrgbClr r="0" g="0" b="0"/>
+      </a:lnRef>
+      <a:fillRef idx="1">
+        <a:scrgbClr r="0" g="0" b="0"/>
+      </a:fillRef>
+      <a:effectRef idx="0">
+        <a:scrgbClr r="0" g="0" b="0"/>
+      </a:effectRef>
+      <a:fontRef idx="minor"/>
+    </dgm:style>
+  </dgm:styleLbl>
+  <dgm:styleLbl name="solidBgAcc1">
+    <dgm:scene3d>
+      <a:camera prst="orthographicFront"/>
+      <a:lightRig rig="threePt" dir="t"/>
+    </dgm:scene3d>
+    <dgm:sp3d/>
+    <dgm:txPr/>
+    <dgm:style>
+      <a:lnRef idx="2">
+        <a:scrgbClr r="0" g="0" b="0"/>
+      </a:lnRef>
+      <a:fillRef idx="1">
+        <a:scrgbClr r="0" g="0" b="0"/>
+      </a:fillRef>
+      <a:effectRef idx="0">
+        <a:scrgbClr r="0" g="0" b="0"/>
+      </a:effectRef>
+      <a:fontRef idx="minor"/>
+    </dgm:style>
+  </dgm:styleLbl>
+  <dgm:styleLbl name="fgAccFollowNode1">
+    <dgm:scene3d>
+      <a:camera prst="orthographicFront"/>
+      <a:lightRig rig="threePt" dir="t"/>
+    </dgm:scene3d>
+    <dgm:sp3d/>
+    <dgm:txPr/>
+    <dgm:style>
+      <a:lnRef idx="2">
+        <a:scrgbClr r="0" g="0" b="0"/>
+      </a:lnRef>
+      <a:fillRef idx="1">
+        <a:scrgbClr r="0" g="0" b="0"/>
+      </a:fillRef>
+      <a:effectRef idx="0">
+        <a:scrgbClr r="0" g="0" b="0"/>
+      </a:effectRef>
+      <a:fontRef idx="minor"/>
+    </dgm:style>
+  </dgm:styleLbl>
+  <dgm:styleLbl name="alignAccFollowNode1">
+    <dgm:scene3d>
+      <a:camera prst="orthographicFront"/>
+      <a:lightRig rig="threePt" dir="t"/>
+    </dgm:scene3d>
+    <dgm:sp3d/>
+    <dgm:txPr/>
+    <dgm:style>
+      <a:lnRef idx="2">
+        <a:scrgbClr r="0" g="0" b="0"/>
+      </a:lnRef>
+      <a:fillRef idx="1">
+        <a:scrgbClr r="0" g="0" b="0"/>
+      </a:fillRef>
+      <a:effectRef idx="0">
+        <a:scrgbClr r="0" g="0" b="0"/>
+      </a:effectRef>
+      <a:fontRef idx="minor"/>
+    </dgm:style>
+  </dgm:styleLbl>
+  <dgm:styleLbl name="bgAccFollowNode1">
+    <dgm:scene3d>
+      <a:camera prst="orthographicFront"/>
+      <a:lightRig rig="threePt" dir="t"/>
+    </dgm:scene3d>
+    <dgm:sp3d/>
+    <dgm:txPr/>
+    <dgm:style>
+      <a:lnRef idx="2">
+        <a:scrgbClr r="0" g="0" b="0"/>
+      </a:lnRef>
+      <a:fillRef idx="1">
+        <a:scrgbClr r="0" g="0" b="0"/>
+      </a:fillRef>
+      <a:effectRef idx="0">
+        <a:scrgbClr r="0" g="0" b="0"/>
+      </a:effectRef>
+      <a:fontRef idx="minor"/>
+    </dgm:style>
+  </dgm:styleLbl>
+  <dgm:styleLbl name="fgAcc0">
+    <dgm:scene3d>
+      <a:camera prst="orthographicFront"/>
+      <a:lightRig rig="threePt" dir="t"/>
+    </dgm:scene3d>
+    <dgm:sp3d/>
+    <dgm:txPr/>
+    <dgm:style>
+      <a:lnRef idx="2">
+        <a:scrgbClr r="0" g="0" b="0"/>
+      </a:lnRef>
+      <a:fillRef idx="1">
+        <a:scrgbClr r="0" g="0" b="0"/>
+      </a:fillRef>
+      <a:effectRef idx="0">
+        <a:scrgbClr r="0" g="0" b="0"/>
+      </a:effectRef>
+      <a:fontRef idx="minor"/>
+    </dgm:style>
+  </dgm:styleLbl>
+  <dgm:styleLbl name="fgAcc2">
+    <dgm:scene3d>
+      <a:camera prst="orthographicFront"/>
+      <a:lightRig rig="threePt" dir="t"/>
+    </dgm:scene3d>
+    <dgm:sp3d/>
+    <dgm:txPr/>
+    <dgm:style>
+      <a:lnRef idx="2">
+        <a:scrgbClr r="0" g="0" b="0"/>
+      </a:lnRef>
+      <a:fillRef idx="1">
+        <a:scrgbClr r="0" g="0" b="0"/>
+      </a:fillRef>
+      <a:effectRef idx="0">
+        <a:scrgbClr r="0" g="0" b="0"/>
+      </a:effectRef>
+      <a:fontRef idx="minor"/>
+    </dgm:style>
+  </dgm:styleLbl>
+  <dgm:styleLbl name="fgAcc3">
+    <dgm:scene3d>
+      <a:camera prst="orthographicFront"/>
+      <a:lightRig rig="threePt" dir="t"/>
+    </dgm:scene3d>
+    <dgm:sp3d/>
+    <dgm:txPr/>
+    <dgm:style>
+      <a:lnRef idx="2">
+        <a:scrgbClr r="0" g="0" b="0"/>
+      </a:lnRef>
+      <a:fillRef idx="1">
+        <a:scrgbClr r="0" g="0" b="0"/>
+      </a:fillRef>
+      <a:effectRef idx="0">
+        <a:scrgbClr r="0" g="0" b="0"/>
+      </a:effectRef>
+      <a:fontRef idx="minor"/>
+    </dgm:style>
+  </dgm:styleLbl>
+  <dgm:styleLbl name="fgAcc4">
+    <dgm:scene3d>
+      <a:camera prst="orthographicFront"/>
+      <a:lightRig rig="threePt" dir="t"/>
+    </dgm:scene3d>
+    <dgm:sp3d/>
+    <dgm:txPr/>
+    <dgm:style>
+      <a:lnRef idx="2">
+        <a:scrgbClr r="0" g="0" b="0"/>
+      </a:lnRef>
+      <a:fillRef idx="1">
+        <a:scrgbClr r="0" g="0" b="0"/>
+      </a:fillRef>
+      <a:effectRef idx="0">
+        <a:scrgbClr r="0" g="0" b="0"/>
+      </a:effectRef>
+      <a:fontRef idx="minor"/>
+    </dgm:style>
+  </dgm:styleLbl>
+  <dgm:styleLbl name="bgShp">
+    <dgm:scene3d>
+      <a:camera prst="orthographicFront"/>
+      <a:lightRig rig="threePt" dir="t"/>
+    </dgm:scene3d>
+    <dgm:sp3d/>
+    <dgm:txPr/>
+    <dgm:style>
+      <a:lnRef idx="0">
+        <a:scrgbClr r="0" g="0" b="0"/>
+      </a:lnRef>
+      <a:fillRef idx="1">
+        <a:scrgbClr r="0" g="0" b="0"/>
+      </a:fillRef>
+      <a:effectRef idx="0">
+        <a:scrgbClr r="0" g="0" b="0"/>
+      </a:effectRef>
+      <a:fontRef idx="minor"/>
+    </dgm:style>
+  </dgm:styleLbl>
+  <dgm:styleLbl name="dkBgShp">
+    <dgm:scene3d>
+      <a:camera prst="orthographicFront"/>
+      <a:lightRig rig="threePt" dir="t"/>
+    </dgm:scene3d>
+    <dgm:sp3d/>
+    <dgm:txPr/>
+    <dgm:style>
+      <a:lnRef idx="0">
+        <a:scrgbClr r="0" g="0" b="0"/>
+      </a:lnRef>
+      <a:fillRef idx="1">
+        <a:scrgbClr r="0" g="0" b="0"/>
+      </a:fillRef>
+      <a:effectRef idx="0">
+        <a:scrgbClr r="0" g="0" b="0"/>
+      </a:effectRef>
+      <a:fontRef idx="minor"/>
+    </dgm:style>
+  </dgm:styleLbl>
+  <dgm:styleLbl name="trBgShp">
+    <dgm:scene3d>
+      <a:camera prst="orthographicFront"/>
+      <a:lightRig rig="threePt" dir="t"/>
+    </dgm:scene3d>
+    <dgm:sp3d/>
+    <dgm:txPr/>
+    <dgm:style>
+      <a:lnRef idx="0">
+        <a:scrgbClr r="0" g="0" b="0"/>
+      </a:lnRef>
+      <a:fillRef idx="1">
+        <a:scrgbClr r="0" g="0" b="0"/>
+      </a:fillRef>
+      <a:effectRef idx="0">
+        <a:scrgbClr r="0" g="0" b="0"/>
+      </a:effectRef>
+      <a:fontRef idx="minor"/>
+    </dgm:style>
+  </dgm:styleLbl>
+  <dgm:styleLbl name="fgShp">
+    <dgm:scene3d>
+      <a:camera prst="orthographicFront"/>
+      <a:lightRig rig="threePt" dir="t"/>
+    </dgm:scene3d>
+    <dgm:sp3d/>
+    <dgm:txPr/>
+    <dgm:style>
+      <a:lnRef idx="2">
+        <a:scrgbClr r="0" g="0" b="0"/>
+      </a:lnRef>
+      <a:fillRef idx="1">
+        <a:scrgbClr r="0" g="0" b="0"/>
+      </a:fillRef>
+      <a:effectRef idx="0">
+        <a:scrgbClr r="0" g="0" b="0"/>
+      </a:effectRef>
+      <a:fontRef idx="minor"/>
+    </dgm:style>
+  </dgm:styleLbl>
+  <dgm:styleLbl name="revTx">
+    <dgm:scene3d>
+      <a:camera prst="orthographicFront"/>
+      <a:lightRig rig="threePt" dir="t"/>
+    </dgm:scene3d>
+    <dgm:sp3d/>
+    <dgm:txPr/>
+    <dgm:style>
+      <a:lnRef idx="0">
+        <a:scrgbClr r="0" g="0" b="0"/>
+      </a:lnRef>
+      <a:fillRef idx="0">
+        <a:scrgbClr r="0" g="0" b="0"/>
+      </a:fillRef>
+      <a:effectRef idx="0">
+        <a:scrgbClr r="0" g="0" b="0"/>
+      </a:effectRef>
+      <a:fontRef idx="minor"/>
+    </dgm:style>
+  </dgm:styleLbl>
+</dgm:styleDef>
+</file>
+
+<file path=ppt/diagrams/quickStyle6.xml><?xml version="1.0" encoding="utf-8"?>
 <dgm:styleDef xmlns:dgm="http://schemas.openxmlformats.org/drawingml/2006/diagram" xmlns:a="http://schemas.openxmlformats.org/drawingml/2006/main" uniqueId="urn:microsoft.com/office/officeart/2005/8/quickstyle/simple1">
   <dgm:title val=""/>
   <dgm:desc val=""/>
@@ -23941,104 +27870,6 @@
 <file path=ppt/slides/slide14.xml><?xml version="1.0" encoding="utf-8"?>
 <p:sld xmlns:a="http://schemas.openxmlformats.org/drawingml/2006/main" xmlns:r="http://schemas.openxmlformats.org/officeDocument/2006/relationships" xmlns:p="http://schemas.openxmlformats.org/presentationml/2006/main">
   <p:cSld>
-    <p:spTree>
-      <p:nvGrpSpPr>
-        <p:cNvPr id="1" name=""/>
-        <p:cNvGrpSpPr/>
-        <p:nvPr/>
-      </p:nvGrpSpPr>
-      <p:grpSpPr>
-        <a:xfrm>
-          <a:off x="0" y="0"/>
-          <a:ext cx="0" cy="0"/>
-          <a:chOff x="0" y="0"/>
-          <a:chExt cx="0" cy="0"/>
-        </a:xfrm>
-      </p:grpSpPr>
-      <p:sp>
-        <p:nvSpPr>
-          <p:cNvPr id="2" name="Tytuł 1">
-            <a:extLst>
-              <a:ext uri="{FF2B5EF4-FFF2-40B4-BE49-F238E27FC236}">
-                <a16:creationId xmlns:a16="http://schemas.microsoft.com/office/drawing/2014/main" id="{AFA8E31D-2431-C2C6-1436-34C0FE086108}"/>
-              </a:ext>
-            </a:extLst>
-          </p:cNvPr>
-          <p:cNvSpPr>
-            <a:spLocks noGrp="1"/>
-          </p:cNvSpPr>
-          <p:nvPr>
-            <p:ph type="title"/>
-          </p:nvPr>
-        </p:nvSpPr>
-        <p:spPr>
-          <a:xfrm>
-            <a:off x="640216" y="349046"/>
-            <a:ext cx="10890929" cy="1097280"/>
-          </a:xfrm>
-        </p:spPr>
-        <p:txBody>
-          <a:bodyPr/>
-          <a:lstStyle/>
-          <a:p>
-            <a:r>
-              <a:rPr lang="pl-PL" dirty="0"/>
-              <a:t>Model ARIMA (1,0,1) z CO2, SO2 i populacją</a:t>
-            </a:r>
-          </a:p>
-        </p:txBody>
-      </p:sp>
-      <p:pic>
-        <p:nvPicPr>
-          <p:cNvPr id="5" name="Symbol zastępczy zawartości 4" descr="Obraz zawierający tekst, zrzut ekranu, numer, Czcionka&#10;&#10;Zawartość wygenerowana przez AI może być niepoprawna.">
-            <a:extLst>
-              <a:ext uri="{FF2B5EF4-FFF2-40B4-BE49-F238E27FC236}">
-                <a16:creationId xmlns:a16="http://schemas.microsoft.com/office/drawing/2014/main" id="{1E32A8B5-3366-0792-B3FD-D5E80C0A2CB6}"/>
-              </a:ext>
-            </a:extLst>
-          </p:cNvPr>
-          <p:cNvPicPr>
-            <a:picLocks noGrp="1" noChangeAspect="1"/>
-          </p:cNvPicPr>
-          <p:nvPr>
-            <p:ph idx="1"/>
-          </p:nvPr>
-        </p:nvPicPr>
-        <p:blipFill>
-          <a:blip r:embed="rId2">
-            <a:extLst>
-              <a:ext uri="{28A0092B-C50C-407E-A947-70E740481C1C}">
-                <a14:useLocalDpi xmlns:a14="http://schemas.microsoft.com/office/drawing/2010/main" val="0"/>
-              </a:ext>
-            </a:extLst>
-          </a:blip>
-          <a:stretch>
-            <a:fillRect/>
-          </a:stretch>
-        </p:blipFill>
-        <p:spPr>
-          <a:xfrm>
-            <a:off x="2852138" y="1446326"/>
-            <a:ext cx="6487723" cy="4554127"/>
-          </a:xfrm>
-        </p:spPr>
-      </p:pic>
-    </p:spTree>
-    <p:extLst>
-      <p:ext uri="{BB962C8B-B14F-4D97-AF65-F5344CB8AC3E}">
-        <p14:creationId xmlns:p14="http://schemas.microsoft.com/office/powerpoint/2010/main" val="3619807458"/>
-      </p:ext>
-    </p:extLst>
-  </p:cSld>
-  <p:clrMapOvr>
-    <a:masterClrMapping/>
-  </p:clrMapOvr>
-</p:sld>
-</file>
-
-<file path=ppt/slides/slide15.xml><?xml version="1.0" encoding="utf-8"?>
-<p:sld xmlns:a="http://schemas.openxmlformats.org/drawingml/2006/main" xmlns:r="http://schemas.openxmlformats.org/officeDocument/2006/relationships" xmlns:p="http://schemas.openxmlformats.org/presentationml/2006/main">
-  <p:cSld>
     <p:bg>
       <p:bgPr>
         <a:solidFill>
@@ -24318,7 +28149,7 @@
 </p:sld>
 </file>
 
-<file path=ppt/slides/slide16.xml><?xml version="1.0" encoding="utf-8"?>
+<file path=ppt/slides/slide15.xml><?xml version="1.0" encoding="utf-8"?>
 <p:sld xmlns:a="http://schemas.openxmlformats.org/drawingml/2006/main" xmlns:r="http://schemas.openxmlformats.org/officeDocument/2006/relationships" xmlns:p="http://schemas.openxmlformats.org/presentationml/2006/main">
   <p:cSld>
     <p:bg>
@@ -24649,7 +28480,7 @@
 </p:sld>
 </file>
 
-<file path=ppt/slides/slide17.xml><?xml version="1.0" encoding="utf-8"?>
+<file path=ppt/slides/slide16.xml><?xml version="1.0" encoding="utf-8"?>
 <p:sld xmlns:a="http://schemas.openxmlformats.org/drawingml/2006/main" xmlns:r="http://schemas.openxmlformats.org/officeDocument/2006/relationships" xmlns:p="http://schemas.openxmlformats.org/presentationml/2006/main">
   <p:cSld>
     <p:bg>
@@ -24897,7 +28728,1855 @@
 </p:sld>
 </file>
 
+<file path=ppt/slides/slide17.xml><?xml version="1.0" encoding="utf-8"?>
+<p:sld xmlns:a="http://schemas.openxmlformats.org/drawingml/2006/main" xmlns:r="http://schemas.openxmlformats.org/officeDocument/2006/relationships" xmlns:p="http://schemas.openxmlformats.org/presentationml/2006/main">
+  <p:cSld>
+    <p:bg>
+      <p:bgPr>
+        <a:solidFill>
+          <a:schemeClr val="bg1"/>
+        </a:solidFill>
+        <a:effectLst/>
+      </p:bgPr>
+    </p:bg>
+    <p:spTree>
+      <p:nvGrpSpPr>
+        <p:cNvPr id="1" name="">
+          <a:extLst>
+            <a:ext uri="{FF2B5EF4-FFF2-40B4-BE49-F238E27FC236}">
+              <a16:creationId xmlns:a16="http://schemas.microsoft.com/office/drawing/2014/main" id="{BD98D014-48B4-CC80-3F66-643E5C25E3CC}"/>
+            </a:ext>
+          </a:extLst>
+        </p:cNvPr>
+        <p:cNvGrpSpPr/>
+        <p:nvPr/>
+      </p:nvGrpSpPr>
+      <p:grpSpPr>
+        <a:xfrm>
+          <a:off x="0" y="0"/>
+          <a:ext cx="0" cy="0"/>
+          <a:chOff x="0" y="0"/>
+          <a:chExt cx="0" cy="0"/>
+        </a:xfrm>
+      </p:grpSpPr>
+      <p:sp useBgFill="1">
+        <p:nvSpPr>
+          <p:cNvPr id="17" name="Rectangle 16">
+            <a:extLst>
+              <a:ext uri="{FF2B5EF4-FFF2-40B4-BE49-F238E27FC236}">
+                <a16:creationId xmlns:a16="http://schemas.microsoft.com/office/drawing/2014/main" id="{901E631E-C894-EC7D-C9CF-85FD67F887A3}"/>
+              </a:ext>
+              <a:ext uri="{C183D7F6-B498-43B3-948B-1728B52AA6E4}">
+                <adec:decorative xmlns:adec="http://schemas.microsoft.com/office/drawing/2017/decorative" val="1"/>
+              </a:ext>
+            </a:extLst>
+          </p:cNvPr>
+          <p:cNvSpPr>
+            <a:spLocks noGrp="1" noRot="1" noChangeAspect="1" noMove="1" noResize="1" noEditPoints="1" noAdjustHandles="1" noChangeArrowheads="1" noChangeShapeType="1" noTextEdit="1"/>
+          </p:cNvSpPr>
+          <p:nvPr>
+            <p:extLst>
+              <p:ext uri="{386F3935-93C4-4BCD-93E2-E3B085C9AB24}">
+                <p16:designElem xmlns:p16="http://schemas.microsoft.com/office/powerpoint/2015/main" val="1"/>
+              </p:ext>
+            </p:extLst>
+          </p:nvPr>
+        </p:nvSpPr>
+        <p:spPr>
+          <a:xfrm>
+            <a:off x="0" y="0"/>
+            <a:ext cx="12192000" cy="6858000"/>
+          </a:xfrm>
+          <a:prstGeom prst="rect">
+            <a:avLst/>
+          </a:prstGeom>
+          <a:ln w="12700" cap="flat" cmpd="sng" algn="ctr">
+            <a:noFill/>
+            <a:prstDash val="solid"/>
+            <a:miter lim="800000"/>
+          </a:ln>
+          <a:effectLst/>
+          <a:extLst>
+            <a:ext uri="{91240B29-F687-4F45-9708-019B960494DF}">
+              <a14:hiddenLine xmlns:a14="http://schemas.microsoft.com/office/drawing/2010/main" w="12700" cap="flat" cmpd="sng" algn="ctr">
+                <a:solidFill>
+                  <a:schemeClr val="accent1">
+                    <a:shade val="50000"/>
+                  </a:schemeClr>
+                </a:solidFill>
+                <a:prstDash val="solid"/>
+                <a:miter lim="800000"/>
+              </a14:hiddenLine>
+            </a:ext>
+          </a:extLst>
+        </p:spPr>
+        <p:style>
+          <a:lnRef idx="2">
+            <a:schemeClr val="accent1">
+              <a:shade val="50000"/>
+            </a:schemeClr>
+          </a:lnRef>
+          <a:fillRef idx="1">
+            <a:schemeClr val="accent1"/>
+          </a:fillRef>
+          <a:effectRef idx="0">
+            <a:schemeClr val="accent1"/>
+          </a:effectRef>
+          <a:fontRef idx="minor">
+            <a:schemeClr val="lt1"/>
+          </a:fontRef>
+        </p:style>
+        <p:txBody>
+          <a:bodyPr rtlCol="0" anchor="ctr"/>
+          <a:lstStyle/>
+          <a:p>
+            <a:pPr algn="ctr"/>
+            <a:endParaRPr lang="en-US"/>
+          </a:p>
+        </p:txBody>
+      </p:sp>
+      <p:sp>
+        <p:nvSpPr>
+          <p:cNvPr id="2" name="Tytuł 1">
+            <a:extLst>
+              <a:ext uri="{FF2B5EF4-FFF2-40B4-BE49-F238E27FC236}">
+                <a16:creationId xmlns:a16="http://schemas.microsoft.com/office/drawing/2014/main" id="{4B2D89A2-CA75-4D3A-270D-582BF5C49AA6}"/>
+              </a:ext>
+            </a:extLst>
+          </p:cNvPr>
+          <p:cNvSpPr>
+            <a:spLocks noGrp="1"/>
+          </p:cNvSpPr>
+          <p:nvPr>
+            <p:ph type="title"/>
+          </p:nvPr>
+        </p:nvSpPr>
+        <p:spPr>
+          <a:xfrm>
+            <a:off x="640079" y="1371601"/>
+            <a:ext cx="10890929" cy="1097280"/>
+          </a:xfrm>
+        </p:spPr>
+        <p:txBody>
+          <a:bodyPr>
+            <a:normAutofit fontScale="90000"/>
+          </a:bodyPr>
+          <a:lstStyle/>
+          <a:p>
+            <a:pPr>
+              <a:lnSpc>
+                <a:spcPct val="90000"/>
+              </a:lnSpc>
+            </a:pPr>
+            <a:r>
+              <a:rPr lang="pl-PL" sz="3100" dirty="0"/>
+              <a:t>Próba predykcji kiedy średni przyrost temperatury przekroczy 1.5 (model ARIMA(2, 1, 1) – CO2, populacja)</a:t>
+            </a:r>
+            <a:br>
+              <a:rPr lang="pl-PL" sz="2200" dirty="0"/>
+            </a:br>
+            <a:endParaRPr lang="pl-PL" sz="2200" dirty="0"/>
+          </a:p>
+        </p:txBody>
+      </p:sp>
+      <p:cxnSp>
+        <p:nvCxnSpPr>
+          <p:cNvPr id="19" name="Straight Connector 18">
+            <a:extLst>
+              <a:ext uri="{FF2B5EF4-FFF2-40B4-BE49-F238E27FC236}">
+                <a16:creationId xmlns:a16="http://schemas.microsoft.com/office/drawing/2014/main" id="{14D272A9-5B82-A417-F5C7-42DBE76987F8}"/>
+              </a:ext>
+              <a:ext uri="{C183D7F6-B498-43B3-948B-1728B52AA6E4}">
+                <adec:decorative xmlns:adec="http://schemas.microsoft.com/office/drawing/2017/decorative" val="1"/>
+              </a:ext>
+            </a:extLst>
+          </p:cNvPr>
+          <p:cNvCxnSpPr>
+            <a:cxnSpLocks noGrp="1" noRot="1" noChangeAspect="1" noMove="1" noResize="1" noEditPoints="1" noAdjustHandles="1" noChangeArrowheads="1" noChangeShapeType="1"/>
+          </p:cNvCxnSpPr>
+          <p:nvPr>
+            <p:extLst>
+              <p:ext uri="{386F3935-93C4-4BCD-93E2-E3B085C9AB24}">
+                <p16:designElem xmlns:p16="http://schemas.microsoft.com/office/powerpoint/2015/main" val="1"/>
+              </p:ext>
+            </p:extLst>
+          </p:nvPr>
+        </p:nvCxnSpPr>
+        <p:spPr>
+          <a:xfrm>
+            <a:off x="713232" y="1031001"/>
+            <a:ext cx="978862" cy="0"/>
+          </a:xfrm>
+          <a:prstGeom prst="line">
+            <a:avLst/>
+          </a:prstGeom>
+          <a:ln w="76200"/>
+        </p:spPr>
+        <p:style>
+          <a:lnRef idx="1">
+            <a:schemeClr val="accent1"/>
+          </a:lnRef>
+          <a:fillRef idx="0">
+            <a:schemeClr val="accent1"/>
+          </a:fillRef>
+          <a:effectRef idx="0">
+            <a:schemeClr val="accent1"/>
+          </a:effectRef>
+          <a:fontRef idx="minor">
+            <a:schemeClr val="tx1"/>
+          </a:fontRef>
+        </p:style>
+      </p:cxnSp>
+      <p:graphicFrame>
+        <p:nvGraphicFramePr>
+          <p:cNvPr id="6" name="Symbol zastępczy zawartości 3">
+            <a:extLst>
+              <a:ext uri="{FF2B5EF4-FFF2-40B4-BE49-F238E27FC236}">
+                <a16:creationId xmlns:a16="http://schemas.microsoft.com/office/drawing/2014/main" id="{FBF68B36-5804-CAE4-3E86-FEF7E7AB1CCA}"/>
+              </a:ext>
+            </a:extLst>
+          </p:cNvPr>
+          <p:cNvGraphicFramePr>
+            <a:graphicFrameLocks noGrp="1"/>
+          </p:cNvGraphicFramePr>
+          <p:nvPr>
+            <p:ph idx="1"/>
+          </p:nvPr>
+        </p:nvGraphicFramePr>
+        <p:xfrm>
+          <a:off x="640079" y="2559050"/>
+          <a:ext cx="10890929" cy="3738863"/>
+        </p:xfrm>
+        <a:graphic>
+          <a:graphicData uri="http://schemas.openxmlformats.org/drawingml/2006/diagram">
+            <dgm:relIds xmlns:dgm="http://schemas.openxmlformats.org/drawingml/2006/diagram" xmlns:r="http://schemas.openxmlformats.org/officeDocument/2006/relationships" r:dm="rId2" r:lo="rId3" r:qs="rId4" r:cs="rId5"/>
+          </a:graphicData>
+        </a:graphic>
+      </p:graphicFrame>
+    </p:spTree>
+    <p:extLst>
+      <p:ext uri="{BB962C8B-B14F-4D97-AF65-F5344CB8AC3E}">
+        <p14:creationId xmlns:p14="http://schemas.microsoft.com/office/powerpoint/2010/main" val="2286809015"/>
+      </p:ext>
+    </p:extLst>
+  </p:cSld>
+  <p:clrMapOvr>
+    <a:masterClrMapping/>
+  </p:clrMapOvr>
+</p:sld>
+</file>
+
 <file path=ppt/slides/slide18.xml><?xml version="1.0" encoding="utf-8"?>
+<p:sld xmlns:a="http://schemas.openxmlformats.org/drawingml/2006/main" xmlns:r="http://schemas.openxmlformats.org/officeDocument/2006/relationships" xmlns:p="http://schemas.openxmlformats.org/presentationml/2006/main">
+  <p:cSld>
+    <p:spTree>
+      <p:nvGrpSpPr>
+        <p:cNvPr id="1" name="">
+          <a:extLst>
+            <a:ext uri="{FF2B5EF4-FFF2-40B4-BE49-F238E27FC236}">
+              <a16:creationId xmlns:a16="http://schemas.microsoft.com/office/drawing/2014/main" id="{EC9CB3E5-695D-4619-9D57-2FBC09155169}"/>
+            </a:ext>
+          </a:extLst>
+        </p:cNvPr>
+        <p:cNvGrpSpPr/>
+        <p:nvPr/>
+      </p:nvGrpSpPr>
+      <p:grpSpPr>
+        <a:xfrm>
+          <a:off x="0" y="0"/>
+          <a:ext cx="0" cy="0"/>
+          <a:chOff x="0" y="0"/>
+          <a:chExt cx="0" cy="0"/>
+        </a:xfrm>
+      </p:grpSpPr>
+      <p:sp>
+        <p:nvSpPr>
+          <p:cNvPr id="2" name="Tytuł 1">
+            <a:extLst>
+              <a:ext uri="{FF2B5EF4-FFF2-40B4-BE49-F238E27FC236}">
+                <a16:creationId xmlns:a16="http://schemas.microsoft.com/office/drawing/2014/main" id="{845EFD8B-5460-2FD4-68E7-B1AA5FAF1524}"/>
+              </a:ext>
+            </a:extLst>
+          </p:cNvPr>
+          <p:cNvSpPr>
+            <a:spLocks noGrp="1"/>
+          </p:cNvSpPr>
+          <p:nvPr>
+            <p:ph type="title"/>
+          </p:nvPr>
+        </p:nvSpPr>
+        <p:spPr>
+          <a:xfrm>
+            <a:off x="675750" y="349046"/>
+            <a:ext cx="10890929" cy="1097280"/>
+          </a:xfrm>
+        </p:spPr>
+        <p:txBody>
+          <a:bodyPr/>
+          <a:lstStyle/>
+          <a:p>
+            <a:r>
+              <a:rPr lang="pl-PL" dirty="0"/>
+              <a:t>Dopasowanie modeli regresji</a:t>
+            </a:r>
+          </a:p>
+        </p:txBody>
+      </p:sp>
+      <p:pic>
+        <p:nvPicPr>
+          <p:cNvPr id="6" name="Symbol zastępczy zawartości 4">
+            <a:extLst>
+              <a:ext uri="{FF2B5EF4-FFF2-40B4-BE49-F238E27FC236}">
+                <a16:creationId xmlns:a16="http://schemas.microsoft.com/office/drawing/2014/main" id="{E30B5BF4-4B0B-64D7-1EFC-B5C760DF4DD0}"/>
+              </a:ext>
+            </a:extLst>
+          </p:cNvPr>
+          <p:cNvPicPr>
+            <a:picLocks noChangeAspect="1"/>
+          </p:cNvPicPr>
+          <p:nvPr/>
+        </p:nvPicPr>
+        <p:blipFill>
+          <a:blip r:embed="rId2"/>
+          <a:stretch>
+            <a:fillRect/>
+          </a:stretch>
+        </p:blipFill>
+        <p:spPr>
+          <a:xfrm>
+            <a:off x="759951" y="2576586"/>
+            <a:ext cx="4698740" cy="1103921"/>
+          </a:xfrm>
+          <a:prstGeom prst="rect">
+            <a:avLst/>
+          </a:prstGeom>
+        </p:spPr>
+      </p:pic>
+      <p:pic>
+        <p:nvPicPr>
+          <p:cNvPr id="8" name="Obraz 7">
+            <a:extLst>
+              <a:ext uri="{FF2B5EF4-FFF2-40B4-BE49-F238E27FC236}">
+                <a16:creationId xmlns:a16="http://schemas.microsoft.com/office/drawing/2014/main" id="{59F02E4A-4078-714D-5F4C-7ED94B73FAE2}"/>
+              </a:ext>
+            </a:extLst>
+          </p:cNvPr>
+          <p:cNvPicPr>
+            <a:picLocks noChangeAspect="1"/>
+          </p:cNvPicPr>
+          <p:nvPr/>
+        </p:nvPicPr>
+        <p:blipFill>
+          <a:blip r:embed="rId3"/>
+          <a:stretch>
+            <a:fillRect/>
+          </a:stretch>
+        </p:blipFill>
+        <p:spPr>
+          <a:xfrm>
+            <a:off x="823839" y="2057309"/>
+            <a:ext cx="769644" cy="384823"/>
+          </a:xfrm>
+          <a:prstGeom prst="rect">
+            <a:avLst/>
+          </a:prstGeom>
+        </p:spPr>
+      </p:pic>
+      <p:sp>
+        <p:nvSpPr>
+          <p:cNvPr id="10" name="pole tekstowe 9">
+            <a:extLst>
+              <a:ext uri="{FF2B5EF4-FFF2-40B4-BE49-F238E27FC236}">
+                <a16:creationId xmlns:a16="http://schemas.microsoft.com/office/drawing/2014/main" id="{4AF2BB6A-BFCD-B431-884A-45944D04095A}"/>
+              </a:ext>
+            </a:extLst>
+          </p:cNvPr>
+          <p:cNvSpPr txBox="1"/>
+          <p:nvPr/>
+        </p:nvSpPr>
+        <p:spPr>
+          <a:xfrm>
+            <a:off x="2265123" y="2249720"/>
+            <a:ext cx="2276585" cy="369332"/>
+          </a:xfrm>
+          <a:prstGeom prst="rect">
+            <a:avLst/>
+          </a:prstGeom>
+          <a:noFill/>
+        </p:spPr>
+        <p:txBody>
+          <a:bodyPr wrap="none" rtlCol="0">
+            <a:spAutoFit/>
+          </a:bodyPr>
+          <a:lstStyle/>
+          <a:p>
+            <a:r>
+              <a:rPr lang="pl-PL" dirty="0"/>
+              <a:t>MSE		R</a:t>
+            </a:r>
+            <a:r>
+              <a:rPr lang="pl-PL" dirty="0">
+                <a:latin typeface="Cambria Math" panose="02040503050406030204" pitchFamily="18" charset="0"/>
+                <a:ea typeface="Cambria Math" panose="02040503050406030204" pitchFamily="18" charset="0"/>
+              </a:rPr>
+              <a:t>²</a:t>
+            </a:r>
+            <a:endParaRPr lang="pl-PL" dirty="0"/>
+          </a:p>
+        </p:txBody>
+      </p:sp>
+      <p:sp>
+        <p:nvSpPr>
+          <p:cNvPr id="12" name="Prostokąt 11">
+            <a:extLst>
+              <a:ext uri="{FF2B5EF4-FFF2-40B4-BE49-F238E27FC236}">
+                <a16:creationId xmlns:a16="http://schemas.microsoft.com/office/drawing/2014/main" id="{70D6967F-8F9A-DCAE-D447-E17BA3B253FE}"/>
+              </a:ext>
+            </a:extLst>
+          </p:cNvPr>
+          <p:cNvSpPr/>
+          <p:nvPr/>
+        </p:nvSpPr>
+        <p:spPr>
+          <a:xfrm>
+            <a:off x="823839" y="3051645"/>
+            <a:ext cx="4794084" cy="164285"/>
+          </a:xfrm>
+          <a:prstGeom prst="rect">
+            <a:avLst/>
+          </a:prstGeom>
+          <a:noFill/>
+          <a:ln>
+            <a:solidFill>
+              <a:srgbClr val="00B050"/>
+            </a:solidFill>
+          </a:ln>
+        </p:spPr>
+        <p:style>
+          <a:lnRef idx="2">
+            <a:schemeClr val="accent1">
+              <a:shade val="15000"/>
+            </a:schemeClr>
+          </a:lnRef>
+          <a:fillRef idx="1">
+            <a:schemeClr val="accent1"/>
+          </a:fillRef>
+          <a:effectRef idx="0">
+            <a:schemeClr val="accent1"/>
+          </a:effectRef>
+          <a:fontRef idx="minor">
+            <a:schemeClr val="lt1"/>
+          </a:fontRef>
+        </p:style>
+        <p:txBody>
+          <a:bodyPr rtlCol="0" anchor="ctr"/>
+          <a:lstStyle/>
+          <a:p>
+            <a:pPr algn="ctr"/>
+            <a:endParaRPr lang="pl-PL"/>
+          </a:p>
+        </p:txBody>
+      </p:sp>
+      <p:pic>
+        <p:nvPicPr>
+          <p:cNvPr id="16" name="Obraz 15">
+            <a:extLst>
+              <a:ext uri="{FF2B5EF4-FFF2-40B4-BE49-F238E27FC236}">
+                <a16:creationId xmlns:a16="http://schemas.microsoft.com/office/drawing/2014/main" id="{18B4711E-C89E-466B-EE36-A05612AB022D}"/>
+              </a:ext>
+            </a:extLst>
+          </p:cNvPr>
+          <p:cNvPicPr>
+            <a:picLocks noChangeAspect="1"/>
+          </p:cNvPicPr>
+          <p:nvPr/>
+        </p:nvPicPr>
+        <p:blipFill>
+          <a:blip r:embed="rId4"/>
+          <a:stretch>
+            <a:fillRect/>
+          </a:stretch>
+        </p:blipFill>
+        <p:spPr>
+          <a:xfrm>
+            <a:off x="6210365" y="2057309"/>
+            <a:ext cx="1202868" cy="293383"/>
+          </a:xfrm>
+          <a:prstGeom prst="rect">
+            <a:avLst/>
+          </a:prstGeom>
+        </p:spPr>
+      </p:pic>
+      <p:pic>
+        <p:nvPicPr>
+          <p:cNvPr id="17" name="Obraz 16">
+            <a:extLst>
+              <a:ext uri="{FF2B5EF4-FFF2-40B4-BE49-F238E27FC236}">
+                <a16:creationId xmlns:a16="http://schemas.microsoft.com/office/drawing/2014/main" id="{AD9E7B6B-ECA2-6D41-ACD6-9E77B9BED9AE}"/>
+              </a:ext>
+            </a:extLst>
+          </p:cNvPr>
+          <p:cNvPicPr>
+            <a:picLocks noChangeAspect="1"/>
+          </p:cNvPicPr>
+          <p:nvPr/>
+        </p:nvPicPr>
+        <p:blipFill>
+          <a:blip r:embed="rId5"/>
+          <a:srcRect b="15183"/>
+          <a:stretch/>
+        </p:blipFill>
+        <p:spPr>
+          <a:xfrm>
+            <a:off x="6210365" y="2543104"/>
+            <a:ext cx="5356314" cy="1022132"/>
+          </a:xfrm>
+          <a:prstGeom prst="rect">
+            <a:avLst/>
+          </a:prstGeom>
+        </p:spPr>
+      </p:pic>
+      <p:sp>
+        <p:nvSpPr>
+          <p:cNvPr id="18" name="pole tekstowe 17">
+            <a:extLst>
+              <a:ext uri="{FF2B5EF4-FFF2-40B4-BE49-F238E27FC236}">
+                <a16:creationId xmlns:a16="http://schemas.microsoft.com/office/drawing/2014/main" id="{0E44A2B7-F520-5E93-1181-2CB42D39738C}"/>
+              </a:ext>
+            </a:extLst>
+          </p:cNvPr>
+          <p:cNvSpPr txBox="1"/>
+          <p:nvPr/>
+        </p:nvSpPr>
+        <p:spPr>
+          <a:xfrm>
+            <a:off x="7848848" y="2204000"/>
+            <a:ext cx="2276585" cy="369332"/>
+          </a:xfrm>
+          <a:prstGeom prst="rect">
+            <a:avLst/>
+          </a:prstGeom>
+          <a:noFill/>
+        </p:spPr>
+        <p:txBody>
+          <a:bodyPr wrap="none" rtlCol="0">
+            <a:spAutoFit/>
+          </a:bodyPr>
+          <a:lstStyle/>
+          <a:p>
+            <a:r>
+              <a:rPr lang="pl-PL" dirty="0"/>
+              <a:t>MSE		R</a:t>
+            </a:r>
+            <a:r>
+              <a:rPr lang="pl-PL" dirty="0">
+                <a:latin typeface="Cambria Math" panose="02040503050406030204" pitchFamily="18" charset="0"/>
+                <a:ea typeface="Cambria Math" panose="02040503050406030204" pitchFamily="18" charset="0"/>
+              </a:rPr>
+              <a:t>²</a:t>
+            </a:r>
+            <a:endParaRPr lang="pl-PL" dirty="0"/>
+          </a:p>
+        </p:txBody>
+      </p:sp>
+      <p:sp>
+        <p:nvSpPr>
+          <p:cNvPr id="19" name="Prostokąt 18">
+            <a:extLst>
+              <a:ext uri="{FF2B5EF4-FFF2-40B4-BE49-F238E27FC236}">
+                <a16:creationId xmlns:a16="http://schemas.microsoft.com/office/drawing/2014/main" id="{6F26C31B-31A2-7020-2D5D-C0281DA6C431}"/>
+              </a:ext>
+            </a:extLst>
+          </p:cNvPr>
+          <p:cNvSpPr/>
+          <p:nvPr/>
+        </p:nvSpPr>
+        <p:spPr>
+          <a:xfrm>
+            <a:off x="6210365" y="2981369"/>
+            <a:ext cx="4794084" cy="164285"/>
+          </a:xfrm>
+          <a:prstGeom prst="rect">
+            <a:avLst/>
+          </a:prstGeom>
+          <a:noFill/>
+          <a:ln>
+            <a:solidFill>
+              <a:srgbClr val="00B050"/>
+            </a:solidFill>
+          </a:ln>
+        </p:spPr>
+        <p:style>
+          <a:lnRef idx="2">
+            <a:schemeClr val="accent1">
+              <a:shade val="15000"/>
+            </a:schemeClr>
+          </a:lnRef>
+          <a:fillRef idx="1">
+            <a:schemeClr val="accent1"/>
+          </a:fillRef>
+          <a:effectRef idx="0">
+            <a:schemeClr val="accent1"/>
+          </a:effectRef>
+          <a:fontRef idx="minor">
+            <a:schemeClr val="lt1"/>
+          </a:fontRef>
+        </p:style>
+        <p:txBody>
+          <a:bodyPr rtlCol="0" anchor="ctr"/>
+          <a:lstStyle/>
+          <a:p>
+            <a:pPr algn="ctr"/>
+            <a:endParaRPr lang="pl-PL"/>
+          </a:p>
+        </p:txBody>
+      </p:sp>
+    </p:spTree>
+    <p:extLst>
+      <p:ext uri="{BB962C8B-B14F-4D97-AF65-F5344CB8AC3E}">
+        <p14:creationId xmlns:p14="http://schemas.microsoft.com/office/powerpoint/2010/main" val="2839932453"/>
+      </p:ext>
+    </p:extLst>
+  </p:cSld>
+  <p:clrMapOvr>
+    <a:masterClrMapping/>
+  </p:clrMapOvr>
+</p:sld>
+</file>
+
+<file path=ppt/slides/slide19.xml><?xml version="1.0" encoding="utf-8"?>
+<p:sld xmlns:a="http://schemas.openxmlformats.org/drawingml/2006/main" xmlns:r="http://schemas.openxmlformats.org/officeDocument/2006/relationships" xmlns:p="http://schemas.openxmlformats.org/presentationml/2006/main">
+  <p:cSld>
+    <p:bg>
+      <p:bgPr>
+        <a:solidFill>
+          <a:schemeClr val="bg1"/>
+        </a:solidFill>
+        <a:effectLst/>
+      </p:bgPr>
+    </p:bg>
+    <p:spTree>
+      <p:nvGrpSpPr>
+        <p:cNvPr id="1" name="">
+          <a:extLst>
+            <a:ext uri="{FF2B5EF4-FFF2-40B4-BE49-F238E27FC236}">
+              <a16:creationId xmlns:a16="http://schemas.microsoft.com/office/drawing/2014/main" id="{03692F57-252E-1D40-1E2F-2D5F920FD0A2}"/>
+            </a:ext>
+          </a:extLst>
+        </p:cNvPr>
+        <p:cNvGrpSpPr/>
+        <p:nvPr/>
+      </p:nvGrpSpPr>
+      <p:grpSpPr>
+        <a:xfrm>
+          <a:off x="0" y="0"/>
+          <a:ext cx="0" cy="0"/>
+          <a:chOff x="0" y="0"/>
+          <a:chExt cx="0" cy="0"/>
+        </a:xfrm>
+      </p:grpSpPr>
+      <p:cxnSp>
+        <p:nvCxnSpPr>
+          <p:cNvPr id="28" name="Straight Connector 27">
+            <a:extLst>
+              <a:ext uri="{FF2B5EF4-FFF2-40B4-BE49-F238E27FC236}">
+                <a16:creationId xmlns:a16="http://schemas.microsoft.com/office/drawing/2014/main" id="{118E06E4-607B-144B-382B-AD3D06B1EE8C}"/>
+              </a:ext>
+              <a:ext uri="{C183D7F6-B498-43B3-948B-1728B52AA6E4}">
+                <adec:decorative xmlns:adec="http://schemas.microsoft.com/office/drawing/2017/decorative" val="1"/>
+              </a:ext>
+            </a:extLst>
+          </p:cNvPr>
+          <p:cNvCxnSpPr>
+            <a:cxnSpLocks noGrp="1" noRot="1" noChangeAspect="1" noMove="1" noResize="1" noEditPoints="1" noAdjustHandles="1" noChangeArrowheads="1" noChangeShapeType="1"/>
+          </p:cNvCxnSpPr>
+          <p:nvPr>
+            <p:extLst>
+              <p:ext uri="{386F3935-93C4-4BCD-93E2-E3B085C9AB24}">
+                <p16:designElem xmlns:p16="http://schemas.microsoft.com/office/powerpoint/2015/main" val="1"/>
+              </p:ext>
+            </p:extLst>
+          </p:nvPr>
+        </p:nvCxnSpPr>
+        <p:spPr>
+          <a:xfrm>
+            <a:off x="713232" y="1031001"/>
+            <a:ext cx="978862" cy="0"/>
+          </a:xfrm>
+          <a:prstGeom prst="line">
+            <a:avLst/>
+          </a:prstGeom>
+          <a:ln w="76200"/>
+        </p:spPr>
+        <p:style>
+          <a:lnRef idx="1">
+            <a:schemeClr val="accent1"/>
+          </a:lnRef>
+          <a:fillRef idx="0">
+            <a:schemeClr val="accent1"/>
+          </a:fillRef>
+          <a:effectRef idx="0">
+            <a:schemeClr val="accent1"/>
+          </a:effectRef>
+          <a:fontRef idx="minor">
+            <a:schemeClr val="tx1"/>
+          </a:fontRef>
+        </p:style>
+      </p:cxnSp>
+      <p:sp useBgFill="1">
+        <p:nvSpPr>
+          <p:cNvPr id="30" name="Rectangle 29">
+            <a:extLst>
+              <a:ext uri="{FF2B5EF4-FFF2-40B4-BE49-F238E27FC236}">
+                <a16:creationId xmlns:a16="http://schemas.microsoft.com/office/drawing/2014/main" id="{19F9BF86-FE94-4517-B97D-026C7515E589}"/>
+              </a:ext>
+              <a:ext uri="{C183D7F6-B498-43B3-948B-1728B52AA6E4}">
+                <adec:decorative xmlns:adec="http://schemas.microsoft.com/office/drawing/2017/decorative" val="1"/>
+              </a:ext>
+            </a:extLst>
+          </p:cNvPr>
+          <p:cNvSpPr>
+            <a:spLocks noGrp="1" noRot="1" noChangeAspect="1" noMove="1" noResize="1" noEditPoints="1" noAdjustHandles="1" noChangeArrowheads="1" noChangeShapeType="1" noTextEdit="1"/>
+          </p:cNvSpPr>
+          <p:nvPr>
+            <p:extLst>
+              <p:ext uri="{386F3935-93C4-4BCD-93E2-E3B085C9AB24}">
+                <p16:designElem xmlns:p16="http://schemas.microsoft.com/office/powerpoint/2015/main" val="1"/>
+              </p:ext>
+            </p:extLst>
+          </p:nvPr>
+        </p:nvSpPr>
+        <p:spPr>
+          <a:xfrm>
+            <a:off x="0" y="0"/>
+            <a:ext cx="12192000" cy="6858000"/>
+          </a:xfrm>
+          <a:prstGeom prst="rect">
+            <a:avLst/>
+          </a:prstGeom>
+          <a:ln w="12700" cap="flat" cmpd="sng" algn="ctr">
+            <a:noFill/>
+            <a:prstDash val="solid"/>
+            <a:miter lim="800000"/>
+          </a:ln>
+          <a:effectLst/>
+          <a:extLst>
+            <a:ext uri="{91240B29-F687-4F45-9708-019B960494DF}">
+              <a14:hiddenLine xmlns:a14="http://schemas.microsoft.com/office/drawing/2010/main" w="12700" cap="flat" cmpd="sng" algn="ctr">
+                <a:solidFill>
+                  <a:schemeClr val="accent1">
+                    <a:shade val="50000"/>
+                  </a:schemeClr>
+                </a:solidFill>
+                <a:prstDash val="solid"/>
+                <a:miter lim="800000"/>
+              </a14:hiddenLine>
+            </a:ext>
+          </a:extLst>
+        </p:spPr>
+        <p:style>
+          <a:lnRef idx="2">
+            <a:schemeClr val="accent1">
+              <a:shade val="50000"/>
+            </a:schemeClr>
+          </a:lnRef>
+          <a:fillRef idx="1">
+            <a:schemeClr val="accent1"/>
+          </a:fillRef>
+          <a:effectRef idx="0">
+            <a:schemeClr val="accent1"/>
+          </a:effectRef>
+          <a:fontRef idx="minor">
+            <a:schemeClr val="lt1"/>
+          </a:fontRef>
+        </p:style>
+        <p:txBody>
+          <a:bodyPr rtlCol="0" anchor="ctr"/>
+          <a:lstStyle/>
+          <a:p>
+            <a:pPr algn="ctr"/>
+            <a:endParaRPr lang="en-US"/>
+          </a:p>
+        </p:txBody>
+      </p:sp>
+      <p:sp>
+        <p:nvSpPr>
+          <p:cNvPr id="2" name="Tytuł 1">
+            <a:extLst>
+              <a:ext uri="{FF2B5EF4-FFF2-40B4-BE49-F238E27FC236}">
+                <a16:creationId xmlns:a16="http://schemas.microsoft.com/office/drawing/2014/main" id="{632F23C9-D199-A472-5C81-2506B62E8B5B}"/>
+              </a:ext>
+            </a:extLst>
+          </p:cNvPr>
+          <p:cNvSpPr>
+            <a:spLocks noGrp="1"/>
+          </p:cNvSpPr>
+          <p:nvPr>
+            <p:ph type="title"/>
+          </p:nvPr>
+        </p:nvSpPr>
+        <p:spPr>
+          <a:xfrm>
+            <a:off x="8159932" y="1186382"/>
+            <a:ext cx="3324820" cy="2682240"/>
+          </a:xfrm>
+        </p:spPr>
+        <p:txBody>
+          <a:bodyPr vert="horz" lIns="91440" tIns="45720" rIns="91440" bIns="45720" rtlCol="0" anchor="b">
+            <a:normAutofit/>
+          </a:bodyPr>
+          <a:lstStyle/>
+          <a:p>
+            <a:r>
+              <a:rPr lang="en-US" sz="4400"/>
+              <a:t>Prognoza</a:t>
+            </a:r>
+            <a:r>
+              <a:rPr lang="en-US" sz="4400" dirty="0"/>
+              <a:t> </a:t>
+            </a:r>
+            <a:r>
+              <a:rPr lang="en-US" sz="4400"/>
+              <a:t>CO2</a:t>
+            </a:r>
+            <a:endParaRPr lang="en-US" sz="4400" dirty="0"/>
+          </a:p>
+        </p:txBody>
+      </p:sp>
+      <p:pic>
+        <p:nvPicPr>
+          <p:cNvPr id="4" name="Obraz 3" descr="Obraz zawierający tekst, linia, Wykres, diagram&#10;&#10;Zawartość wygenerowana przez sztuczną inteligencję może być niepoprawna.">
+            <a:extLst>
+              <a:ext uri="{FF2B5EF4-FFF2-40B4-BE49-F238E27FC236}">
+                <a16:creationId xmlns:a16="http://schemas.microsoft.com/office/drawing/2014/main" id="{5AAE491B-58E1-619A-56D4-1EABE26E0AB5}"/>
+              </a:ext>
+            </a:extLst>
+          </p:cNvPr>
+          <p:cNvPicPr>
+            <a:picLocks noChangeAspect="1"/>
+          </p:cNvPicPr>
+          <p:nvPr/>
+        </p:nvPicPr>
+        <p:blipFill>
+          <a:blip r:embed="rId2"/>
+          <a:stretch>
+            <a:fillRect/>
+          </a:stretch>
+        </p:blipFill>
+        <p:spPr>
+          <a:xfrm>
+            <a:off x="672253" y="1454478"/>
+            <a:ext cx="6881991" cy="3785093"/>
+          </a:xfrm>
+          <a:prstGeom prst="rect">
+            <a:avLst/>
+          </a:prstGeom>
+        </p:spPr>
+      </p:pic>
+      <p:cxnSp>
+        <p:nvCxnSpPr>
+          <p:cNvPr id="32" name="Straight Connector 31">
+            <a:extLst>
+              <a:ext uri="{FF2B5EF4-FFF2-40B4-BE49-F238E27FC236}">
+                <a16:creationId xmlns:a16="http://schemas.microsoft.com/office/drawing/2014/main" id="{94AC3912-9445-326E-F355-EA4A288013DB}"/>
+              </a:ext>
+              <a:ext uri="{C183D7F6-B498-43B3-948B-1728B52AA6E4}">
+                <adec:decorative xmlns:adec="http://schemas.microsoft.com/office/drawing/2017/decorative" val="1"/>
+              </a:ext>
+            </a:extLst>
+          </p:cNvPr>
+          <p:cNvCxnSpPr>
+            <a:cxnSpLocks noGrp="1" noRot="1" noChangeAspect="1" noMove="1" noResize="1" noEditPoints="1" noAdjustHandles="1" noChangeArrowheads="1" noChangeShapeType="1"/>
+          </p:cNvCxnSpPr>
+          <p:nvPr>
+            <p:extLst>
+              <p:ext uri="{386F3935-93C4-4BCD-93E2-E3B085C9AB24}">
+                <p16:designElem xmlns:p16="http://schemas.microsoft.com/office/powerpoint/2015/main" val="1"/>
+              </p:ext>
+            </p:extLst>
+          </p:nvPr>
+        </p:nvCxnSpPr>
+        <p:spPr>
+          <a:xfrm>
+            <a:off x="672253" y="6272784"/>
+            <a:ext cx="10847495" cy="0"/>
+          </a:xfrm>
+          <a:prstGeom prst="line">
+            <a:avLst/>
+          </a:prstGeom>
+          <a:ln w="76200"/>
+        </p:spPr>
+        <p:style>
+          <a:lnRef idx="1">
+            <a:schemeClr val="accent1"/>
+          </a:lnRef>
+          <a:fillRef idx="0">
+            <a:schemeClr val="accent1"/>
+          </a:fillRef>
+          <a:effectRef idx="0">
+            <a:schemeClr val="accent1"/>
+          </a:effectRef>
+          <a:fontRef idx="minor">
+            <a:schemeClr val="tx1"/>
+          </a:fontRef>
+        </p:style>
+      </p:cxnSp>
+    </p:spTree>
+    <p:extLst>
+      <p:ext uri="{BB962C8B-B14F-4D97-AF65-F5344CB8AC3E}">
+        <p14:creationId xmlns:p14="http://schemas.microsoft.com/office/powerpoint/2010/main" val="2653873415"/>
+      </p:ext>
+    </p:extLst>
+  </p:cSld>
+  <p:clrMapOvr>
+    <a:masterClrMapping/>
+  </p:clrMapOvr>
+</p:sld>
+</file>
+
+<file path=ppt/slides/slide2.xml><?xml version="1.0" encoding="utf-8"?>
+<p:sld xmlns:a="http://schemas.openxmlformats.org/drawingml/2006/main" xmlns:r="http://schemas.openxmlformats.org/officeDocument/2006/relationships" xmlns:p="http://schemas.openxmlformats.org/presentationml/2006/main">
+  <p:cSld>
+    <p:bg>
+      <p:bgPr>
+        <a:solidFill>
+          <a:schemeClr val="bg1"/>
+        </a:solidFill>
+        <a:effectLst/>
+      </p:bgPr>
+    </p:bg>
+    <p:spTree>
+      <p:nvGrpSpPr>
+        <p:cNvPr id="1" name=""/>
+        <p:cNvGrpSpPr/>
+        <p:nvPr/>
+      </p:nvGrpSpPr>
+      <p:grpSpPr>
+        <a:xfrm>
+          <a:off x="0" y="0"/>
+          <a:ext cx="0" cy="0"/>
+          <a:chOff x="0" y="0"/>
+          <a:chExt cx="0" cy="0"/>
+        </a:xfrm>
+      </p:grpSpPr>
+      <p:sp useBgFill="1">
+        <p:nvSpPr>
+          <p:cNvPr id="9" name="Rectangle 8">
+            <a:extLst>
+              <a:ext uri="{FF2B5EF4-FFF2-40B4-BE49-F238E27FC236}">
+                <a16:creationId xmlns:a16="http://schemas.microsoft.com/office/drawing/2014/main" id="{A637580D-1176-4083-A9A1-BD8ED08996EC}"/>
+              </a:ext>
+              <a:ext uri="{C183D7F6-B498-43B3-948B-1728B52AA6E4}">
+                <adec:decorative xmlns:adec="http://schemas.microsoft.com/office/drawing/2017/decorative" val="1"/>
+              </a:ext>
+            </a:extLst>
+          </p:cNvPr>
+          <p:cNvSpPr>
+            <a:spLocks noGrp="1" noRot="1" noChangeAspect="1" noMove="1" noResize="1" noEditPoints="1" noAdjustHandles="1" noChangeArrowheads="1" noChangeShapeType="1" noTextEdit="1"/>
+          </p:cNvSpPr>
+          <p:nvPr>
+            <p:extLst>
+              <p:ext uri="{386F3935-93C4-4BCD-93E2-E3B085C9AB24}">
+                <p16:designElem xmlns:p16="http://schemas.microsoft.com/office/powerpoint/2015/main" val="1"/>
+              </p:ext>
+            </p:extLst>
+          </p:nvPr>
+        </p:nvSpPr>
+        <p:spPr>
+          <a:xfrm>
+            <a:off x="0" y="0"/>
+            <a:ext cx="12192000" cy="6858000"/>
+          </a:xfrm>
+          <a:prstGeom prst="rect">
+            <a:avLst/>
+          </a:prstGeom>
+          <a:ln w="12700" cap="flat" cmpd="sng" algn="ctr">
+            <a:noFill/>
+            <a:prstDash val="solid"/>
+            <a:miter lim="800000"/>
+          </a:ln>
+          <a:effectLst/>
+          <a:extLst>
+            <a:ext uri="{91240B29-F687-4F45-9708-019B960494DF}">
+              <a14:hiddenLine xmlns:a14="http://schemas.microsoft.com/office/drawing/2010/main" w="12700" cap="flat" cmpd="sng" algn="ctr">
+                <a:solidFill>
+                  <a:schemeClr val="accent1">
+                    <a:shade val="50000"/>
+                  </a:schemeClr>
+                </a:solidFill>
+                <a:prstDash val="solid"/>
+                <a:miter lim="800000"/>
+              </a14:hiddenLine>
+            </a:ext>
+          </a:extLst>
+        </p:spPr>
+        <p:style>
+          <a:lnRef idx="2">
+            <a:schemeClr val="accent1">
+              <a:shade val="50000"/>
+            </a:schemeClr>
+          </a:lnRef>
+          <a:fillRef idx="1">
+            <a:schemeClr val="accent1"/>
+          </a:fillRef>
+          <a:effectRef idx="0">
+            <a:schemeClr val="accent1"/>
+          </a:effectRef>
+          <a:fontRef idx="minor">
+            <a:schemeClr val="lt1"/>
+          </a:fontRef>
+        </p:style>
+        <p:txBody>
+          <a:bodyPr rtlCol="0" anchor="ctr"/>
+          <a:lstStyle/>
+          <a:p>
+            <a:pPr algn="ctr"/>
+            <a:endParaRPr lang="en-US"/>
+          </a:p>
+        </p:txBody>
+      </p:sp>
+      <p:sp>
+        <p:nvSpPr>
+          <p:cNvPr id="2" name="Tytuł 1">
+            <a:extLst>
+              <a:ext uri="{FF2B5EF4-FFF2-40B4-BE49-F238E27FC236}">
+                <a16:creationId xmlns:a16="http://schemas.microsoft.com/office/drawing/2014/main" id="{D92DB193-DDCD-E64F-60A5-DE6D60983F21}"/>
+              </a:ext>
+            </a:extLst>
+          </p:cNvPr>
+          <p:cNvSpPr>
+            <a:spLocks noGrp="1"/>
+          </p:cNvSpPr>
+          <p:nvPr>
+            <p:ph type="title"/>
+          </p:nvPr>
+        </p:nvSpPr>
+        <p:spPr>
+          <a:xfrm>
+            <a:off x="640080" y="1371600"/>
+            <a:ext cx="2652779" cy="4150811"/>
+          </a:xfrm>
+        </p:spPr>
+        <p:txBody>
+          <a:bodyPr>
+            <a:normAutofit/>
+          </a:bodyPr>
+          <a:lstStyle/>
+          <a:p>
+            <a:r>
+              <a:rPr lang="pl-PL" sz="4400" dirty="0"/>
+              <a:t>Dane</a:t>
+            </a:r>
+            <a:r>
+              <a:rPr lang="pl-PL" sz="3400" dirty="0"/>
+              <a:t> </a:t>
+            </a:r>
+          </a:p>
+        </p:txBody>
+      </p:sp>
+      <p:cxnSp>
+        <p:nvCxnSpPr>
+          <p:cNvPr id="11" name="Straight Connector 10">
+            <a:extLst>
+              <a:ext uri="{FF2B5EF4-FFF2-40B4-BE49-F238E27FC236}">
+                <a16:creationId xmlns:a16="http://schemas.microsoft.com/office/drawing/2014/main" id="{1A85A180-17F0-9F5F-51D9-6D242E7884AB}"/>
+              </a:ext>
+              <a:ext uri="{C183D7F6-B498-43B3-948B-1728B52AA6E4}">
+                <adec:decorative xmlns:adec="http://schemas.microsoft.com/office/drawing/2017/decorative" val="1"/>
+              </a:ext>
+            </a:extLst>
+          </p:cNvPr>
+          <p:cNvCxnSpPr>
+            <a:cxnSpLocks noGrp="1" noRot="1" noChangeAspect="1" noMove="1" noResize="1" noEditPoints="1" noAdjustHandles="1" noChangeArrowheads="1" noChangeShapeType="1"/>
+          </p:cNvCxnSpPr>
+          <p:nvPr>
+            <p:extLst>
+              <p:ext uri="{386F3935-93C4-4BCD-93E2-E3B085C9AB24}">
+                <p16:designElem xmlns:p16="http://schemas.microsoft.com/office/powerpoint/2015/main" val="1"/>
+              </p:ext>
+            </p:extLst>
+          </p:nvPr>
+        </p:nvCxnSpPr>
+        <p:spPr>
+          <a:xfrm>
+            <a:off x="713232" y="1031001"/>
+            <a:ext cx="978862" cy="0"/>
+          </a:xfrm>
+          <a:prstGeom prst="line">
+            <a:avLst/>
+          </a:prstGeom>
+          <a:ln w="76200"/>
+        </p:spPr>
+        <p:style>
+          <a:lnRef idx="1">
+            <a:schemeClr val="accent1"/>
+          </a:lnRef>
+          <a:fillRef idx="0">
+            <a:schemeClr val="accent1"/>
+          </a:fillRef>
+          <a:effectRef idx="0">
+            <a:schemeClr val="accent1"/>
+          </a:effectRef>
+          <a:fontRef idx="minor">
+            <a:schemeClr val="tx1"/>
+          </a:fontRef>
+        </p:style>
+      </p:cxnSp>
+      <p:graphicFrame>
+        <p:nvGraphicFramePr>
+          <p:cNvPr id="5" name="Symbol zastępczy zawartości 2">
+            <a:extLst>
+              <a:ext uri="{FF2B5EF4-FFF2-40B4-BE49-F238E27FC236}">
+                <a16:creationId xmlns:a16="http://schemas.microsoft.com/office/drawing/2014/main" id="{AF81A634-426C-B032-0185-C0B9CD41DCDE}"/>
+              </a:ext>
+            </a:extLst>
+          </p:cNvPr>
+          <p:cNvGraphicFramePr>
+            <a:graphicFrameLocks noGrp="1"/>
+          </p:cNvGraphicFramePr>
+          <p:nvPr>
+            <p:ph idx="1"/>
+            <p:extLst>
+              <p:ext uri="{D42A27DB-BD31-4B8C-83A1-F6EECF244321}">
+                <p14:modId xmlns:p14="http://schemas.microsoft.com/office/powerpoint/2010/main" val="3563127045"/>
+              </p:ext>
+            </p:extLst>
+          </p:nvPr>
+        </p:nvGraphicFramePr>
+        <p:xfrm>
+          <a:off x="4479636" y="849747"/>
+          <a:ext cx="7051373" cy="5448171"/>
+        </p:xfrm>
+        <a:graphic>
+          <a:graphicData uri="http://schemas.openxmlformats.org/drawingml/2006/diagram">
+            <dgm:relIds xmlns:dgm="http://schemas.openxmlformats.org/drawingml/2006/diagram" xmlns:r="http://schemas.openxmlformats.org/officeDocument/2006/relationships" r:dm="rId2" r:lo="rId3" r:qs="rId4" r:cs="rId5"/>
+          </a:graphicData>
+        </a:graphic>
+      </p:graphicFrame>
+    </p:spTree>
+    <p:extLst>
+      <p:ext uri="{BB962C8B-B14F-4D97-AF65-F5344CB8AC3E}">
+        <p14:creationId xmlns:p14="http://schemas.microsoft.com/office/powerpoint/2010/main" val="4217525644"/>
+      </p:ext>
+    </p:extLst>
+  </p:cSld>
+  <p:clrMapOvr>
+    <a:masterClrMapping/>
+  </p:clrMapOvr>
+</p:sld>
+</file>
+
+<file path=ppt/slides/slide20.xml><?xml version="1.0" encoding="utf-8"?>
+<p:sld xmlns:a="http://schemas.openxmlformats.org/drawingml/2006/main" xmlns:r="http://schemas.openxmlformats.org/officeDocument/2006/relationships" xmlns:p="http://schemas.openxmlformats.org/presentationml/2006/main">
+  <p:cSld>
+    <p:bg>
+      <p:bgPr>
+        <a:solidFill>
+          <a:schemeClr val="bg1"/>
+        </a:solidFill>
+        <a:effectLst/>
+      </p:bgPr>
+    </p:bg>
+    <p:spTree>
+      <p:nvGrpSpPr>
+        <p:cNvPr id="1" name="">
+          <a:extLst>
+            <a:ext uri="{FF2B5EF4-FFF2-40B4-BE49-F238E27FC236}">
+              <a16:creationId xmlns:a16="http://schemas.microsoft.com/office/drawing/2014/main" id="{92F1AB6A-E572-5E25-7E12-FA0C50B6272D}"/>
+            </a:ext>
+          </a:extLst>
+        </p:cNvPr>
+        <p:cNvGrpSpPr/>
+        <p:nvPr/>
+      </p:nvGrpSpPr>
+      <p:grpSpPr>
+        <a:xfrm>
+          <a:off x="0" y="0"/>
+          <a:ext cx="0" cy="0"/>
+          <a:chOff x="0" y="0"/>
+          <a:chExt cx="0" cy="0"/>
+        </a:xfrm>
+      </p:grpSpPr>
+      <p:cxnSp>
+        <p:nvCxnSpPr>
+          <p:cNvPr id="28" name="Straight Connector 27">
+            <a:extLst>
+              <a:ext uri="{FF2B5EF4-FFF2-40B4-BE49-F238E27FC236}">
+                <a16:creationId xmlns:a16="http://schemas.microsoft.com/office/drawing/2014/main" id="{118E06E4-607B-144B-382B-AD3D06B1EE8C}"/>
+              </a:ext>
+              <a:ext uri="{C183D7F6-B498-43B3-948B-1728B52AA6E4}">
+                <adec:decorative xmlns:adec="http://schemas.microsoft.com/office/drawing/2017/decorative" val="1"/>
+              </a:ext>
+            </a:extLst>
+          </p:cNvPr>
+          <p:cNvCxnSpPr>
+            <a:cxnSpLocks noGrp="1" noRot="1" noChangeAspect="1" noMove="1" noResize="1" noEditPoints="1" noAdjustHandles="1" noChangeArrowheads="1" noChangeShapeType="1"/>
+          </p:cNvCxnSpPr>
+          <p:nvPr>
+            <p:extLst>
+              <p:ext uri="{386F3935-93C4-4BCD-93E2-E3B085C9AB24}">
+                <p16:designElem xmlns:p16="http://schemas.microsoft.com/office/powerpoint/2015/main" val="1"/>
+              </p:ext>
+            </p:extLst>
+          </p:nvPr>
+        </p:nvCxnSpPr>
+        <p:spPr>
+          <a:xfrm>
+            <a:off x="713232" y="1031001"/>
+            <a:ext cx="978862" cy="0"/>
+          </a:xfrm>
+          <a:prstGeom prst="line">
+            <a:avLst/>
+          </a:prstGeom>
+          <a:ln w="76200"/>
+        </p:spPr>
+        <p:style>
+          <a:lnRef idx="1">
+            <a:schemeClr val="accent1"/>
+          </a:lnRef>
+          <a:fillRef idx="0">
+            <a:schemeClr val="accent1"/>
+          </a:fillRef>
+          <a:effectRef idx="0">
+            <a:schemeClr val="accent1"/>
+          </a:effectRef>
+          <a:fontRef idx="minor">
+            <a:schemeClr val="tx1"/>
+          </a:fontRef>
+        </p:style>
+      </p:cxnSp>
+      <p:sp useBgFill="1">
+        <p:nvSpPr>
+          <p:cNvPr id="30" name="Rectangle 29">
+            <a:extLst>
+              <a:ext uri="{FF2B5EF4-FFF2-40B4-BE49-F238E27FC236}">
+                <a16:creationId xmlns:a16="http://schemas.microsoft.com/office/drawing/2014/main" id="{19F9BF86-FE94-4517-B97D-026C7515E589}"/>
+              </a:ext>
+              <a:ext uri="{C183D7F6-B498-43B3-948B-1728B52AA6E4}">
+                <adec:decorative xmlns:adec="http://schemas.microsoft.com/office/drawing/2017/decorative" val="1"/>
+              </a:ext>
+            </a:extLst>
+          </p:cNvPr>
+          <p:cNvSpPr>
+            <a:spLocks noGrp="1" noRot="1" noChangeAspect="1" noMove="1" noResize="1" noEditPoints="1" noAdjustHandles="1" noChangeArrowheads="1" noChangeShapeType="1" noTextEdit="1"/>
+          </p:cNvSpPr>
+          <p:nvPr>
+            <p:extLst>
+              <p:ext uri="{386F3935-93C4-4BCD-93E2-E3B085C9AB24}">
+                <p16:designElem xmlns:p16="http://schemas.microsoft.com/office/powerpoint/2015/main" val="1"/>
+              </p:ext>
+            </p:extLst>
+          </p:nvPr>
+        </p:nvSpPr>
+        <p:spPr>
+          <a:xfrm>
+            <a:off x="0" y="0"/>
+            <a:ext cx="12192000" cy="6858000"/>
+          </a:xfrm>
+          <a:prstGeom prst="rect">
+            <a:avLst/>
+          </a:prstGeom>
+          <a:ln w="12700" cap="flat" cmpd="sng" algn="ctr">
+            <a:noFill/>
+            <a:prstDash val="solid"/>
+            <a:miter lim="800000"/>
+          </a:ln>
+          <a:effectLst/>
+          <a:extLst>
+            <a:ext uri="{91240B29-F687-4F45-9708-019B960494DF}">
+              <a14:hiddenLine xmlns:a14="http://schemas.microsoft.com/office/drawing/2010/main" w="12700" cap="flat" cmpd="sng" algn="ctr">
+                <a:solidFill>
+                  <a:schemeClr val="accent1">
+                    <a:shade val="50000"/>
+                  </a:schemeClr>
+                </a:solidFill>
+                <a:prstDash val="solid"/>
+                <a:miter lim="800000"/>
+              </a14:hiddenLine>
+            </a:ext>
+          </a:extLst>
+        </p:spPr>
+        <p:style>
+          <a:lnRef idx="2">
+            <a:schemeClr val="accent1">
+              <a:shade val="50000"/>
+            </a:schemeClr>
+          </a:lnRef>
+          <a:fillRef idx="1">
+            <a:schemeClr val="accent1"/>
+          </a:fillRef>
+          <a:effectRef idx="0">
+            <a:schemeClr val="accent1"/>
+          </a:effectRef>
+          <a:fontRef idx="minor">
+            <a:schemeClr val="lt1"/>
+          </a:fontRef>
+        </p:style>
+        <p:txBody>
+          <a:bodyPr rtlCol="0" anchor="ctr"/>
+          <a:lstStyle/>
+          <a:p>
+            <a:pPr algn="ctr"/>
+            <a:endParaRPr lang="en-US"/>
+          </a:p>
+        </p:txBody>
+      </p:sp>
+      <p:sp>
+        <p:nvSpPr>
+          <p:cNvPr id="2" name="Tytuł 1">
+            <a:extLst>
+              <a:ext uri="{FF2B5EF4-FFF2-40B4-BE49-F238E27FC236}">
+                <a16:creationId xmlns:a16="http://schemas.microsoft.com/office/drawing/2014/main" id="{E242BEE7-5ADF-413B-D13F-E578397E7E59}"/>
+              </a:ext>
+            </a:extLst>
+          </p:cNvPr>
+          <p:cNvSpPr>
+            <a:spLocks noGrp="1"/>
+          </p:cNvSpPr>
+          <p:nvPr>
+            <p:ph type="title"/>
+          </p:nvPr>
+        </p:nvSpPr>
+        <p:spPr>
+          <a:xfrm>
+            <a:off x="8159932" y="1186382"/>
+            <a:ext cx="3324820" cy="2682240"/>
+          </a:xfrm>
+        </p:spPr>
+        <p:txBody>
+          <a:bodyPr vert="horz" lIns="91440" tIns="45720" rIns="91440" bIns="45720" rtlCol="0" anchor="b">
+            <a:normAutofit/>
+          </a:bodyPr>
+          <a:lstStyle/>
+          <a:p>
+            <a:r>
+              <a:rPr lang="en-US" sz="4400"/>
+              <a:t>Prognoza</a:t>
+            </a:r>
+            <a:r>
+              <a:rPr lang="en-US" sz="4400" dirty="0"/>
+              <a:t> </a:t>
+            </a:r>
+            <a:r>
+              <a:rPr lang="en-US" sz="4400"/>
+              <a:t>populacji</a:t>
+            </a:r>
+            <a:endParaRPr lang="en-US" sz="4400" dirty="0"/>
+          </a:p>
+        </p:txBody>
+      </p:sp>
+      <p:pic>
+        <p:nvPicPr>
+          <p:cNvPr id="4" name="Obraz 3" descr="Obraz zawierający tekst, linia, Wykres, diagram&#10;&#10;Zawartość wygenerowana przez sztuczną inteligencję może być niepoprawna.">
+            <a:extLst>
+              <a:ext uri="{FF2B5EF4-FFF2-40B4-BE49-F238E27FC236}">
+                <a16:creationId xmlns:a16="http://schemas.microsoft.com/office/drawing/2014/main" id="{78897529-AC0A-24A8-65A9-615FDE0D4504}"/>
+              </a:ext>
+            </a:extLst>
+          </p:cNvPr>
+          <p:cNvPicPr>
+            <a:picLocks noChangeAspect="1"/>
+          </p:cNvPicPr>
+          <p:nvPr/>
+        </p:nvPicPr>
+        <p:blipFill>
+          <a:blip r:embed="rId2"/>
+          <a:stretch>
+            <a:fillRect/>
+          </a:stretch>
+        </p:blipFill>
+        <p:spPr>
+          <a:xfrm>
+            <a:off x="672253" y="1635129"/>
+            <a:ext cx="6881991" cy="3423791"/>
+          </a:xfrm>
+          <a:prstGeom prst="rect">
+            <a:avLst/>
+          </a:prstGeom>
+        </p:spPr>
+      </p:pic>
+      <p:cxnSp>
+        <p:nvCxnSpPr>
+          <p:cNvPr id="32" name="Straight Connector 31">
+            <a:extLst>
+              <a:ext uri="{FF2B5EF4-FFF2-40B4-BE49-F238E27FC236}">
+                <a16:creationId xmlns:a16="http://schemas.microsoft.com/office/drawing/2014/main" id="{94AC3912-9445-326E-F355-EA4A288013DB}"/>
+              </a:ext>
+              <a:ext uri="{C183D7F6-B498-43B3-948B-1728B52AA6E4}">
+                <adec:decorative xmlns:adec="http://schemas.microsoft.com/office/drawing/2017/decorative" val="1"/>
+              </a:ext>
+            </a:extLst>
+          </p:cNvPr>
+          <p:cNvCxnSpPr>
+            <a:cxnSpLocks noGrp="1" noRot="1" noChangeAspect="1" noMove="1" noResize="1" noEditPoints="1" noAdjustHandles="1" noChangeArrowheads="1" noChangeShapeType="1"/>
+          </p:cNvCxnSpPr>
+          <p:nvPr>
+            <p:extLst>
+              <p:ext uri="{386F3935-93C4-4BCD-93E2-E3B085C9AB24}">
+                <p16:designElem xmlns:p16="http://schemas.microsoft.com/office/powerpoint/2015/main" val="1"/>
+              </p:ext>
+            </p:extLst>
+          </p:nvPr>
+        </p:nvCxnSpPr>
+        <p:spPr>
+          <a:xfrm>
+            <a:off x="672253" y="6272784"/>
+            <a:ext cx="10847495" cy="0"/>
+          </a:xfrm>
+          <a:prstGeom prst="line">
+            <a:avLst/>
+          </a:prstGeom>
+          <a:ln w="76200"/>
+        </p:spPr>
+        <p:style>
+          <a:lnRef idx="1">
+            <a:schemeClr val="accent1"/>
+          </a:lnRef>
+          <a:fillRef idx="0">
+            <a:schemeClr val="accent1"/>
+          </a:fillRef>
+          <a:effectRef idx="0">
+            <a:schemeClr val="accent1"/>
+          </a:effectRef>
+          <a:fontRef idx="minor">
+            <a:schemeClr val="tx1"/>
+          </a:fontRef>
+        </p:style>
+      </p:cxnSp>
+    </p:spTree>
+    <p:extLst>
+      <p:ext uri="{BB962C8B-B14F-4D97-AF65-F5344CB8AC3E}">
+        <p14:creationId xmlns:p14="http://schemas.microsoft.com/office/powerpoint/2010/main" val="1237855636"/>
+      </p:ext>
+    </p:extLst>
+  </p:cSld>
+  <p:clrMapOvr>
+    <a:masterClrMapping/>
+  </p:clrMapOvr>
+</p:sld>
+</file>
+
+<file path=ppt/slides/slide21.xml><?xml version="1.0" encoding="utf-8"?>
+<p:sld xmlns:a="http://schemas.openxmlformats.org/drawingml/2006/main" xmlns:r="http://schemas.openxmlformats.org/officeDocument/2006/relationships" xmlns:p="http://schemas.openxmlformats.org/presentationml/2006/main">
+  <p:cSld>
+    <p:bg>
+      <p:bgPr>
+        <a:solidFill>
+          <a:schemeClr val="bg1"/>
+        </a:solidFill>
+        <a:effectLst/>
+      </p:bgPr>
+    </p:bg>
+    <p:spTree>
+      <p:nvGrpSpPr>
+        <p:cNvPr id="1" name="">
+          <a:extLst>
+            <a:ext uri="{FF2B5EF4-FFF2-40B4-BE49-F238E27FC236}">
+              <a16:creationId xmlns:a16="http://schemas.microsoft.com/office/drawing/2014/main" id="{94BE9590-069F-8446-201F-1EE774461D5E}"/>
+            </a:ext>
+          </a:extLst>
+        </p:cNvPr>
+        <p:cNvGrpSpPr/>
+        <p:nvPr/>
+      </p:nvGrpSpPr>
+      <p:grpSpPr>
+        <a:xfrm>
+          <a:off x="0" y="0"/>
+          <a:ext cx="0" cy="0"/>
+          <a:chOff x="0" y="0"/>
+          <a:chExt cx="0" cy="0"/>
+        </a:xfrm>
+      </p:grpSpPr>
+      <p:cxnSp>
+        <p:nvCxnSpPr>
+          <p:cNvPr id="40" name="Straight Connector 39">
+            <a:extLst>
+              <a:ext uri="{FF2B5EF4-FFF2-40B4-BE49-F238E27FC236}">
+                <a16:creationId xmlns:a16="http://schemas.microsoft.com/office/drawing/2014/main" id="{118E06E4-607B-144B-382B-AD3D06B1EE8C}"/>
+              </a:ext>
+              <a:ext uri="{C183D7F6-B498-43B3-948B-1728B52AA6E4}">
+                <adec:decorative xmlns:adec="http://schemas.microsoft.com/office/drawing/2017/decorative" val="1"/>
+              </a:ext>
+            </a:extLst>
+          </p:cNvPr>
+          <p:cNvCxnSpPr>
+            <a:cxnSpLocks noGrp="1" noRot="1" noChangeAspect="1" noMove="1" noResize="1" noEditPoints="1" noAdjustHandles="1" noChangeArrowheads="1" noChangeShapeType="1"/>
+          </p:cNvCxnSpPr>
+          <p:nvPr>
+            <p:extLst>
+              <p:ext uri="{386F3935-93C4-4BCD-93E2-E3B085C9AB24}">
+                <p16:designElem xmlns:p16="http://schemas.microsoft.com/office/powerpoint/2015/main" val="1"/>
+              </p:ext>
+            </p:extLst>
+          </p:nvPr>
+        </p:nvCxnSpPr>
+        <p:spPr>
+          <a:xfrm>
+            <a:off x="713232" y="1031001"/>
+            <a:ext cx="978862" cy="0"/>
+          </a:xfrm>
+          <a:prstGeom prst="line">
+            <a:avLst/>
+          </a:prstGeom>
+          <a:ln w="76200"/>
+        </p:spPr>
+        <p:style>
+          <a:lnRef idx="1">
+            <a:schemeClr val="accent1"/>
+          </a:lnRef>
+          <a:fillRef idx="0">
+            <a:schemeClr val="accent1"/>
+          </a:fillRef>
+          <a:effectRef idx="0">
+            <a:schemeClr val="accent1"/>
+          </a:effectRef>
+          <a:fontRef idx="minor">
+            <a:schemeClr val="tx1"/>
+          </a:fontRef>
+        </p:style>
+      </p:cxnSp>
+      <p:sp useBgFill="1">
+        <p:nvSpPr>
+          <p:cNvPr id="42" name="Rectangle 41">
+            <a:extLst>
+              <a:ext uri="{FF2B5EF4-FFF2-40B4-BE49-F238E27FC236}">
+                <a16:creationId xmlns:a16="http://schemas.microsoft.com/office/drawing/2014/main" id="{19F9BF86-FE94-4517-B97D-026C7515E589}"/>
+              </a:ext>
+              <a:ext uri="{C183D7F6-B498-43B3-948B-1728B52AA6E4}">
+                <adec:decorative xmlns:adec="http://schemas.microsoft.com/office/drawing/2017/decorative" val="1"/>
+              </a:ext>
+            </a:extLst>
+          </p:cNvPr>
+          <p:cNvSpPr>
+            <a:spLocks noGrp="1" noRot="1" noChangeAspect="1" noMove="1" noResize="1" noEditPoints="1" noAdjustHandles="1" noChangeArrowheads="1" noChangeShapeType="1" noTextEdit="1"/>
+          </p:cNvSpPr>
+          <p:nvPr>
+            <p:extLst>
+              <p:ext uri="{386F3935-93C4-4BCD-93E2-E3B085C9AB24}">
+                <p16:designElem xmlns:p16="http://schemas.microsoft.com/office/powerpoint/2015/main" val="1"/>
+              </p:ext>
+            </p:extLst>
+          </p:nvPr>
+        </p:nvSpPr>
+        <p:spPr>
+          <a:xfrm>
+            <a:off x="0" y="0"/>
+            <a:ext cx="12192000" cy="6858000"/>
+          </a:xfrm>
+          <a:prstGeom prst="rect">
+            <a:avLst/>
+          </a:prstGeom>
+          <a:ln w="12700" cap="flat" cmpd="sng" algn="ctr">
+            <a:noFill/>
+            <a:prstDash val="solid"/>
+            <a:miter lim="800000"/>
+          </a:ln>
+          <a:effectLst/>
+          <a:extLst>
+            <a:ext uri="{91240B29-F687-4F45-9708-019B960494DF}">
+              <a14:hiddenLine xmlns:a14="http://schemas.microsoft.com/office/drawing/2010/main" w="12700" cap="flat" cmpd="sng" algn="ctr">
+                <a:solidFill>
+                  <a:schemeClr val="accent1">
+                    <a:shade val="50000"/>
+                  </a:schemeClr>
+                </a:solidFill>
+                <a:prstDash val="solid"/>
+                <a:miter lim="800000"/>
+              </a14:hiddenLine>
+            </a:ext>
+          </a:extLst>
+        </p:spPr>
+        <p:style>
+          <a:lnRef idx="2">
+            <a:schemeClr val="accent1">
+              <a:shade val="50000"/>
+            </a:schemeClr>
+          </a:lnRef>
+          <a:fillRef idx="1">
+            <a:schemeClr val="accent1"/>
+          </a:fillRef>
+          <a:effectRef idx="0">
+            <a:schemeClr val="accent1"/>
+          </a:effectRef>
+          <a:fontRef idx="minor">
+            <a:schemeClr val="lt1"/>
+          </a:fontRef>
+        </p:style>
+        <p:txBody>
+          <a:bodyPr rtlCol="0" anchor="ctr"/>
+          <a:lstStyle/>
+          <a:p>
+            <a:pPr algn="ctr"/>
+            <a:endParaRPr lang="en-US"/>
+          </a:p>
+        </p:txBody>
+      </p:sp>
+      <p:sp>
+        <p:nvSpPr>
+          <p:cNvPr id="2" name="Tytuł 1">
+            <a:extLst>
+              <a:ext uri="{FF2B5EF4-FFF2-40B4-BE49-F238E27FC236}">
+                <a16:creationId xmlns:a16="http://schemas.microsoft.com/office/drawing/2014/main" id="{96551E2F-60A0-CA6B-7174-AB817F13D821}"/>
+              </a:ext>
+            </a:extLst>
+          </p:cNvPr>
+          <p:cNvSpPr>
+            <a:spLocks noGrp="1"/>
+          </p:cNvSpPr>
+          <p:nvPr>
+            <p:ph type="title"/>
+          </p:nvPr>
+        </p:nvSpPr>
+        <p:spPr>
+          <a:xfrm>
+            <a:off x="8159932" y="1186382"/>
+            <a:ext cx="3324820" cy="2682240"/>
+          </a:xfrm>
+        </p:spPr>
+        <p:txBody>
+          <a:bodyPr vert="horz" lIns="91440" tIns="45720" rIns="91440" bIns="45720" rtlCol="0" anchor="b">
+            <a:normAutofit/>
+          </a:bodyPr>
+          <a:lstStyle/>
+          <a:p>
+            <a:r>
+              <a:rPr lang="en-US" sz="4400"/>
+              <a:t>Predykcja GST</a:t>
+            </a:r>
+          </a:p>
+        </p:txBody>
+      </p:sp>
+      <p:sp>
+        <p:nvSpPr>
+          <p:cNvPr id="16" name="Rectangle 3">
+            <a:extLst>
+              <a:ext uri="{FF2B5EF4-FFF2-40B4-BE49-F238E27FC236}">
+                <a16:creationId xmlns:a16="http://schemas.microsoft.com/office/drawing/2014/main" id="{438DF5F8-53BE-2F75-A10F-E0197BB60032}"/>
+              </a:ext>
+            </a:extLst>
+          </p:cNvPr>
+          <p:cNvSpPr>
+            <a:spLocks noChangeArrowheads="1"/>
+          </p:cNvSpPr>
+          <p:nvPr/>
+        </p:nvSpPr>
+        <p:spPr bwMode="auto">
+          <a:xfrm>
+            <a:off x="8159931" y="4157886"/>
+            <a:ext cx="3324821" cy="1261817"/>
+          </a:xfrm>
+          <a:prstGeom prst="rect">
+            <a:avLst/>
+          </a:prstGeom>
+          <a:extLst>
+            <a:ext uri="{91240B29-F687-4F45-9708-019B960494DF}">
+              <a14:hiddenLine xmlns:a14="http://schemas.microsoft.com/office/drawing/2010/main" w="9525">
+                <a:solidFill>
+                  <a:schemeClr val="tx1"/>
+                </a:solidFill>
+                <a:miter lim="800000"/>
+                <a:headEnd/>
+                <a:tailEnd/>
+              </a14:hiddenLine>
+            </a:ext>
+            <a:ext uri="{AF507438-7753-43E0-B8FC-AC1667EBCBE1}">
+              <a14:hiddenEffects xmlns:a14="http://schemas.microsoft.com/office/drawing/2010/main">
+                <a:effectLst>
+                  <a:outerShdw dist="35921" dir="2700000" algn="ctr" rotWithShape="0">
+                    <a:schemeClr val="bg2"/>
+                  </a:outerShdw>
+                </a:effectLst>
+              </a14:hiddenEffects>
+            </a:ext>
+          </a:extLst>
+        </p:spPr>
+        <p:txBody>
+          <a:bodyPr vert="horz" lIns="91440" tIns="45720" rIns="91440" bIns="45720" numCol="1" rtlCol="0" anchor="t" anchorCtr="0" compatLnSpc="1">
+            <a:prstTxWarp prst="textNoShape">
+              <a:avLst/>
+            </a:prstTxWarp>
+            <a:normAutofit/>
+          </a:bodyPr>
+          <a:lstStyle/>
+          <a:p>
+            <a:pPr marR="0" lvl="0" fontAlgn="base">
+              <a:lnSpc>
+                <a:spcPct val="130000"/>
+              </a:lnSpc>
+              <a:spcBef>
+                <a:spcPts val="1000"/>
+              </a:spcBef>
+              <a:spcAft>
+                <a:spcPct val="0"/>
+              </a:spcAft>
+              <a:buClrTx/>
+              <a:buSzPct val="87000"/>
+              <a:tabLst/>
+            </a:pPr>
+            <a:r>
+              <a:rPr kumimoji="0" lang="en-US" altLang="pl-PL" b="1" i="0" u="none" strike="noStrike" cap="all" spc="300" normalizeH="0" dirty="0" err="1">
+                <a:ln>
+                  <a:noFill/>
+                </a:ln>
+                <a:effectLst/>
+              </a:rPr>
+              <a:t>Prognozowane</a:t>
+            </a:r>
+            <a:r>
+              <a:rPr kumimoji="0" lang="en-US" altLang="pl-PL" b="1" i="0" u="none" strike="noStrike" cap="all" spc="300" normalizeH="0" dirty="0">
+                <a:ln>
+                  <a:noFill/>
+                </a:ln>
+                <a:effectLst/>
+              </a:rPr>
+              <a:t> </a:t>
+            </a:r>
+            <a:r>
+              <a:rPr kumimoji="0" lang="en-US" altLang="pl-PL" b="1" i="0" u="none" strike="noStrike" cap="all" spc="300" normalizeH="0" dirty="0" err="1">
+                <a:ln>
+                  <a:noFill/>
+                </a:ln>
+                <a:effectLst/>
+              </a:rPr>
+              <a:t>przekroczenie</a:t>
+            </a:r>
+            <a:r>
+              <a:rPr kumimoji="0" lang="en-US" altLang="pl-PL" b="1" i="0" u="none" strike="noStrike" cap="all" spc="300" normalizeH="0" dirty="0">
+                <a:ln>
+                  <a:noFill/>
+                </a:ln>
+                <a:effectLst/>
+              </a:rPr>
+              <a:t> 1.5°C w </a:t>
+            </a:r>
+            <a:r>
+              <a:rPr kumimoji="0" lang="en-US" altLang="pl-PL" b="1" i="0" u="none" strike="noStrike" cap="all" spc="300" normalizeH="0" dirty="0" err="1">
+                <a:ln>
+                  <a:noFill/>
+                </a:ln>
+                <a:effectLst/>
+              </a:rPr>
+              <a:t>roku</a:t>
+            </a:r>
+            <a:r>
+              <a:rPr kumimoji="0" lang="en-US" altLang="pl-PL" b="1" i="0" u="none" strike="noStrike" cap="all" spc="300" normalizeH="0" dirty="0">
+                <a:ln>
+                  <a:noFill/>
+                </a:ln>
+                <a:effectLst/>
+              </a:rPr>
+              <a:t>: </a:t>
+            </a:r>
+            <a:r>
+              <a:rPr kumimoji="0" lang="pl-PL" altLang="pl-PL" b="1" i="0" u="none" strike="noStrike" cap="all" spc="300" normalizeH="0" dirty="0">
+                <a:ln>
+                  <a:noFill/>
+                </a:ln>
+                <a:effectLst/>
+              </a:rPr>
+              <a:t>2068</a:t>
+            </a:r>
+            <a:endParaRPr kumimoji="0" lang="en-US" altLang="pl-PL" b="1" i="0" u="none" strike="noStrike" cap="all" spc="300" normalizeH="0" dirty="0">
+              <a:ln>
+                <a:noFill/>
+              </a:ln>
+              <a:effectLst/>
+            </a:endParaRPr>
+          </a:p>
+        </p:txBody>
+      </p:sp>
+      <p:pic>
+        <p:nvPicPr>
+          <p:cNvPr id="5" name="Obraz 4">
+            <a:extLst>
+              <a:ext uri="{FF2B5EF4-FFF2-40B4-BE49-F238E27FC236}">
+                <a16:creationId xmlns:a16="http://schemas.microsoft.com/office/drawing/2014/main" id="{FCDF56F0-5E2F-2541-B6B7-0BC9B90DD110}"/>
+              </a:ext>
+            </a:extLst>
+          </p:cNvPr>
+          <p:cNvPicPr>
+            <a:picLocks noChangeAspect="1"/>
+          </p:cNvPicPr>
+          <p:nvPr/>
+        </p:nvPicPr>
+        <p:blipFill>
+          <a:blip r:embed="rId2"/>
+          <a:stretch>
+            <a:fillRect/>
+          </a:stretch>
+        </p:blipFill>
+        <p:spPr>
+          <a:xfrm>
+            <a:off x="672253" y="1454478"/>
+            <a:ext cx="6881991" cy="3785093"/>
+          </a:xfrm>
+          <a:prstGeom prst="rect">
+            <a:avLst/>
+          </a:prstGeom>
+        </p:spPr>
+      </p:pic>
+      <p:cxnSp>
+        <p:nvCxnSpPr>
+          <p:cNvPr id="44" name="Straight Connector 43">
+            <a:extLst>
+              <a:ext uri="{FF2B5EF4-FFF2-40B4-BE49-F238E27FC236}">
+                <a16:creationId xmlns:a16="http://schemas.microsoft.com/office/drawing/2014/main" id="{94AC3912-9445-326E-F355-EA4A288013DB}"/>
+              </a:ext>
+              <a:ext uri="{C183D7F6-B498-43B3-948B-1728B52AA6E4}">
+                <adec:decorative xmlns:adec="http://schemas.microsoft.com/office/drawing/2017/decorative" val="1"/>
+              </a:ext>
+            </a:extLst>
+          </p:cNvPr>
+          <p:cNvCxnSpPr>
+            <a:cxnSpLocks noGrp="1" noRot="1" noChangeAspect="1" noMove="1" noResize="1" noEditPoints="1" noAdjustHandles="1" noChangeArrowheads="1" noChangeShapeType="1"/>
+          </p:cNvCxnSpPr>
+          <p:nvPr>
+            <p:extLst>
+              <p:ext uri="{386F3935-93C4-4BCD-93E2-E3B085C9AB24}">
+                <p16:designElem xmlns:p16="http://schemas.microsoft.com/office/powerpoint/2015/main" val="1"/>
+              </p:ext>
+            </p:extLst>
+          </p:nvPr>
+        </p:nvCxnSpPr>
+        <p:spPr>
+          <a:xfrm>
+            <a:off x="672253" y="6272784"/>
+            <a:ext cx="10847495" cy="0"/>
+          </a:xfrm>
+          <a:prstGeom prst="line">
+            <a:avLst/>
+          </a:prstGeom>
+          <a:ln w="76200"/>
+        </p:spPr>
+        <p:style>
+          <a:lnRef idx="1">
+            <a:schemeClr val="accent1"/>
+          </a:lnRef>
+          <a:fillRef idx="0">
+            <a:schemeClr val="accent1"/>
+          </a:fillRef>
+          <a:effectRef idx="0">
+            <a:schemeClr val="accent1"/>
+          </a:effectRef>
+          <a:fontRef idx="minor">
+            <a:schemeClr val="tx1"/>
+          </a:fontRef>
+        </p:style>
+      </p:cxnSp>
+    </p:spTree>
+    <p:extLst>
+      <p:ext uri="{BB962C8B-B14F-4D97-AF65-F5344CB8AC3E}">
+        <p14:creationId xmlns:p14="http://schemas.microsoft.com/office/powerpoint/2010/main" val="4111424262"/>
+      </p:ext>
+    </p:extLst>
+  </p:cSld>
+  <p:clrMapOvr>
+    <a:masterClrMapping/>
+  </p:clrMapOvr>
+</p:sld>
+</file>
+
+<file path=ppt/slides/slide22.xml><?xml version="1.0" encoding="utf-8"?>
 <p:sld xmlns:a="http://schemas.openxmlformats.org/drawingml/2006/main" xmlns:r="http://schemas.openxmlformats.org/officeDocument/2006/relationships" xmlns:p="http://schemas.openxmlformats.org/presentationml/2006/main">
   <p:cSld>
     <p:bg>
@@ -25134,7 +30813,7 @@
 </p:sld>
 </file>
 
-<file path=ppt/slides/slide19.xml><?xml version="1.0" encoding="utf-8"?>
+<file path=ppt/slides/slide23.xml><?xml version="1.0" encoding="utf-8"?>
 <p:sld xmlns:a="http://schemas.openxmlformats.org/drawingml/2006/main" xmlns:r="http://schemas.openxmlformats.org/officeDocument/2006/relationships" xmlns:p="http://schemas.openxmlformats.org/presentationml/2006/main">
   <p:cSld>
     <p:spTree>
@@ -25289,14 +30968,13 @@
         </p:nvPicPr>
         <p:blipFill>
           <a:blip r:embed="rId5"/>
-          <a:stretch>
-            <a:fillRect/>
-          </a:stretch>
+          <a:srcRect b="15699"/>
+          <a:stretch/>
         </p:blipFill>
         <p:spPr>
           <a:xfrm>
             <a:off x="5900966" y="2327651"/>
-            <a:ext cx="5356314" cy="1205100"/>
+            <a:ext cx="5356314" cy="1015913"/>
           </a:xfrm>
           <a:prstGeom prst="rect">
             <a:avLst/>
@@ -25661,239 +31339,7 @@
 </p:sld>
 </file>
 
-<file path=ppt/slides/slide2.xml><?xml version="1.0" encoding="utf-8"?>
-<p:sld xmlns:a="http://schemas.openxmlformats.org/drawingml/2006/main" xmlns:r="http://schemas.openxmlformats.org/officeDocument/2006/relationships" xmlns:p="http://schemas.openxmlformats.org/presentationml/2006/main">
-  <p:cSld>
-    <p:bg>
-      <p:bgPr>
-        <a:solidFill>
-          <a:schemeClr val="bg1"/>
-        </a:solidFill>
-        <a:effectLst/>
-      </p:bgPr>
-    </p:bg>
-    <p:spTree>
-      <p:nvGrpSpPr>
-        <p:cNvPr id="1" name=""/>
-        <p:cNvGrpSpPr/>
-        <p:nvPr/>
-      </p:nvGrpSpPr>
-      <p:grpSpPr>
-        <a:xfrm>
-          <a:off x="0" y="0"/>
-          <a:ext cx="0" cy="0"/>
-          <a:chOff x="0" y="0"/>
-          <a:chExt cx="0" cy="0"/>
-        </a:xfrm>
-      </p:grpSpPr>
-      <p:sp useBgFill="1">
-        <p:nvSpPr>
-          <p:cNvPr id="9" name="Rectangle 8">
-            <a:extLst>
-              <a:ext uri="{FF2B5EF4-FFF2-40B4-BE49-F238E27FC236}">
-                <a16:creationId xmlns:a16="http://schemas.microsoft.com/office/drawing/2014/main" id="{A637580D-1176-4083-A9A1-BD8ED08996EC}"/>
-              </a:ext>
-              <a:ext uri="{C183D7F6-B498-43B3-948B-1728B52AA6E4}">
-                <adec:decorative xmlns:adec="http://schemas.microsoft.com/office/drawing/2017/decorative" val="1"/>
-              </a:ext>
-            </a:extLst>
-          </p:cNvPr>
-          <p:cNvSpPr>
-            <a:spLocks noGrp="1" noRot="1" noChangeAspect="1" noMove="1" noResize="1" noEditPoints="1" noAdjustHandles="1" noChangeArrowheads="1" noChangeShapeType="1" noTextEdit="1"/>
-          </p:cNvSpPr>
-          <p:nvPr>
-            <p:extLst>
-              <p:ext uri="{386F3935-93C4-4BCD-93E2-E3B085C9AB24}">
-                <p16:designElem xmlns:p16="http://schemas.microsoft.com/office/powerpoint/2015/main" val="1"/>
-              </p:ext>
-            </p:extLst>
-          </p:nvPr>
-        </p:nvSpPr>
-        <p:spPr>
-          <a:xfrm>
-            <a:off x="0" y="0"/>
-            <a:ext cx="12192000" cy="6858000"/>
-          </a:xfrm>
-          <a:prstGeom prst="rect">
-            <a:avLst/>
-          </a:prstGeom>
-          <a:ln w="12700" cap="flat" cmpd="sng" algn="ctr">
-            <a:noFill/>
-            <a:prstDash val="solid"/>
-            <a:miter lim="800000"/>
-          </a:ln>
-          <a:effectLst/>
-          <a:extLst>
-            <a:ext uri="{91240B29-F687-4F45-9708-019B960494DF}">
-              <a14:hiddenLine xmlns:a14="http://schemas.microsoft.com/office/drawing/2010/main" w="12700" cap="flat" cmpd="sng" algn="ctr">
-                <a:solidFill>
-                  <a:schemeClr val="accent1">
-                    <a:shade val="50000"/>
-                  </a:schemeClr>
-                </a:solidFill>
-                <a:prstDash val="solid"/>
-                <a:miter lim="800000"/>
-              </a14:hiddenLine>
-            </a:ext>
-          </a:extLst>
-        </p:spPr>
-        <p:style>
-          <a:lnRef idx="2">
-            <a:schemeClr val="accent1">
-              <a:shade val="50000"/>
-            </a:schemeClr>
-          </a:lnRef>
-          <a:fillRef idx="1">
-            <a:schemeClr val="accent1"/>
-          </a:fillRef>
-          <a:effectRef idx="0">
-            <a:schemeClr val="accent1"/>
-          </a:effectRef>
-          <a:fontRef idx="minor">
-            <a:schemeClr val="lt1"/>
-          </a:fontRef>
-        </p:style>
-        <p:txBody>
-          <a:bodyPr rtlCol="0" anchor="ctr"/>
-          <a:lstStyle/>
-          <a:p>
-            <a:pPr algn="ctr"/>
-            <a:endParaRPr lang="en-US"/>
-          </a:p>
-        </p:txBody>
-      </p:sp>
-      <p:sp>
-        <p:nvSpPr>
-          <p:cNvPr id="2" name="Tytuł 1">
-            <a:extLst>
-              <a:ext uri="{FF2B5EF4-FFF2-40B4-BE49-F238E27FC236}">
-                <a16:creationId xmlns:a16="http://schemas.microsoft.com/office/drawing/2014/main" id="{D92DB193-DDCD-E64F-60A5-DE6D60983F21}"/>
-              </a:ext>
-            </a:extLst>
-          </p:cNvPr>
-          <p:cNvSpPr>
-            <a:spLocks noGrp="1"/>
-          </p:cNvSpPr>
-          <p:nvPr>
-            <p:ph type="title"/>
-          </p:nvPr>
-        </p:nvSpPr>
-        <p:spPr>
-          <a:xfrm>
-            <a:off x="640080" y="1371600"/>
-            <a:ext cx="2652779" cy="4150811"/>
-          </a:xfrm>
-        </p:spPr>
-        <p:txBody>
-          <a:bodyPr>
-            <a:normAutofit/>
-          </a:bodyPr>
-          <a:lstStyle/>
-          <a:p>
-            <a:r>
-              <a:rPr lang="pl-PL" sz="4400" dirty="0"/>
-              <a:t>Dane</a:t>
-            </a:r>
-            <a:r>
-              <a:rPr lang="pl-PL" sz="3400" dirty="0"/>
-              <a:t> </a:t>
-            </a:r>
-          </a:p>
-        </p:txBody>
-      </p:sp>
-      <p:cxnSp>
-        <p:nvCxnSpPr>
-          <p:cNvPr id="11" name="Straight Connector 10">
-            <a:extLst>
-              <a:ext uri="{FF2B5EF4-FFF2-40B4-BE49-F238E27FC236}">
-                <a16:creationId xmlns:a16="http://schemas.microsoft.com/office/drawing/2014/main" id="{1A85A180-17F0-9F5F-51D9-6D242E7884AB}"/>
-              </a:ext>
-              <a:ext uri="{C183D7F6-B498-43B3-948B-1728B52AA6E4}">
-                <adec:decorative xmlns:adec="http://schemas.microsoft.com/office/drawing/2017/decorative" val="1"/>
-              </a:ext>
-            </a:extLst>
-          </p:cNvPr>
-          <p:cNvCxnSpPr>
-            <a:cxnSpLocks noGrp="1" noRot="1" noChangeAspect="1" noMove="1" noResize="1" noEditPoints="1" noAdjustHandles="1" noChangeArrowheads="1" noChangeShapeType="1"/>
-          </p:cNvCxnSpPr>
-          <p:nvPr>
-            <p:extLst>
-              <p:ext uri="{386F3935-93C4-4BCD-93E2-E3B085C9AB24}">
-                <p16:designElem xmlns:p16="http://schemas.microsoft.com/office/powerpoint/2015/main" val="1"/>
-              </p:ext>
-            </p:extLst>
-          </p:nvPr>
-        </p:nvCxnSpPr>
-        <p:spPr>
-          <a:xfrm>
-            <a:off x="713232" y="1031001"/>
-            <a:ext cx="978862" cy="0"/>
-          </a:xfrm>
-          <a:prstGeom prst="line">
-            <a:avLst/>
-          </a:prstGeom>
-          <a:ln w="76200"/>
-        </p:spPr>
-        <p:style>
-          <a:lnRef idx="1">
-            <a:schemeClr val="accent1"/>
-          </a:lnRef>
-          <a:fillRef idx="0">
-            <a:schemeClr val="accent1"/>
-          </a:fillRef>
-          <a:effectRef idx="0">
-            <a:schemeClr val="accent1"/>
-          </a:effectRef>
-          <a:fontRef idx="minor">
-            <a:schemeClr val="tx1"/>
-          </a:fontRef>
-        </p:style>
-      </p:cxnSp>
-      <p:graphicFrame>
-        <p:nvGraphicFramePr>
-          <p:cNvPr id="5" name="Symbol zastępczy zawartości 2">
-            <a:extLst>
-              <a:ext uri="{FF2B5EF4-FFF2-40B4-BE49-F238E27FC236}">
-                <a16:creationId xmlns:a16="http://schemas.microsoft.com/office/drawing/2014/main" id="{AF81A634-426C-B032-0185-C0B9CD41DCDE}"/>
-              </a:ext>
-            </a:extLst>
-          </p:cNvPr>
-          <p:cNvGraphicFramePr>
-            <a:graphicFrameLocks noGrp="1"/>
-          </p:cNvGraphicFramePr>
-          <p:nvPr>
-            <p:ph idx="1"/>
-            <p:extLst>
-              <p:ext uri="{D42A27DB-BD31-4B8C-83A1-F6EECF244321}">
-                <p14:modId xmlns:p14="http://schemas.microsoft.com/office/powerpoint/2010/main" val="3563127045"/>
-              </p:ext>
-            </p:extLst>
-          </p:nvPr>
-        </p:nvGraphicFramePr>
-        <p:xfrm>
-          <a:off x="4479636" y="849747"/>
-          <a:ext cx="7051373" cy="5448171"/>
-        </p:xfrm>
-        <a:graphic>
-          <a:graphicData uri="http://schemas.openxmlformats.org/drawingml/2006/diagram">
-            <dgm:relIds xmlns:dgm="http://schemas.openxmlformats.org/drawingml/2006/diagram" xmlns:r="http://schemas.openxmlformats.org/officeDocument/2006/relationships" r:dm="rId2" r:lo="rId3" r:qs="rId4" r:cs="rId5"/>
-          </a:graphicData>
-        </a:graphic>
-      </p:graphicFrame>
-    </p:spTree>
-    <p:extLst>
-      <p:ext uri="{BB962C8B-B14F-4D97-AF65-F5344CB8AC3E}">
-        <p14:creationId xmlns:p14="http://schemas.microsoft.com/office/powerpoint/2010/main" val="4217525644"/>
-      </p:ext>
-    </p:extLst>
-  </p:cSld>
-  <p:clrMapOvr>
-    <a:masterClrMapping/>
-  </p:clrMapOvr>
-</p:sld>
-</file>
-
-<file path=ppt/slides/slide20.xml><?xml version="1.0" encoding="utf-8"?>
+<file path=ppt/slides/slide24.xml><?xml version="1.0" encoding="utf-8"?>
 <p:sld xmlns:a="http://schemas.openxmlformats.org/drawingml/2006/main" xmlns:r="http://schemas.openxmlformats.org/officeDocument/2006/relationships" xmlns:p="http://schemas.openxmlformats.org/presentationml/2006/main">
   <p:cSld>
     <p:bg>
@@ -26176,7 +31622,7 @@
 </p:sld>
 </file>
 
-<file path=ppt/slides/slide21.xml><?xml version="1.0" encoding="utf-8"?>
+<file path=ppt/slides/slide25.xml><?xml version="1.0" encoding="utf-8"?>
 <p:sld xmlns:a="http://schemas.openxmlformats.org/drawingml/2006/main" xmlns:r="http://schemas.openxmlformats.org/officeDocument/2006/relationships" xmlns:p="http://schemas.openxmlformats.org/presentationml/2006/main">
   <p:cSld>
     <p:bg>
@@ -26459,7 +31905,7 @@
 </p:sld>
 </file>
 
-<file path=ppt/slides/slide22.xml><?xml version="1.0" encoding="utf-8"?>
+<file path=ppt/slides/slide26.xml><?xml version="1.0" encoding="utf-8"?>
 <p:sld xmlns:a="http://schemas.openxmlformats.org/drawingml/2006/main" xmlns:r="http://schemas.openxmlformats.org/officeDocument/2006/relationships" xmlns:p="http://schemas.openxmlformats.org/presentationml/2006/main">
   <p:cSld>
     <p:bg>
@@ -26742,7 +32188,7 @@
 </p:sld>
 </file>
 
-<file path=ppt/slides/slide23.xml><?xml version="1.0" encoding="utf-8"?>
+<file path=ppt/slides/slide27.xml><?xml version="1.0" encoding="utf-8"?>
 <p:sld xmlns:a="http://schemas.openxmlformats.org/drawingml/2006/main" xmlns:r="http://schemas.openxmlformats.org/officeDocument/2006/relationships" xmlns:p="http://schemas.openxmlformats.org/presentationml/2006/main">
   <p:cSld>
     <p:bg>
@@ -27096,7 +32542,7 @@
 </p:sld>
 </file>
 
-<file path=ppt/slides/slide24.xml><?xml version="1.0" encoding="utf-8"?>
+<file path=ppt/slides/slide28.xml><?xml version="1.0" encoding="utf-8"?>
 <p:sld xmlns:a="http://schemas.openxmlformats.org/drawingml/2006/main" xmlns:r="http://schemas.openxmlformats.org/officeDocument/2006/relationships" xmlns:p="http://schemas.openxmlformats.org/presentationml/2006/main">
   <p:cSld>
     <p:bg>
@@ -27339,7 +32785,7 @@
 </p:sld>
 </file>
 
-<file path=ppt/slides/slide25.xml><?xml version="1.0" encoding="utf-8"?>
+<file path=ppt/slides/slide29.xml><?xml version="1.0" encoding="utf-8"?>
 <p:sld xmlns:a="http://schemas.openxmlformats.org/drawingml/2006/main" xmlns:r="http://schemas.openxmlformats.org/officeDocument/2006/relationships" xmlns:p="http://schemas.openxmlformats.org/presentationml/2006/main">
   <p:cSld>
     <p:spTree>
@@ -27655,7 +33101,321 @@
 </p:sld>
 </file>
 
-<file path=ppt/slides/slide26.xml><?xml version="1.0" encoding="utf-8"?>
+<file path=ppt/slides/slide3.xml><?xml version="1.0" encoding="utf-8"?>
+<p:sld xmlns:a="http://schemas.openxmlformats.org/drawingml/2006/main" xmlns:r="http://schemas.openxmlformats.org/officeDocument/2006/relationships" xmlns:p="http://schemas.openxmlformats.org/presentationml/2006/main">
+  <p:cSld>
+    <p:bg>
+      <p:bgPr>
+        <a:solidFill>
+          <a:schemeClr val="bg1"/>
+        </a:solidFill>
+        <a:effectLst/>
+      </p:bgPr>
+    </p:bg>
+    <p:spTree>
+      <p:nvGrpSpPr>
+        <p:cNvPr id="1" name=""/>
+        <p:cNvGrpSpPr/>
+        <p:nvPr/>
+      </p:nvGrpSpPr>
+      <p:grpSpPr>
+        <a:xfrm>
+          <a:off x="0" y="0"/>
+          <a:ext cx="0" cy="0"/>
+          <a:chOff x="0" y="0"/>
+          <a:chExt cx="0" cy="0"/>
+        </a:xfrm>
+      </p:grpSpPr>
+      <p:cxnSp>
+        <p:nvCxnSpPr>
+          <p:cNvPr id="20" name="Straight Connector 13">
+            <a:extLst>
+              <a:ext uri="{FF2B5EF4-FFF2-40B4-BE49-F238E27FC236}">
+                <a16:creationId xmlns:a16="http://schemas.microsoft.com/office/drawing/2014/main" id="{118E06E4-607B-144B-382B-AD3D06B1EE8C}"/>
+              </a:ext>
+              <a:ext uri="{C183D7F6-B498-43B3-948B-1728B52AA6E4}">
+                <adec:decorative xmlns:adec="http://schemas.microsoft.com/office/drawing/2017/decorative" val="1"/>
+              </a:ext>
+            </a:extLst>
+          </p:cNvPr>
+          <p:cNvCxnSpPr>
+            <a:cxnSpLocks noGrp="1" noRot="1" noChangeAspect="1" noMove="1" noResize="1" noEditPoints="1" noAdjustHandles="1" noChangeArrowheads="1" noChangeShapeType="1"/>
+          </p:cNvCxnSpPr>
+          <p:nvPr>
+            <p:extLst>
+              <p:ext uri="{386F3935-93C4-4BCD-93E2-E3B085C9AB24}">
+                <p16:designElem xmlns:p16="http://schemas.microsoft.com/office/powerpoint/2015/main" val="1"/>
+              </p:ext>
+            </p:extLst>
+          </p:nvPr>
+        </p:nvCxnSpPr>
+        <p:spPr>
+          <a:xfrm>
+            <a:off x="713232" y="1031001"/>
+            <a:ext cx="978862" cy="0"/>
+          </a:xfrm>
+          <a:prstGeom prst="line">
+            <a:avLst/>
+          </a:prstGeom>
+          <a:ln w="76200"/>
+        </p:spPr>
+        <p:style>
+          <a:lnRef idx="1">
+            <a:schemeClr val="accent1"/>
+          </a:lnRef>
+          <a:fillRef idx="0">
+            <a:schemeClr val="accent1"/>
+          </a:fillRef>
+          <a:effectRef idx="0">
+            <a:schemeClr val="accent1"/>
+          </a:effectRef>
+          <a:fontRef idx="minor">
+            <a:schemeClr val="tx1"/>
+          </a:fontRef>
+        </p:style>
+      </p:cxnSp>
+      <p:sp useBgFill="1">
+        <p:nvSpPr>
+          <p:cNvPr id="21" name="Rectangle 15">
+            <a:extLst>
+              <a:ext uri="{FF2B5EF4-FFF2-40B4-BE49-F238E27FC236}">
+                <a16:creationId xmlns:a16="http://schemas.microsoft.com/office/drawing/2014/main" id="{19F9BF86-FE94-4517-B97D-026C7515E589}"/>
+              </a:ext>
+              <a:ext uri="{C183D7F6-B498-43B3-948B-1728B52AA6E4}">
+                <adec:decorative xmlns:adec="http://schemas.microsoft.com/office/drawing/2017/decorative" val="1"/>
+              </a:ext>
+            </a:extLst>
+          </p:cNvPr>
+          <p:cNvSpPr>
+            <a:spLocks noGrp="1" noRot="1" noChangeAspect="1" noMove="1" noResize="1" noEditPoints="1" noAdjustHandles="1" noChangeArrowheads="1" noChangeShapeType="1" noTextEdit="1"/>
+          </p:cNvSpPr>
+          <p:nvPr>
+            <p:extLst>
+              <p:ext uri="{386F3935-93C4-4BCD-93E2-E3B085C9AB24}">
+                <p16:designElem xmlns:p16="http://schemas.microsoft.com/office/powerpoint/2015/main" val="1"/>
+              </p:ext>
+            </p:extLst>
+          </p:nvPr>
+        </p:nvSpPr>
+        <p:spPr>
+          <a:xfrm>
+            <a:off x="0" y="0"/>
+            <a:ext cx="12192000" cy="6858000"/>
+          </a:xfrm>
+          <a:prstGeom prst="rect">
+            <a:avLst/>
+          </a:prstGeom>
+          <a:ln w="12700" cap="flat" cmpd="sng" algn="ctr">
+            <a:noFill/>
+            <a:prstDash val="solid"/>
+            <a:miter lim="800000"/>
+          </a:ln>
+          <a:effectLst/>
+          <a:extLst>
+            <a:ext uri="{91240B29-F687-4F45-9708-019B960494DF}">
+              <a14:hiddenLine xmlns:a14="http://schemas.microsoft.com/office/drawing/2010/main" w="12700" cap="flat" cmpd="sng" algn="ctr">
+                <a:solidFill>
+                  <a:schemeClr val="accent1">
+                    <a:shade val="50000"/>
+                  </a:schemeClr>
+                </a:solidFill>
+                <a:prstDash val="solid"/>
+                <a:miter lim="800000"/>
+              </a14:hiddenLine>
+            </a:ext>
+          </a:extLst>
+        </p:spPr>
+        <p:style>
+          <a:lnRef idx="2">
+            <a:schemeClr val="accent1">
+              <a:shade val="50000"/>
+            </a:schemeClr>
+          </a:lnRef>
+          <a:fillRef idx="1">
+            <a:schemeClr val="accent1"/>
+          </a:fillRef>
+          <a:effectRef idx="0">
+            <a:schemeClr val="accent1"/>
+          </a:effectRef>
+          <a:fontRef idx="minor">
+            <a:schemeClr val="lt1"/>
+          </a:fontRef>
+        </p:style>
+        <p:txBody>
+          <a:bodyPr rtlCol="0" anchor="ctr"/>
+          <a:lstStyle/>
+          <a:p>
+            <a:pPr algn="ctr"/>
+            <a:endParaRPr lang="en-US"/>
+          </a:p>
+        </p:txBody>
+      </p:sp>
+      <p:sp>
+        <p:nvSpPr>
+          <p:cNvPr id="9" name="Tytuł 8">
+            <a:extLst>
+              <a:ext uri="{FF2B5EF4-FFF2-40B4-BE49-F238E27FC236}">
+                <a16:creationId xmlns:a16="http://schemas.microsoft.com/office/drawing/2014/main" id="{31B78718-63A3-7874-140B-5777F1E681CB}"/>
+              </a:ext>
+            </a:extLst>
+          </p:cNvPr>
+          <p:cNvSpPr>
+            <a:spLocks noGrp="1"/>
+          </p:cNvSpPr>
+          <p:nvPr>
+            <p:ph type="title"/>
+          </p:nvPr>
+        </p:nvSpPr>
+        <p:spPr>
+          <a:xfrm>
+            <a:off x="640080" y="1434438"/>
+            <a:ext cx="2983229" cy="2612976"/>
+          </a:xfrm>
+        </p:spPr>
+        <p:txBody>
+          <a:bodyPr vert="horz" lIns="91440" tIns="45720" rIns="91440" bIns="45720" rtlCol="0" anchor="t">
+            <a:normAutofit/>
+          </a:bodyPr>
+          <a:lstStyle/>
+          <a:p>
+            <a:r>
+              <a:rPr lang="en-US" sz="4400" dirty="0" err="1"/>
+              <a:t>Struktura</a:t>
+            </a:r>
+            <a:r>
+              <a:rPr lang="en-US" sz="4400" dirty="0"/>
+              <a:t> </a:t>
+            </a:r>
+            <a:r>
+              <a:rPr lang="en-US" sz="4400" dirty="0" err="1"/>
+              <a:t>danych</a:t>
+            </a:r>
+            <a:endParaRPr lang="en-US" sz="4400" dirty="0"/>
+          </a:p>
+        </p:txBody>
+      </p:sp>
+      <p:pic>
+        <p:nvPicPr>
+          <p:cNvPr id="7" name="Obraz 6" descr="Obraz zawierający tekst, zrzut ekranu, Czcionka, numer&#10;&#10;Zawartość wygenerowana przez sztuczną inteligencję może być niepoprawna.">
+            <a:extLst>
+              <a:ext uri="{FF2B5EF4-FFF2-40B4-BE49-F238E27FC236}">
+                <a16:creationId xmlns:a16="http://schemas.microsoft.com/office/drawing/2014/main" id="{C2AE6D4D-4702-880D-77BE-54CE6B9A657E}"/>
+              </a:ext>
+            </a:extLst>
+          </p:cNvPr>
+          <p:cNvPicPr>
+            <a:picLocks noChangeAspect="1"/>
+          </p:cNvPicPr>
+          <p:nvPr/>
+        </p:nvPicPr>
+        <p:blipFill>
+          <a:blip r:embed="rId2"/>
+          <a:stretch>
+            <a:fillRect/>
+          </a:stretch>
+        </p:blipFill>
+        <p:spPr>
+          <a:xfrm>
+            <a:off x="4229100" y="492659"/>
+            <a:ext cx="7290648" cy="2223647"/>
+          </a:xfrm>
+          <a:prstGeom prst="rect">
+            <a:avLst/>
+          </a:prstGeom>
+        </p:spPr>
+      </p:pic>
+      <p:cxnSp>
+        <p:nvCxnSpPr>
+          <p:cNvPr id="22" name="Straight Connector 17">
+            <a:extLst>
+              <a:ext uri="{FF2B5EF4-FFF2-40B4-BE49-F238E27FC236}">
+                <a16:creationId xmlns:a16="http://schemas.microsoft.com/office/drawing/2014/main" id="{426B4E86-32C4-273A-1ADF-6B44243549D7}"/>
+              </a:ext>
+              <a:ext uri="{C183D7F6-B498-43B3-948B-1728B52AA6E4}">
+                <adec:decorative xmlns:adec="http://schemas.microsoft.com/office/drawing/2017/decorative" val="1"/>
+              </a:ext>
+            </a:extLst>
+          </p:cNvPr>
+          <p:cNvCxnSpPr>
+            <a:cxnSpLocks noGrp="1" noRot="1" noChangeAspect="1" noMove="1" noResize="1" noEditPoints="1" noAdjustHandles="1" noChangeArrowheads="1" noChangeShapeType="1"/>
+          </p:cNvCxnSpPr>
+          <p:nvPr>
+            <p:extLst>
+              <p:ext uri="{386F3935-93C4-4BCD-93E2-E3B085C9AB24}">
+                <p16:designElem xmlns:p16="http://schemas.microsoft.com/office/powerpoint/2015/main" val="1"/>
+              </p:ext>
+            </p:extLst>
+          </p:nvPr>
+        </p:nvCxnSpPr>
+        <p:spPr>
+          <a:xfrm>
+            <a:off x="672253" y="6272784"/>
+            <a:ext cx="10847495" cy="0"/>
+          </a:xfrm>
+          <a:prstGeom prst="line">
+            <a:avLst/>
+          </a:prstGeom>
+          <a:ln w="76200"/>
+        </p:spPr>
+        <p:style>
+          <a:lnRef idx="1">
+            <a:schemeClr val="accent1"/>
+          </a:lnRef>
+          <a:fillRef idx="0">
+            <a:schemeClr val="accent1"/>
+          </a:fillRef>
+          <a:effectRef idx="0">
+            <a:schemeClr val="accent1"/>
+          </a:effectRef>
+          <a:fontRef idx="minor">
+            <a:schemeClr val="tx1"/>
+          </a:fontRef>
+        </p:style>
+      </p:cxnSp>
+      <p:pic>
+        <p:nvPicPr>
+          <p:cNvPr id="11" name="Obraz 10">
+            <a:extLst>
+              <a:ext uri="{FF2B5EF4-FFF2-40B4-BE49-F238E27FC236}">
+                <a16:creationId xmlns:a16="http://schemas.microsoft.com/office/drawing/2014/main" id="{E7E467EE-6D6A-B94B-59B1-82A0FF987238}"/>
+              </a:ext>
+            </a:extLst>
+          </p:cNvPr>
+          <p:cNvPicPr>
+            <a:picLocks noChangeAspect="1"/>
+          </p:cNvPicPr>
+          <p:nvPr/>
+        </p:nvPicPr>
+        <p:blipFill>
+          <a:blip r:embed="rId3"/>
+          <a:stretch>
+            <a:fillRect/>
+          </a:stretch>
+        </p:blipFill>
+        <p:spPr>
+          <a:xfrm>
+            <a:off x="4275705" y="3102392"/>
+            <a:ext cx="7244043" cy="2612976"/>
+          </a:xfrm>
+          <a:prstGeom prst="rect">
+            <a:avLst/>
+          </a:prstGeom>
+        </p:spPr>
+      </p:pic>
+    </p:spTree>
+    <p:extLst>
+      <p:ext uri="{BB962C8B-B14F-4D97-AF65-F5344CB8AC3E}">
+        <p14:creationId xmlns:p14="http://schemas.microsoft.com/office/powerpoint/2010/main" val="3808273879"/>
+      </p:ext>
+    </p:extLst>
+  </p:cSld>
+  <p:clrMapOvr>
+    <a:masterClrMapping/>
+  </p:clrMapOvr>
+</p:sld>
+</file>
+
+<file path=ppt/slides/slide30.xml><?xml version="1.0" encoding="utf-8"?>
 <p:sld xmlns:a="http://schemas.openxmlformats.org/drawingml/2006/main" xmlns:r="http://schemas.openxmlformats.org/officeDocument/2006/relationships" xmlns:p="http://schemas.openxmlformats.org/presentationml/2006/main">
   <p:cSld>
     <p:bg>
@@ -27945,7 +33705,7 @@
 </p:sld>
 </file>
 
-<file path=ppt/slides/slide27.xml><?xml version="1.0" encoding="utf-8"?>
+<file path=ppt/slides/slide31.xml><?xml version="1.0" encoding="utf-8"?>
 <p:sld xmlns:a="http://schemas.openxmlformats.org/drawingml/2006/main" xmlns:r="http://schemas.openxmlformats.org/officeDocument/2006/relationships" xmlns:p="http://schemas.openxmlformats.org/presentationml/2006/main">
   <p:cSld>
     <p:bg>
@@ -28235,7 +33995,7 @@
 </p:sld>
 </file>
 
-<file path=ppt/slides/slide28.xml><?xml version="1.0" encoding="utf-8"?>
+<file path=ppt/slides/slide32.xml><?xml version="1.0" encoding="utf-8"?>
 <p:sld xmlns:a="http://schemas.openxmlformats.org/drawingml/2006/main" xmlns:r="http://schemas.openxmlformats.org/officeDocument/2006/relationships" xmlns:p="http://schemas.openxmlformats.org/presentationml/2006/main">
   <p:cSld>
     <p:bg>
@@ -28655,7 +34415,7 @@
 </p:sld>
 </file>
 
-<file path=ppt/slides/slide29.xml><?xml version="1.0" encoding="utf-8"?>
+<file path=ppt/slides/slide33.xml><?xml version="1.0" encoding="utf-8"?>
 <p:sld xmlns:a="http://schemas.openxmlformats.org/drawingml/2006/main" xmlns:r="http://schemas.openxmlformats.org/officeDocument/2006/relationships" xmlns:p="http://schemas.openxmlformats.org/presentationml/2006/main">
   <p:cSld>
     <p:bg>
@@ -28855,7 +34615,7 @@
             <p:ph idx="1"/>
             <p:extLst>
               <p:ext uri="{D42A27DB-BD31-4B8C-83A1-F6EECF244321}">
-                <p14:modId xmlns:p14="http://schemas.microsoft.com/office/powerpoint/2010/main" val="3032852942"/>
+                <p14:modId xmlns:p14="http://schemas.microsoft.com/office/powerpoint/2010/main" val="4095762307"/>
               </p:ext>
             </p:extLst>
           </p:nvPr>
@@ -28874,320 +34634,6 @@
     <p:extLst>
       <p:ext uri="{BB962C8B-B14F-4D97-AF65-F5344CB8AC3E}">
         <p14:creationId xmlns:p14="http://schemas.microsoft.com/office/powerpoint/2010/main" val="2350396903"/>
-      </p:ext>
-    </p:extLst>
-  </p:cSld>
-  <p:clrMapOvr>
-    <a:masterClrMapping/>
-  </p:clrMapOvr>
-</p:sld>
-</file>
-
-<file path=ppt/slides/slide3.xml><?xml version="1.0" encoding="utf-8"?>
-<p:sld xmlns:a="http://schemas.openxmlformats.org/drawingml/2006/main" xmlns:r="http://schemas.openxmlformats.org/officeDocument/2006/relationships" xmlns:p="http://schemas.openxmlformats.org/presentationml/2006/main">
-  <p:cSld>
-    <p:bg>
-      <p:bgPr>
-        <a:solidFill>
-          <a:schemeClr val="bg1"/>
-        </a:solidFill>
-        <a:effectLst/>
-      </p:bgPr>
-    </p:bg>
-    <p:spTree>
-      <p:nvGrpSpPr>
-        <p:cNvPr id="1" name=""/>
-        <p:cNvGrpSpPr/>
-        <p:nvPr/>
-      </p:nvGrpSpPr>
-      <p:grpSpPr>
-        <a:xfrm>
-          <a:off x="0" y="0"/>
-          <a:ext cx="0" cy="0"/>
-          <a:chOff x="0" y="0"/>
-          <a:chExt cx="0" cy="0"/>
-        </a:xfrm>
-      </p:grpSpPr>
-      <p:cxnSp>
-        <p:nvCxnSpPr>
-          <p:cNvPr id="20" name="Straight Connector 13">
-            <a:extLst>
-              <a:ext uri="{FF2B5EF4-FFF2-40B4-BE49-F238E27FC236}">
-                <a16:creationId xmlns:a16="http://schemas.microsoft.com/office/drawing/2014/main" id="{118E06E4-607B-144B-382B-AD3D06B1EE8C}"/>
-              </a:ext>
-              <a:ext uri="{C183D7F6-B498-43B3-948B-1728B52AA6E4}">
-                <adec:decorative xmlns:adec="http://schemas.microsoft.com/office/drawing/2017/decorative" val="1"/>
-              </a:ext>
-            </a:extLst>
-          </p:cNvPr>
-          <p:cNvCxnSpPr>
-            <a:cxnSpLocks noGrp="1" noRot="1" noChangeAspect="1" noMove="1" noResize="1" noEditPoints="1" noAdjustHandles="1" noChangeArrowheads="1" noChangeShapeType="1"/>
-          </p:cNvCxnSpPr>
-          <p:nvPr>
-            <p:extLst>
-              <p:ext uri="{386F3935-93C4-4BCD-93E2-E3B085C9AB24}">
-                <p16:designElem xmlns:p16="http://schemas.microsoft.com/office/powerpoint/2015/main" val="1"/>
-              </p:ext>
-            </p:extLst>
-          </p:nvPr>
-        </p:nvCxnSpPr>
-        <p:spPr>
-          <a:xfrm>
-            <a:off x="713232" y="1031001"/>
-            <a:ext cx="978862" cy="0"/>
-          </a:xfrm>
-          <a:prstGeom prst="line">
-            <a:avLst/>
-          </a:prstGeom>
-          <a:ln w="76200"/>
-        </p:spPr>
-        <p:style>
-          <a:lnRef idx="1">
-            <a:schemeClr val="accent1"/>
-          </a:lnRef>
-          <a:fillRef idx="0">
-            <a:schemeClr val="accent1"/>
-          </a:fillRef>
-          <a:effectRef idx="0">
-            <a:schemeClr val="accent1"/>
-          </a:effectRef>
-          <a:fontRef idx="minor">
-            <a:schemeClr val="tx1"/>
-          </a:fontRef>
-        </p:style>
-      </p:cxnSp>
-      <p:sp useBgFill="1">
-        <p:nvSpPr>
-          <p:cNvPr id="21" name="Rectangle 15">
-            <a:extLst>
-              <a:ext uri="{FF2B5EF4-FFF2-40B4-BE49-F238E27FC236}">
-                <a16:creationId xmlns:a16="http://schemas.microsoft.com/office/drawing/2014/main" id="{19F9BF86-FE94-4517-B97D-026C7515E589}"/>
-              </a:ext>
-              <a:ext uri="{C183D7F6-B498-43B3-948B-1728B52AA6E4}">
-                <adec:decorative xmlns:adec="http://schemas.microsoft.com/office/drawing/2017/decorative" val="1"/>
-              </a:ext>
-            </a:extLst>
-          </p:cNvPr>
-          <p:cNvSpPr>
-            <a:spLocks noGrp="1" noRot="1" noChangeAspect="1" noMove="1" noResize="1" noEditPoints="1" noAdjustHandles="1" noChangeArrowheads="1" noChangeShapeType="1" noTextEdit="1"/>
-          </p:cNvSpPr>
-          <p:nvPr>
-            <p:extLst>
-              <p:ext uri="{386F3935-93C4-4BCD-93E2-E3B085C9AB24}">
-                <p16:designElem xmlns:p16="http://schemas.microsoft.com/office/powerpoint/2015/main" val="1"/>
-              </p:ext>
-            </p:extLst>
-          </p:nvPr>
-        </p:nvSpPr>
-        <p:spPr>
-          <a:xfrm>
-            <a:off x="0" y="0"/>
-            <a:ext cx="12192000" cy="6858000"/>
-          </a:xfrm>
-          <a:prstGeom prst="rect">
-            <a:avLst/>
-          </a:prstGeom>
-          <a:ln w="12700" cap="flat" cmpd="sng" algn="ctr">
-            <a:noFill/>
-            <a:prstDash val="solid"/>
-            <a:miter lim="800000"/>
-          </a:ln>
-          <a:effectLst/>
-          <a:extLst>
-            <a:ext uri="{91240B29-F687-4F45-9708-019B960494DF}">
-              <a14:hiddenLine xmlns:a14="http://schemas.microsoft.com/office/drawing/2010/main" w="12700" cap="flat" cmpd="sng" algn="ctr">
-                <a:solidFill>
-                  <a:schemeClr val="accent1">
-                    <a:shade val="50000"/>
-                  </a:schemeClr>
-                </a:solidFill>
-                <a:prstDash val="solid"/>
-                <a:miter lim="800000"/>
-              </a14:hiddenLine>
-            </a:ext>
-          </a:extLst>
-        </p:spPr>
-        <p:style>
-          <a:lnRef idx="2">
-            <a:schemeClr val="accent1">
-              <a:shade val="50000"/>
-            </a:schemeClr>
-          </a:lnRef>
-          <a:fillRef idx="1">
-            <a:schemeClr val="accent1"/>
-          </a:fillRef>
-          <a:effectRef idx="0">
-            <a:schemeClr val="accent1"/>
-          </a:effectRef>
-          <a:fontRef idx="minor">
-            <a:schemeClr val="lt1"/>
-          </a:fontRef>
-        </p:style>
-        <p:txBody>
-          <a:bodyPr rtlCol="0" anchor="ctr"/>
-          <a:lstStyle/>
-          <a:p>
-            <a:pPr algn="ctr"/>
-            <a:endParaRPr lang="en-US"/>
-          </a:p>
-        </p:txBody>
-      </p:sp>
-      <p:sp>
-        <p:nvSpPr>
-          <p:cNvPr id="9" name="Tytuł 8">
-            <a:extLst>
-              <a:ext uri="{FF2B5EF4-FFF2-40B4-BE49-F238E27FC236}">
-                <a16:creationId xmlns:a16="http://schemas.microsoft.com/office/drawing/2014/main" id="{31B78718-63A3-7874-140B-5777F1E681CB}"/>
-              </a:ext>
-            </a:extLst>
-          </p:cNvPr>
-          <p:cNvSpPr>
-            <a:spLocks noGrp="1"/>
-          </p:cNvSpPr>
-          <p:nvPr>
-            <p:ph type="title"/>
-          </p:nvPr>
-        </p:nvSpPr>
-        <p:spPr>
-          <a:xfrm>
-            <a:off x="640080" y="1434438"/>
-            <a:ext cx="2983229" cy="2612976"/>
-          </a:xfrm>
-        </p:spPr>
-        <p:txBody>
-          <a:bodyPr vert="horz" lIns="91440" tIns="45720" rIns="91440" bIns="45720" rtlCol="0" anchor="t">
-            <a:normAutofit/>
-          </a:bodyPr>
-          <a:lstStyle/>
-          <a:p>
-            <a:r>
-              <a:rPr lang="en-US" sz="4400" dirty="0" err="1"/>
-              <a:t>Struktura</a:t>
-            </a:r>
-            <a:r>
-              <a:rPr lang="en-US" sz="4400" dirty="0"/>
-              <a:t> </a:t>
-            </a:r>
-            <a:r>
-              <a:rPr lang="en-US" sz="4400" dirty="0" err="1"/>
-              <a:t>danych</a:t>
-            </a:r>
-            <a:endParaRPr lang="en-US" sz="4400" dirty="0"/>
-          </a:p>
-        </p:txBody>
-      </p:sp>
-      <p:pic>
-        <p:nvPicPr>
-          <p:cNvPr id="7" name="Obraz 6" descr="Obraz zawierający tekst, zrzut ekranu, Czcionka, numer&#10;&#10;Zawartość wygenerowana przez sztuczną inteligencję może być niepoprawna.">
-            <a:extLst>
-              <a:ext uri="{FF2B5EF4-FFF2-40B4-BE49-F238E27FC236}">
-                <a16:creationId xmlns:a16="http://schemas.microsoft.com/office/drawing/2014/main" id="{C2AE6D4D-4702-880D-77BE-54CE6B9A657E}"/>
-              </a:ext>
-            </a:extLst>
-          </p:cNvPr>
-          <p:cNvPicPr>
-            <a:picLocks noChangeAspect="1"/>
-          </p:cNvPicPr>
-          <p:nvPr/>
-        </p:nvPicPr>
-        <p:blipFill>
-          <a:blip r:embed="rId2"/>
-          <a:stretch>
-            <a:fillRect/>
-          </a:stretch>
-        </p:blipFill>
-        <p:spPr>
-          <a:xfrm>
-            <a:off x="4229100" y="492659"/>
-            <a:ext cx="7290648" cy="2223647"/>
-          </a:xfrm>
-          <a:prstGeom prst="rect">
-            <a:avLst/>
-          </a:prstGeom>
-        </p:spPr>
-      </p:pic>
-      <p:cxnSp>
-        <p:nvCxnSpPr>
-          <p:cNvPr id="22" name="Straight Connector 17">
-            <a:extLst>
-              <a:ext uri="{FF2B5EF4-FFF2-40B4-BE49-F238E27FC236}">
-                <a16:creationId xmlns:a16="http://schemas.microsoft.com/office/drawing/2014/main" id="{426B4E86-32C4-273A-1ADF-6B44243549D7}"/>
-              </a:ext>
-              <a:ext uri="{C183D7F6-B498-43B3-948B-1728B52AA6E4}">
-                <adec:decorative xmlns:adec="http://schemas.microsoft.com/office/drawing/2017/decorative" val="1"/>
-              </a:ext>
-            </a:extLst>
-          </p:cNvPr>
-          <p:cNvCxnSpPr>
-            <a:cxnSpLocks noGrp="1" noRot="1" noChangeAspect="1" noMove="1" noResize="1" noEditPoints="1" noAdjustHandles="1" noChangeArrowheads="1" noChangeShapeType="1"/>
-          </p:cNvCxnSpPr>
-          <p:nvPr>
-            <p:extLst>
-              <p:ext uri="{386F3935-93C4-4BCD-93E2-E3B085C9AB24}">
-                <p16:designElem xmlns:p16="http://schemas.microsoft.com/office/powerpoint/2015/main" val="1"/>
-              </p:ext>
-            </p:extLst>
-          </p:nvPr>
-        </p:nvCxnSpPr>
-        <p:spPr>
-          <a:xfrm>
-            <a:off x="672253" y="6272784"/>
-            <a:ext cx="10847495" cy="0"/>
-          </a:xfrm>
-          <a:prstGeom prst="line">
-            <a:avLst/>
-          </a:prstGeom>
-          <a:ln w="76200"/>
-        </p:spPr>
-        <p:style>
-          <a:lnRef idx="1">
-            <a:schemeClr val="accent1"/>
-          </a:lnRef>
-          <a:fillRef idx="0">
-            <a:schemeClr val="accent1"/>
-          </a:fillRef>
-          <a:effectRef idx="0">
-            <a:schemeClr val="accent1"/>
-          </a:effectRef>
-          <a:fontRef idx="minor">
-            <a:schemeClr val="tx1"/>
-          </a:fontRef>
-        </p:style>
-      </p:cxnSp>
-      <p:pic>
-        <p:nvPicPr>
-          <p:cNvPr id="11" name="Obraz 10">
-            <a:extLst>
-              <a:ext uri="{FF2B5EF4-FFF2-40B4-BE49-F238E27FC236}">
-                <a16:creationId xmlns:a16="http://schemas.microsoft.com/office/drawing/2014/main" id="{E7E467EE-6D6A-B94B-59B1-82A0FF987238}"/>
-              </a:ext>
-            </a:extLst>
-          </p:cNvPr>
-          <p:cNvPicPr>
-            <a:picLocks noChangeAspect="1"/>
-          </p:cNvPicPr>
-          <p:nvPr/>
-        </p:nvPicPr>
-        <p:blipFill>
-          <a:blip r:embed="rId3"/>
-          <a:stretch>
-            <a:fillRect/>
-          </a:stretch>
-        </p:blipFill>
-        <p:spPr>
-          <a:xfrm>
-            <a:off x="4275705" y="3102392"/>
-            <a:ext cx="7244043" cy="2612976"/>
-          </a:xfrm>
-          <a:prstGeom prst="rect">
-            <a:avLst/>
-          </a:prstGeom>
-        </p:spPr>
-      </p:pic>
-    </p:spTree>
-    <p:extLst>
-      <p:ext uri="{BB962C8B-B14F-4D97-AF65-F5344CB8AC3E}">
-        <p14:creationId xmlns:p14="http://schemas.microsoft.com/office/powerpoint/2010/main" val="3808273879"/>
       </p:ext>
     </p:extLst>
   </p:cSld>
